--- a/magic-eight-ball/ReactPresentation.pptx
+++ b/magic-eight-ball/ReactPresentation.pptx
@@ -10677,8 +10677,13 @@
           <a:p>
             <a:r>
               <a:rPr lang="en-US" dirty="0"/>
-              <a:t>From there, navigate to C:\MagicEightBall</a:t>
-            </a:r>
+              <a:t>From there, navigate to C</a:t>
+            </a:r>
+            <a:r>
+              <a:rPr lang="en-US"/>
+              <a:t>:\MagicEightBall\magic-eight-ball</a:t>
+            </a:r>
+            <a:endParaRPr lang="en-US" dirty="0"/>
           </a:p>
           <a:p>
             <a:r>

--- a/magic-eight-ball/ReactPresentation.pptx
+++ b/magic-eight-ball/ReactPresentation.pptx
@@ -6382,8 +6382,13 @@
             <a:pPr lvl="1"/>
             <a:r>
               <a:rPr lang="en-US" dirty="0"/>
-              <a:t>These divide sections off</a:t>
-            </a:r>
+              <a:t>These </a:t>
+            </a:r>
+            <a:r>
+              <a:rPr lang="en-US"/>
+              <a:t>are considered tags</a:t>
+            </a:r>
+            <a:endParaRPr lang="en-US" dirty="0"/>
           </a:p>
           <a:p>
             <a:r>
@@ -10677,13 +10682,8 @@
           <a:p>
             <a:r>
               <a:rPr lang="en-US" dirty="0"/>
-              <a:t>From there, navigate to C</a:t>
-            </a:r>
-            <a:r>
-              <a:rPr lang="en-US"/>
-              <a:t>:\MagicEightBall\magic-eight-ball</a:t>
-            </a:r>
-            <a:endParaRPr lang="en-US" dirty="0"/>
+              <a:t>From there, navigate to C:\MagicEightBall\magic-eight-ball</a:t>
+            </a:r>
           </a:p>
           <a:p>
             <a:r>

--- a/magic-eight-ball/ReactPresentation.pptx
+++ b/magic-eight-ball/ReactPresentation.pptx
@@ -5,7 +5,7 @@
     <p:sldMasterId id="2147483648" r:id="rId1"/>
   </p:sldMasterIdLst>
   <p:notesMasterIdLst>
-    <p:notesMasterId r:id="rId32"/>
+    <p:notesMasterId r:id="rId33"/>
   </p:notesMasterIdLst>
   <p:sldIdLst>
     <p:sldId id="256" r:id="rId2"/>
@@ -13,31 +13,32 @@
     <p:sldId id="266" r:id="rId4"/>
     <p:sldId id="264" r:id="rId5"/>
     <p:sldId id="263" r:id="rId6"/>
-    <p:sldId id="259" r:id="rId7"/>
-    <p:sldId id="267" r:id="rId8"/>
+    <p:sldId id="292" r:id="rId7"/>
+    <p:sldId id="259" r:id="rId8"/>
     <p:sldId id="281" r:id="rId9"/>
-    <p:sldId id="268" r:id="rId10"/>
-    <p:sldId id="282" r:id="rId11"/>
-    <p:sldId id="269" r:id="rId12"/>
-    <p:sldId id="270" r:id="rId13"/>
-    <p:sldId id="283" r:id="rId14"/>
-    <p:sldId id="284" r:id="rId15"/>
-    <p:sldId id="285" r:id="rId16"/>
-    <p:sldId id="286" r:id="rId17"/>
-    <p:sldId id="271" r:id="rId18"/>
-    <p:sldId id="272" r:id="rId19"/>
-    <p:sldId id="287" r:id="rId20"/>
-    <p:sldId id="288" r:id="rId21"/>
-    <p:sldId id="289" r:id="rId22"/>
-    <p:sldId id="273" r:id="rId23"/>
-    <p:sldId id="274" r:id="rId24"/>
-    <p:sldId id="275" r:id="rId25"/>
-    <p:sldId id="290" r:id="rId26"/>
-    <p:sldId id="278" r:id="rId27"/>
-    <p:sldId id="291" r:id="rId28"/>
-    <p:sldId id="276" r:id="rId29"/>
-    <p:sldId id="277" r:id="rId30"/>
-    <p:sldId id="280" r:id="rId31"/>
+    <p:sldId id="267" r:id="rId10"/>
+    <p:sldId id="268" r:id="rId11"/>
+    <p:sldId id="282" r:id="rId12"/>
+    <p:sldId id="269" r:id="rId13"/>
+    <p:sldId id="270" r:id="rId14"/>
+    <p:sldId id="283" r:id="rId15"/>
+    <p:sldId id="284" r:id="rId16"/>
+    <p:sldId id="285" r:id="rId17"/>
+    <p:sldId id="286" r:id="rId18"/>
+    <p:sldId id="271" r:id="rId19"/>
+    <p:sldId id="272" r:id="rId20"/>
+    <p:sldId id="287" r:id="rId21"/>
+    <p:sldId id="288" r:id="rId22"/>
+    <p:sldId id="289" r:id="rId23"/>
+    <p:sldId id="273" r:id="rId24"/>
+    <p:sldId id="274" r:id="rId25"/>
+    <p:sldId id="275" r:id="rId26"/>
+    <p:sldId id="290" r:id="rId27"/>
+    <p:sldId id="278" r:id="rId28"/>
+    <p:sldId id="291" r:id="rId29"/>
+    <p:sldId id="276" r:id="rId30"/>
+    <p:sldId id="277" r:id="rId31"/>
+    <p:sldId id="280" r:id="rId32"/>
   </p:sldIdLst>
   <p:sldSz cx="12192000" cy="6858000"/>
   <p:notesSz cx="6858000" cy="9144000"/>
@@ -651,7 +652,7 @@
     </p:spTree>
     <p:extLst>
       <p:ext uri="{BB962C8B-B14F-4D97-AF65-F5344CB8AC3E}">
-        <p14:creationId xmlns:p14="http://schemas.microsoft.com/office/powerpoint/2010/main" val="1243542866"/>
+        <p14:creationId xmlns:p14="http://schemas.microsoft.com/office/powerpoint/2010/main" val="3520377618"/>
       </p:ext>
     </p:extLst>
   </p:cSld>
@@ -735,7 +736,7 @@
     </p:spTree>
     <p:extLst>
       <p:ext uri="{BB962C8B-B14F-4D97-AF65-F5344CB8AC3E}">
-        <p14:creationId xmlns:p14="http://schemas.microsoft.com/office/powerpoint/2010/main" val="2321882677"/>
+        <p14:creationId xmlns:p14="http://schemas.microsoft.com/office/powerpoint/2010/main" val="1243542866"/>
       </p:ext>
     </p:extLst>
   </p:cSld>
@@ -819,7 +820,7 @@
     </p:spTree>
     <p:extLst>
       <p:ext uri="{BB962C8B-B14F-4D97-AF65-F5344CB8AC3E}">
-        <p14:creationId xmlns:p14="http://schemas.microsoft.com/office/powerpoint/2010/main" val="1178742168"/>
+        <p14:creationId xmlns:p14="http://schemas.microsoft.com/office/powerpoint/2010/main" val="2321882677"/>
       </p:ext>
     </p:extLst>
   </p:cSld>
@@ -903,7 +904,7 @@
     </p:spTree>
     <p:extLst>
       <p:ext uri="{BB962C8B-B14F-4D97-AF65-F5344CB8AC3E}">
-        <p14:creationId xmlns:p14="http://schemas.microsoft.com/office/powerpoint/2010/main" val="1412732082"/>
+        <p14:creationId xmlns:p14="http://schemas.microsoft.com/office/powerpoint/2010/main" val="1178742168"/>
       </p:ext>
     </p:extLst>
   </p:cSld>
@@ -987,7 +988,7 @@
     </p:spTree>
     <p:extLst>
       <p:ext uri="{BB962C8B-B14F-4D97-AF65-F5344CB8AC3E}">
-        <p14:creationId xmlns:p14="http://schemas.microsoft.com/office/powerpoint/2010/main" val="248614982"/>
+        <p14:creationId xmlns:p14="http://schemas.microsoft.com/office/powerpoint/2010/main" val="1412732082"/>
       </p:ext>
     </p:extLst>
   </p:cSld>
@@ -1071,7 +1072,7 @@
     </p:spTree>
     <p:extLst>
       <p:ext uri="{BB962C8B-B14F-4D97-AF65-F5344CB8AC3E}">
-        <p14:creationId xmlns:p14="http://schemas.microsoft.com/office/powerpoint/2010/main" val="1293921872"/>
+        <p14:creationId xmlns:p14="http://schemas.microsoft.com/office/powerpoint/2010/main" val="248614982"/>
       </p:ext>
     </p:extLst>
   </p:cSld>
@@ -1155,7 +1156,7 @@
     </p:spTree>
     <p:extLst>
       <p:ext uri="{BB962C8B-B14F-4D97-AF65-F5344CB8AC3E}">
-        <p14:creationId xmlns:p14="http://schemas.microsoft.com/office/powerpoint/2010/main" val="2129542828"/>
+        <p14:creationId xmlns:p14="http://schemas.microsoft.com/office/powerpoint/2010/main" val="1293921872"/>
       </p:ext>
     </p:extLst>
   </p:cSld>
@@ -1239,7 +1240,7 @@
     </p:spTree>
     <p:extLst>
       <p:ext uri="{BB962C8B-B14F-4D97-AF65-F5344CB8AC3E}">
-        <p14:creationId xmlns:p14="http://schemas.microsoft.com/office/powerpoint/2010/main" val="1558490199"/>
+        <p14:creationId xmlns:p14="http://schemas.microsoft.com/office/powerpoint/2010/main" val="2129542828"/>
       </p:ext>
     </p:extLst>
   </p:cSld>
@@ -1323,7 +1324,7 @@
     </p:spTree>
     <p:extLst>
       <p:ext uri="{BB962C8B-B14F-4D97-AF65-F5344CB8AC3E}">
-        <p14:creationId xmlns:p14="http://schemas.microsoft.com/office/powerpoint/2010/main" val="707280320"/>
+        <p14:creationId xmlns:p14="http://schemas.microsoft.com/office/powerpoint/2010/main" val="1558490199"/>
       </p:ext>
     </p:extLst>
   </p:cSld>
@@ -1407,7 +1408,7 @@
     </p:spTree>
     <p:extLst>
       <p:ext uri="{BB962C8B-B14F-4D97-AF65-F5344CB8AC3E}">
-        <p14:creationId xmlns:p14="http://schemas.microsoft.com/office/powerpoint/2010/main" val="2227675385"/>
+        <p14:creationId xmlns:p14="http://schemas.microsoft.com/office/powerpoint/2010/main" val="707280320"/>
       </p:ext>
     </p:extLst>
   </p:cSld>
@@ -1575,7 +1576,7 @@
     </p:spTree>
     <p:extLst>
       <p:ext uri="{BB962C8B-B14F-4D97-AF65-F5344CB8AC3E}">
-        <p14:creationId xmlns:p14="http://schemas.microsoft.com/office/powerpoint/2010/main" val="1013356341"/>
+        <p14:creationId xmlns:p14="http://schemas.microsoft.com/office/powerpoint/2010/main" val="2227675385"/>
       </p:ext>
     </p:extLst>
   </p:cSld>
@@ -1659,7 +1660,7 @@
     </p:spTree>
     <p:extLst>
       <p:ext uri="{BB962C8B-B14F-4D97-AF65-F5344CB8AC3E}">
-        <p14:creationId xmlns:p14="http://schemas.microsoft.com/office/powerpoint/2010/main" val="1401309316"/>
+        <p14:creationId xmlns:p14="http://schemas.microsoft.com/office/powerpoint/2010/main" val="1013356341"/>
       </p:ext>
     </p:extLst>
   </p:cSld>
@@ -1743,7 +1744,7 @@
     </p:spTree>
     <p:extLst>
       <p:ext uri="{BB962C8B-B14F-4D97-AF65-F5344CB8AC3E}">
-        <p14:creationId xmlns:p14="http://schemas.microsoft.com/office/powerpoint/2010/main" val="12178410"/>
+        <p14:creationId xmlns:p14="http://schemas.microsoft.com/office/powerpoint/2010/main" val="1401309316"/>
       </p:ext>
     </p:extLst>
   </p:cSld>
@@ -1827,7 +1828,7 @@
     </p:spTree>
     <p:extLst>
       <p:ext uri="{BB962C8B-B14F-4D97-AF65-F5344CB8AC3E}">
-        <p14:creationId xmlns:p14="http://schemas.microsoft.com/office/powerpoint/2010/main" val="3313755763"/>
+        <p14:creationId xmlns:p14="http://schemas.microsoft.com/office/powerpoint/2010/main" val="12178410"/>
       </p:ext>
     </p:extLst>
   </p:cSld>
@@ -1911,7 +1912,7 @@
     </p:spTree>
     <p:extLst>
       <p:ext uri="{BB962C8B-B14F-4D97-AF65-F5344CB8AC3E}">
-        <p14:creationId xmlns:p14="http://schemas.microsoft.com/office/powerpoint/2010/main" val="2551119648"/>
+        <p14:creationId xmlns:p14="http://schemas.microsoft.com/office/powerpoint/2010/main" val="3313755763"/>
       </p:ext>
     </p:extLst>
   </p:cSld>
@@ -1995,7 +1996,7 @@
     </p:spTree>
     <p:extLst>
       <p:ext uri="{BB962C8B-B14F-4D97-AF65-F5344CB8AC3E}">
-        <p14:creationId xmlns:p14="http://schemas.microsoft.com/office/powerpoint/2010/main" val="1965334167"/>
+        <p14:creationId xmlns:p14="http://schemas.microsoft.com/office/powerpoint/2010/main" val="2551119648"/>
       </p:ext>
     </p:extLst>
   </p:cSld>
@@ -2079,7 +2080,7 @@
     </p:spTree>
     <p:extLst>
       <p:ext uri="{BB962C8B-B14F-4D97-AF65-F5344CB8AC3E}">
-        <p14:creationId xmlns:p14="http://schemas.microsoft.com/office/powerpoint/2010/main" val="3674173676"/>
+        <p14:creationId xmlns:p14="http://schemas.microsoft.com/office/powerpoint/2010/main" val="1965334167"/>
       </p:ext>
     </p:extLst>
   </p:cSld>
@@ -2163,7 +2164,7 @@
     </p:spTree>
     <p:extLst>
       <p:ext uri="{BB962C8B-B14F-4D97-AF65-F5344CB8AC3E}">
-        <p14:creationId xmlns:p14="http://schemas.microsoft.com/office/powerpoint/2010/main" val="2449961838"/>
+        <p14:creationId xmlns:p14="http://schemas.microsoft.com/office/powerpoint/2010/main" val="3674173676"/>
       </p:ext>
     </p:extLst>
   </p:cSld>
@@ -2247,7 +2248,7 @@
     </p:spTree>
     <p:extLst>
       <p:ext uri="{BB962C8B-B14F-4D97-AF65-F5344CB8AC3E}">
-        <p14:creationId xmlns:p14="http://schemas.microsoft.com/office/powerpoint/2010/main" val="182653527"/>
+        <p14:creationId xmlns:p14="http://schemas.microsoft.com/office/powerpoint/2010/main" val="2449961838"/>
       </p:ext>
     </p:extLst>
   </p:cSld>
@@ -2331,7 +2332,7 @@
     </p:spTree>
     <p:extLst>
       <p:ext uri="{BB962C8B-B14F-4D97-AF65-F5344CB8AC3E}">
-        <p14:creationId xmlns:p14="http://schemas.microsoft.com/office/powerpoint/2010/main" val="2168919981"/>
+        <p14:creationId xmlns:p14="http://schemas.microsoft.com/office/powerpoint/2010/main" val="182653527"/>
       </p:ext>
     </p:extLst>
   </p:cSld>
@@ -2499,6 +2500,90 @@
     </p:spTree>
     <p:extLst>
       <p:ext uri="{BB962C8B-B14F-4D97-AF65-F5344CB8AC3E}">
+        <p14:creationId xmlns:p14="http://schemas.microsoft.com/office/powerpoint/2010/main" val="2168919981"/>
+      </p:ext>
+    </p:extLst>
+  </p:cSld>
+  <p:clrMapOvr>
+    <a:masterClrMapping/>
+  </p:clrMapOvr>
+</p:notes>
+</file>
+
+<file path=ppt/notesSlides/notesSlide31.xml><?xml version="1.0" encoding="utf-8"?>
+<p:notes xmlns:a="http://schemas.openxmlformats.org/drawingml/2006/main" xmlns:r="http://schemas.openxmlformats.org/officeDocument/2006/relationships" xmlns:p="http://schemas.openxmlformats.org/presentationml/2006/main">
+  <p:cSld>
+    <p:spTree>
+      <p:nvGrpSpPr>
+        <p:cNvPr id="1" name=""/>
+        <p:cNvGrpSpPr/>
+        <p:nvPr/>
+      </p:nvGrpSpPr>
+      <p:grpSpPr>
+        <a:xfrm>
+          <a:off x="0" y="0"/>
+          <a:ext cx="0" cy="0"/>
+          <a:chOff x="0" y="0"/>
+          <a:chExt cx="0" cy="0"/>
+        </a:xfrm>
+      </p:grpSpPr>
+      <p:sp>
+        <p:nvSpPr>
+          <p:cNvPr id="2" name="Slide Image Placeholder 1"/>
+          <p:cNvSpPr>
+            <a:spLocks noGrp="1" noRot="1" noChangeAspect="1"/>
+          </p:cNvSpPr>
+          <p:nvPr>
+            <p:ph type="sldImg"/>
+          </p:nvPr>
+        </p:nvSpPr>
+        <p:spPr/>
+      </p:sp>
+      <p:sp>
+        <p:nvSpPr>
+          <p:cNvPr id="3" name="Notes Placeholder 2"/>
+          <p:cNvSpPr>
+            <a:spLocks noGrp="1"/>
+          </p:cNvSpPr>
+          <p:nvPr>
+            <p:ph type="body" idx="1"/>
+          </p:nvPr>
+        </p:nvSpPr>
+        <p:spPr/>
+        <p:txBody>
+          <a:bodyPr/>
+          <a:lstStyle/>
+          <a:p>
+            <a:endParaRPr lang="en-US"/>
+          </a:p>
+        </p:txBody>
+      </p:sp>
+      <p:sp>
+        <p:nvSpPr>
+          <p:cNvPr id="4" name="Slide Number Placeholder 3"/>
+          <p:cNvSpPr>
+            <a:spLocks noGrp="1"/>
+          </p:cNvSpPr>
+          <p:nvPr>
+            <p:ph type="sldNum" sz="quarter" idx="10"/>
+          </p:nvPr>
+        </p:nvSpPr>
+        <p:spPr/>
+        <p:txBody>
+          <a:bodyPr/>
+          <a:lstStyle/>
+          <a:p>
+            <a:fld id="{490B8E3F-3761-4492-B19A-20CD3A641C48}" type="slidenum">
+              <a:rPr lang="en-US" smtClean="0"/>
+              <a:t>31</a:t>
+            </a:fld>
+            <a:endParaRPr lang="en-US"/>
+          </a:p>
+        </p:txBody>
+      </p:sp>
+    </p:spTree>
+    <p:extLst>
+      <p:ext uri="{BB962C8B-B14F-4D97-AF65-F5344CB8AC3E}">
         <p14:creationId xmlns:p14="http://schemas.microsoft.com/office/powerpoint/2010/main" val="3182043126"/>
       </p:ext>
     </p:extLst>
@@ -2751,7 +2836,7 @@
     </p:spTree>
     <p:extLst>
       <p:ext uri="{BB962C8B-B14F-4D97-AF65-F5344CB8AC3E}">
-        <p14:creationId xmlns:p14="http://schemas.microsoft.com/office/powerpoint/2010/main" val="840733492"/>
+        <p14:creationId xmlns:p14="http://schemas.microsoft.com/office/powerpoint/2010/main" val="646382105"/>
       </p:ext>
     </p:extLst>
   </p:cSld>
@@ -2835,7 +2920,7 @@
     </p:spTree>
     <p:extLst>
       <p:ext uri="{BB962C8B-B14F-4D97-AF65-F5344CB8AC3E}">
-        <p14:creationId xmlns:p14="http://schemas.microsoft.com/office/powerpoint/2010/main" val="1073609243"/>
+        <p14:creationId xmlns:p14="http://schemas.microsoft.com/office/powerpoint/2010/main" val="840733492"/>
       </p:ext>
     </p:extLst>
   </p:cSld>
@@ -3003,7 +3088,7 @@
     </p:spTree>
     <p:extLst>
       <p:ext uri="{BB962C8B-B14F-4D97-AF65-F5344CB8AC3E}">
-        <p14:creationId xmlns:p14="http://schemas.microsoft.com/office/powerpoint/2010/main" val="3520377618"/>
+        <p14:creationId xmlns:p14="http://schemas.microsoft.com/office/powerpoint/2010/main" val="1073609243"/>
       </p:ext>
     </p:extLst>
   </p:cSld>
@@ -6282,7 +6367,13 @@
             </a:r>
             <a:r>
               <a:rPr lang="en-US" dirty="0"/>
-              <a:t>: Salt Lake City</a:t>
+              <a:t> @ Salt Lake City</a:t>
+            </a:r>
+          </a:p>
+          <a:p>
+            <a:r>
+              <a:rPr lang="en-US" dirty="0"/>
+              <a:t>Sarah D’Onofrio: sadono@microsoft.com </a:t>
             </a:r>
           </a:p>
         </p:txBody>
@@ -6322,7 +6413,7 @@
           <p:cNvPr id="2" name="Title 1">
             <a:extLst>
               <a:ext uri="{FF2B5EF4-FFF2-40B4-BE49-F238E27FC236}">
-                <a16:creationId xmlns:a16="http://schemas.microsoft.com/office/drawing/2014/main" id="{10B38493-9391-4450-84B5-4E66EB9C1A15}"/>
+                <a16:creationId xmlns:a16="http://schemas.microsoft.com/office/drawing/2014/main" id="{964CB131-981B-446A-88B4-4AA4DE785CBC}"/>
               </a:ext>
             </a:extLst>
           </p:cNvPr>
@@ -6340,7 +6431,7 @@
           <a:p>
             <a:r>
               <a:rPr lang="en-US" dirty="0"/>
-              <a:t>Let’s really add our content!</a:t>
+              <a:t>Let’s add some content!</a:t>
             </a:r>
           </a:p>
         </p:txBody>
@@ -6350,7 +6441,7 @@
           <p:cNvPr id="3" name="Content Placeholder 2">
             <a:extLst>
               <a:ext uri="{FF2B5EF4-FFF2-40B4-BE49-F238E27FC236}">
-                <a16:creationId xmlns:a16="http://schemas.microsoft.com/office/drawing/2014/main" id="{87940FA3-50A2-4E42-BCBA-26DE57ACF9CB}"/>
+                <a16:creationId xmlns:a16="http://schemas.microsoft.com/office/drawing/2014/main" id="{40408A2C-D487-4249-8FE1-DE06D614F64C}"/>
               </a:ext>
             </a:extLst>
           </p:cNvPr>
@@ -6363,37 +6454,29 @@
         </p:nvSpPr>
         <p:spPr/>
         <p:txBody>
-          <a:bodyPr/>
-          <a:lstStyle/>
-          <a:p>
-            <a:r>
-              <a:rPr lang="en-US" dirty="0"/>
-              <a:t>Some Lingo:</a:t>
-            </a:r>
-          </a:p>
-          <a:p>
-            <a:pPr lvl="1"/>
-            <a:r>
-              <a:rPr lang="en-US" dirty="0"/>
-              <a:t>&lt;div&gt; &lt;/div&gt; = dividers</a:t>
-            </a:r>
-          </a:p>
-          <a:p>
-            <a:pPr lvl="1"/>
-            <a:r>
-              <a:rPr lang="en-US" dirty="0"/>
-              <a:t>These </a:t>
-            </a:r>
-            <a:r>
-              <a:rPr lang="en-US"/>
-              <a:t>are considered tags</a:t>
-            </a:r>
+          <a:bodyPr>
+            <a:normAutofit/>
+          </a:bodyPr>
+          <a:lstStyle/>
+          <a:p>
+            <a:r>
+              <a:rPr lang="en-US" dirty="0"/>
+              <a:t>Right now our futures are pretty empty, let’s start by putting in a magic eight ball there to read our future! </a:t>
+            </a:r>
+          </a:p>
+          <a:p>
+            <a:pPr marL="0" indent="0">
+              <a:buNone/>
+            </a:pPr>
             <a:endParaRPr lang="en-US" dirty="0"/>
           </a:p>
           <a:p>
-            <a:r>
-              <a:rPr lang="en-US" dirty="0"/>
-              <a:t>BEFORE the &lt;/div&gt; in our </a:t>
+            <a:pPr marL="0" indent="0">
+              <a:buNone/>
+            </a:pPr>
+            <a:r>
+              <a:rPr lang="en-US" dirty="0"/>
+              <a:t>In our </a:t>
             </a:r>
             <a:r>
               <a:rPr lang="en-US" dirty="0" err="1"/>
@@ -6401,7 +6484,7 @@
             </a:r>
             <a:r>
               <a:rPr lang="en-US" dirty="0"/>
-              <a:t>, add in:</a:t>
+              <a:t> type, uncomment out:</a:t>
             </a:r>
           </a:p>
           <a:p>
@@ -6409,24 +6492,12 @@
               <a:buNone/>
             </a:pPr>
             <a:r>
-              <a:rPr lang="en-US" dirty="0"/>
-              <a:t>&lt;</a:t>
-            </a:r>
-            <a:r>
               <a:rPr lang="en-US" dirty="0" err="1"/>
-              <a:t>img</a:t>
+              <a:t>const</a:t>
             </a:r>
             <a:r>
               <a:rPr lang="en-US" dirty="0"/>
               <a:t> </a:t>
-            </a:r>
-            <a:r>
-              <a:rPr lang="en-US" dirty="0" err="1"/>
-              <a:t>src</a:t>
-            </a:r>
-            <a:r>
-              <a:rPr lang="en-US" dirty="0"/>
-              <a:t>={</a:t>
             </a:r>
             <a:r>
               <a:rPr lang="en-US" dirty="0" err="1"/>
@@ -6434,46 +6505,31 @@
             </a:r>
             <a:r>
               <a:rPr lang="en-US" dirty="0"/>
-              <a:t>} </a:t>
-            </a:r>
-            <a:r>
-              <a:rPr lang="en-US" dirty="0" err="1"/>
-              <a:t>className</a:t>
-            </a:r>
-            <a:r>
-              <a:rPr lang="en-US" dirty="0"/>
-              <a:t>="Magic-</a:t>
-            </a:r>
-            <a:r>
-              <a:rPr lang="en-US" dirty="0" err="1"/>
-              <a:t>Eightball</a:t>
-            </a:r>
-            <a:r>
-              <a:rPr lang="en-US" dirty="0"/>
-              <a:t>-Image" /&gt;</a:t>
-            </a:r>
+              <a:t> = require('../images/Magic_eight_ball.png’);</a:t>
+            </a:r>
+          </a:p>
+          <a:p>
+            <a:pPr marL="0" indent="0">
+              <a:buNone/>
+            </a:pPr>
+            <a:r>
+              <a:rPr lang="en-US" i="1" dirty="0"/>
+              <a:t>Bonus! What do you think this does?</a:t>
+            </a:r>
+            <a:endParaRPr lang="en-US" dirty="0"/>
           </a:p>
           <a:p>
             <a:pPr marL="0" indent="0">
               <a:buNone/>
             </a:pPr>
             <a:endParaRPr lang="en-US" dirty="0"/>
-          </a:p>
-          <a:p>
-            <a:pPr marL="0" indent="0">
-              <a:buNone/>
-            </a:pPr>
-            <a:r>
-              <a:rPr lang="en-US" dirty="0"/>
-              <a:t>Go to our webpage… now how does it look?</a:t>
-            </a:r>
           </a:p>
         </p:txBody>
       </p:sp>
     </p:spTree>
     <p:extLst>
       <p:ext uri="{BB962C8B-B14F-4D97-AF65-F5344CB8AC3E}">
-        <p14:creationId xmlns:p14="http://schemas.microsoft.com/office/powerpoint/2010/main" val="4251302417"/>
+        <p14:creationId xmlns:p14="http://schemas.microsoft.com/office/powerpoint/2010/main" val="3301854403"/>
       </p:ext>
     </p:extLst>
   </p:cSld>
@@ -6505,7 +6561,7 @@
           <p:cNvPr id="2" name="Title 1">
             <a:extLst>
               <a:ext uri="{FF2B5EF4-FFF2-40B4-BE49-F238E27FC236}">
-                <a16:creationId xmlns:a16="http://schemas.microsoft.com/office/drawing/2014/main" id="{1287B6BD-B410-4E20-92AF-D9E0DDBFCF45}"/>
+                <a16:creationId xmlns:a16="http://schemas.microsoft.com/office/drawing/2014/main" id="{10B38493-9391-4450-84B5-4E66EB9C1A15}"/>
               </a:ext>
             </a:extLst>
           </p:cNvPr>
@@ -6523,7 +6579,7 @@
           <a:p>
             <a:r>
               <a:rPr lang="en-US" dirty="0"/>
-              <a:t>How do we get our fortune? </a:t>
+              <a:t>Let’s really add our content!</a:t>
             </a:r>
           </a:p>
         </p:txBody>
@@ -6533,7 +6589,7 @@
           <p:cNvPr id="3" name="Content Placeholder 2">
             <a:extLst>
               <a:ext uri="{FF2B5EF4-FFF2-40B4-BE49-F238E27FC236}">
-                <a16:creationId xmlns:a16="http://schemas.microsoft.com/office/drawing/2014/main" id="{8EA88506-A4D0-4C6C-ADBE-B94B99E0E722}"/>
+                <a16:creationId xmlns:a16="http://schemas.microsoft.com/office/drawing/2014/main" id="{87940FA3-50A2-4E42-BCBA-26DE57ACF9CB}"/>
               </a:ext>
             </a:extLst>
           </p:cNvPr>
@@ -6551,33 +6607,107 @@
           <a:p>
             <a:r>
               <a:rPr lang="en-US" dirty="0"/>
-              <a:t>First, lets make a fortune component</a:t>
+              <a:t>Some Lingo:</a:t>
             </a:r>
           </a:p>
           <a:p>
             <a:pPr lvl="1"/>
             <a:r>
               <a:rPr lang="en-US" dirty="0"/>
-              <a:t>You’ll notice a file called “</a:t>
+              <a:t>&lt;div&gt; &lt;/div&gt; = dividers</a:t>
+            </a:r>
+          </a:p>
+          <a:p>
+            <a:pPr lvl="1"/>
+            <a:r>
+              <a:rPr lang="en-US" dirty="0"/>
+              <a:t>These are considered tags</a:t>
+            </a:r>
+          </a:p>
+          <a:p>
+            <a:r>
+              <a:rPr lang="en-US" dirty="0"/>
+              <a:t>BEFORE the &lt;/div&gt; in our </a:t>
             </a:r>
             <a:r>
               <a:rPr lang="en-US" dirty="0" err="1"/>
-              <a:t>fortune.tsx</a:t>
-            </a:r>
-            <a:r>
-              <a:rPr lang="en-US" dirty="0"/>
-              <a:t>”- its not doing a whole lot right now, but let’s connect to it anyways!</a:t>
-            </a:r>
-          </a:p>
-          <a:p>
+              <a:t>MagicEightBall.tsx</a:t>
+            </a:r>
+            <a:r>
+              <a:rPr lang="en-US" dirty="0"/>
+              <a:t>, add in:</a:t>
+            </a:r>
+          </a:p>
+          <a:p>
+            <a:pPr marL="0" indent="0">
+              <a:buNone/>
+            </a:pPr>
+            <a:r>
+              <a:rPr lang="en-US" dirty="0"/>
+              <a:t>&lt;</a:t>
+            </a:r>
+            <a:r>
+              <a:rPr lang="en-US" dirty="0" err="1"/>
+              <a:t>img</a:t>
+            </a:r>
+            <a:r>
+              <a:rPr lang="en-US" dirty="0"/>
+              <a:t> </a:t>
+            </a:r>
+            <a:r>
+              <a:rPr lang="en-US" dirty="0" err="1"/>
+              <a:t>src</a:t>
+            </a:r>
+            <a:r>
+              <a:rPr lang="en-US" dirty="0"/>
+              <a:t>={</a:t>
+            </a:r>
+            <a:r>
+              <a:rPr lang="en-US" dirty="0" err="1"/>
+              <a:t>magicEightBall</a:t>
+            </a:r>
+            <a:r>
+              <a:rPr lang="en-US" dirty="0"/>
+              <a:t>} </a:t>
+            </a:r>
+            <a:r>
+              <a:rPr lang="en-US" dirty="0" err="1"/>
+              <a:t>className</a:t>
+            </a:r>
+            <a:r>
+              <a:rPr lang="en-US" dirty="0"/>
+              <a:t>="Magic-</a:t>
+            </a:r>
+            <a:r>
+              <a:rPr lang="en-US" dirty="0" err="1"/>
+              <a:t>Eightball</a:t>
+            </a:r>
+            <a:r>
+              <a:rPr lang="en-US" dirty="0"/>
+              <a:t>-Image" /&gt;</a:t>
+            </a:r>
+          </a:p>
+          <a:p>
+            <a:pPr marL="0" indent="0">
+              <a:buNone/>
+            </a:pPr>
             <a:endParaRPr lang="en-US" dirty="0"/>
+          </a:p>
+          <a:p>
+            <a:pPr marL="0" indent="0">
+              <a:buNone/>
+            </a:pPr>
+            <a:r>
+              <a:rPr lang="en-US" dirty="0"/>
+              <a:t>Go to our webpage… now how does it look?</a:t>
+            </a:r>
           </a:p>
         </p:txBody>
       </p:sp>
     </p:spTree>
     <p:extLst>
       <p:ext uri="{BB962C8B-B14F-4D97-AF65-F5344CB8AC3E}">
-        <p14:creationId xmlns:p14="http://schemas.microsoft.com/office/powerpoint/2010/main" val="2553781245"/>
+        <p14:creationId xmlns:p14="http://schemas.microsoft.com/office/powerpoint/2010/main" val="4251302417"/>
       </p:ext>
     </p:extLst>
   </p:cSld>
@@ -6609,7 +6739,7 @@
           <p:cNvPr id="2" name="Title 1">
             <a:extLst>
               <a:ext uri="{FF2B5EF4-FFF2-40B4-BE49-F238E27FC236}">
-                <a16:creationId xmlns:a16="http://schemas.microsoft.com/office/drawing/2014/main" id="{82443111-DE3A-48F0-B6BE-5E404485509F}"/>
+                <a16:creationId xmlns:a16="http://schemas.microsoft.com/office/drawing/2014/main" id="{1287B6BD-B410-4E20-92AF-D9E0DDBFCF45}"/>
               </a:ext>
             </a:extLst>
           </p:cNvPr>
@@ -6627,7 +6757,7 @@
           <a:p>
             <a:r>
               <a:rPr lang="en-US" dirty="0"/>
-              <a:t>Now let’s make it so we can “Route” to our fortune!</a:t>
+              <a:t>How do we get our fortune? </a:t>
             </a:r>
           </a:p>
         </p:txBody>
@@ -6637,7 +6767,7 @@
           <p:cNvPr id="3" name="Content Placeholder 2">
             <a:extLst>
               <a:ext uri="{FF2B5EF4-FFF2-40B4-BE49-F238E27FC236}">
-                <a16:creationId xmlns:a16="http://schemas.microsoft.com/office/drawing/2014/main" id="{E678EB6A-3E6F-4237-887F-33473E303504}"/>
+                <a16:creationId xmlns:a16="http://schemas.microsoft.com/office/drawing/2014/main" id="{8EA88506-A4D0-4C6C-ADBE-B94B99E0E722}"/>
               </a:ext>
             </a:extLst>
           </p:cNvPr>
@@ -6650,181 +6780,42 @@
         </p:nvSpPr>
         <p:spPr/>
         <p:txBody>
-          <a:bodyPr>
-            <a:normAutofit fontScale="92500" lnSpcReduction="10000"/>
-          </a:bodyPr>
-          <a:lstStyle/>
-          <a:p>
-            <a:r>
-              <a:rPr lang="en-US" dirty="0"/>
-              <a:t>On our </a:t>
+          <a:bodyPr/>
+          <a:lstStyle/>
+          <a:p>
+            <a:r>
+              <a:rPr lang="en-US" dirty="0"/>
+              <a:t>First, lets make a fortune component</a:t>
+            </a:r>
+          </a:p>
+          <a:p>
+            <a:pPr lvl="1"/>
+            <a:r>
+              <a:rPr lang="en-US" dirty="0"/>
+              <a:t>You’ll notice a file called “</a:t>
             </a:r>
             <a:r>
               <a:rPr lang="en-US" dirty="0" err="1"/>
-              <a:t>App.tsx</a:t>
-            </a:r>
-            <a:r>
-              <a:rPr lang="en-US" dirty="0"/>
-              <a:t> lets add a new “Route” to our switch</a:t>
+              <a:t>fortune.tsx</a:t>
+            </a:r>
+            <a:r>
+              <a:rPr lang="en-US" dirty="0"/>
+              <a:t>”- its not doing a whole lot right now, but let’s connect to it anyways!</a:t>
             </a:r>
           </a:p>
           <a:p>
             <a:pPr lvl="1"/>
             <a:r>
               <a:rPr lang="en-US" dirty="0"/>
-              <a:t>&lt;Route path="/fortune" component={</a:t>
-            </a:r>
-            <a:r>
-              <a:rPr lang="en-US" dirty="0" err="1"/>
-              <a:t>FortunePage</a:t>
-            </a:r>
-            <a:r>
-              <a:rPr lang="en-US" dirty="0"/>
-              <a:t>}/&gt;</a:t>
-            </a:r>
-          </a:p>
-          <a:p>
-            <a:r>
-              <a:rPr lang="en-US" dirty="0"/>
-              <a:t>Now, let’s make our magic eight ball “Link” to our fortune!</a:t>
-            </a:r>
-          </a:p>
-          <a:p>
-            <a:pPr marL="457200" lvl="1" indent="0">
-              <a:buNone/>
-            </a:pPr>
-            <a:r>
-              <a:rPr lang="en-US" dirty="0"/>
-              <a:t>&lt;Link to="/fortune"&gt; </a:t>
-            </a:r>
-          </a:p>
-          <a:p>
-            <a:pPr marL="457200" lvl="1" indent="0">
-              <a:buNone/>
-            </a:pPr>
-            <a:r>
-              <a:rPr lang="en-US" dirty="0"/>
-              <a:t>&lt;</a:t>
-            </a:r>
-            <a:r>
-              <a:rPr lang="en-US" dirty="0" err="1"/>
-              <a:t>img</a:t>
-            </a:r>
-            <a:r>
-              <a:rPr lang="en-US" dirty="0"/>
-              <a:t> </a:t>
-            </a:r>
-            <a:r>
-              <a:rPr lang="en-US" dirty="0" err="1"/>
-              <a:t>src</a:t>
-            </a:r>
-            <a:r>
-              <a:rPr lang="en-US" dirty="0"/>
-              <a:t>={</a:t>
-            </a:r>
-            <a:r>
-              <a:rPr lang="en-US" dirty="0" err="1"/>
-              <a:t>magicEightBall</a:t>
-            </a:r>
-            <a:r>
-              <a:rPr lang="en-US" dirty="0"/>
-              <a:t>} </a:t>
-            </a:r>
-            <a:r>
-              <a:rPr lang="en-US" dirty="0" err="1"/>
-              <a:t>className</a:t>
-            </a:r>
-            <a:r>
-              <a:rPr lang="en-US" dirty="0"/>
-              <a:t>="Magic-</a:t>
-            </a:r>
-            <a:r>
-              <a:rPr lang="en-US" dirty="0" err="1"/>
-              <a:t>Eightball</a:t>
-            </a:r>
-            <a:r>
-              <a:rPr lang="en-US" dirty="0"/>
-              <a:t>-Image" /&gt;</a:t>
-            </a:r>
-          </a:p>
-          <a:p>
-            <a:pPr marL="457200" lvl="1" indent="0">
-              <a:buNone/>
-            </a:pPr>
-            <a:r>
-              <a:rPr lang="en-US" dirty="0"/>
-              <a:t>&lt;/Link&gt;</a:t>
-            </a:r>
-          </a:p>
-          <a:p>
-            <a:r>
-              <a:rPr lang="en-US" dirty="0"/>
-              <a:t>Lets change our magic eight ball so it’s something different</a:t>
-            </a:r>
-          </a:p>
-          <a:p>
-            <a:pPr marL="1371600" lvl="3" indent="0">
-              <a:buNone/>
-            </a:pPr>
-            <a:r>
-              <a:rPr lang="en-US" dirty="0"/>
-              <a:t>render() {</a:t>
-            </a:r>
-          </a:p>
-          <a:p>
-            <a:pPr marL="1371600" lvl="3" indent="0">
-              <a:buNone/>
-            </a:pPr>
-            <a:r>
-              <a:rPr lang="en-US" dirty="0"/>
-              <a:t>return (</a:t>
-            </a:r>
-          </a:p>
-          <a:p>
-            <a:pPr marL="1371600" lvl="3" indent="0">
-              <a:buNone/>
-            </a:pPr>
-            <a:r>
-              <a:rPr lang="en-US" dirty="0"/>
-              <a:t>&lt;div&gt; Your fortune is: You are Awesome!&lt;div&gt;</a:t>
-            </a:r>
-          </a:p>
-          <a:p>
-            <a:pPr marL="1371600" lvl="3" indent="0">
-              <a:buNone/>
-            </a:pPr>
-            <a:r>
-              <a:rPr lang="en-US" dirty="0"/>
-              <a:t>&lt;/div&gt;</a:t>
-            </a:r>
-          </a:p>
-          <a:p>
-            <a:pPr marL="1371600" lvl="3" indent="0">
-              <a:buNone/>
-            </a:pPr>
-            <a:r>
-              <a:rPr lang="en-US" dirty="0"/>
-              <a:t>);</a:t>
-            </a:r>
-          </a:p>
-          <a:p>
-            <a:pPr lvl="1"/>
-            <a:endParaRPr lang="en-US" dirty="0"/>
-          </a:p>
-          <a:p>
-            <a:pPr lvl="1"/>
-            <a:endParaRPr lang="en-US" dirty="0"/>
-          </a:p>
-          <a:p>
-            <a:pPr lvl="1"/>
-            <a:endParaRPr lang="en-US" dirty="0"/>
+              <a:t>In your browser, where it says localhost:3000, add “/fortune” to the end, so go to “http://localhost:3000/fortune”</a:t>
+            </a:r>
           </a:p>
         </p:txBody>
       </p:sp>
     </p:spTree>
     <p:extLst>
       <p:ext uri="{BB962C8B-B14F-4D97-AF65-F5344CB8AC3E}">
-        <p14:creationId xmlns:p14="http://schemas.microsoft.com/office/powerpoint/2010/main" val="636667263"/>
+        <p14:creationId xmlns:p14="http://schemas.microsoft.com/office/powerpoint/2010/main" val="2553781245"/>
       </p:ext>
     </p:extLst>
   </p:cSld>
@@ -6874,7 +6865,7 @@
           <a:p>
             <a:r>
               <a:rPr lang="en-US" dirty="0"/>
-              <a:t>HOLD UP, what’s a route</a:t>
+              <a:t>Now let’s make it so we can “Route” to our fortune!</a:t>
             </a:r>
           </a:p>
         </p:txBody>
@@ -6898,19 +6889,169 @@
         <p:spPr/>
         <p:txBody>
           <a:bodyPr>
-            <a:normAutofit/>
+            <a:normAutofit fontScale="92500" lnSpcReduction="10000"/>
           </a:bodyPr>
           <a:lstStyle/>
+          <a:p>
+            <a:r>
+              <a:rPr lang="en-US" dirty="0"/>
+              <a:t>On our </a:t>
+            </a:r>
+            <a:r>
+              <a:rPr lang="en-US" dirty="0" err="1"/>
+              <a:t>App.tsx</a:t>
+            </a:r>
+            <a:r>
+              <a:rPr lang="en-US" dirty="0"/>
+              <a:t> lets add a new “Route” to our switch</a:t>
+            </a:r>
+          </a:p>
+          <a:p>
+            <a:pPr lvl="1"/>
+            <a:r>
+              <a:rPr lang="en-US" dirty="0"/>
+              <a:t>&lt;Route path="/fortune" component={</a:t>
+            </a:r>
+            <a:r>
+              <a:rPr lang="en-US" dirty="0" err="1"/>
+              <a:t>FortunePage</a:t>
+            </a:r>
+            <a:r>
+              <a:rPr lang="en-US" dirty="0"/>
+              <a:t>}/&gt;</a:t>
+            </a:r>
+          </a:p>
+          <a:p>
+            <a:r>
+              <a:rPr lang="en-US" dirty="0"/>
+              <a:t>Now, let’s make our magic eight ball “Link” to our fortune!</a:t>
+            </a:r>
+          </a:p>
+          <a:p>
+            <a:pPr marL="457200" lvl="1" indent="0">
+              <a:buNone/>
+            </a:pPr>
+            <a:r>
+              <a:rPr lang="en-US" dirty="0"/>
+              <a:t>&lt;Link to="/fortune"&gt; </a:t>
+            </a:r>
+          </a:p>
+          <a:p>
+            <a:pPr marL="457200" lvl="1" indent="0">
+              <a:buNone/>
+            </a:pPr>
+            <a:r>
+              <a:rPr lang="en-US" dirty="0"/>
+              <a:t>&lt;</a:t>
+            </a:r>
+            <a:r>
+              <a:rPr lang="en-US" dirty="0" err="1"/>
+              <a:t>img</a:t>
+            </a:r>
+            <a:r>
+              <a:rPr lang="en-US" dirty="0"/>
+              <a:t> </a:t>
+            </a:r>
+            <a:r>
+              <a:rPr lang="en-US" dirty="0" err="1"/>
+              <a:t>src</a:t>
+            </a:r>
+            <a:r>
+              <a:rPr lang="en-US" dirty="0"/>
+              <a:t>={</a:t>
+            </a:r>
+            <a:r>
+              <a:rPr lang="en-US" dirty="0" err="1"/>
+              <a:t>magicEightBall</a:t>
+            </a:r>
+            <a:r>
+              <a:rPr lang="en-US" dirty="0"/>
+              <a:t>} </a:t>
+            </a:r>
+            <a:r>
+              <a:rPr lang="en-US" dirty="0" err="1"/>
+              <a:t>className</a:t>
+            </a:r>
+            <a:r>
+              <a:rPr lang="en-US" dirty="0"/>
+              <a:t>="Magic-</a:t>
+            </a:r>
+            <a:r>
+              <a:rPr lang="en-US" dirty="0" err="1"/>
+              <a:t>Eightball</a:t>
+            </a:r>
+            <a:r>
+              <a:rPr lang="en-US" dirty="0"/>
+              <a:t>-Image" /&gt;</a:t>
+            </a:r>
+          </a:p>
+          <a:p>
+            <a:pPr marL="457200" lvl="1" indent="0">
+              <a:buNone/>
+            </a:pPr>
+            <a:r>
+              <a:rPr lang="en-US" dirty="0"/>
+              <a:t>&lt;/Link&gt;</a:t>
+            </a:r>
+          </a:p>
+          <a:p>
+            <a:r>
+              <a:rPr lang="en-US" dirty="0"/>
+              <a:t>Lets change our magic eight ball so it’s something different</a:t>
+            </a:r>
+          </a:p>
+          <a:p>
+            <a:pPr marL="1371600" lvl="3" indent="0">
+              <a:buNone/>
+            </a:pPr>
+            <a:r>
+              <a:rPr lang="en-US" dirty="0"/>
+              <a:t>render() {</a:t>
+            </a:r>
+          </a:p>
+          <a:p>
+            <a:pPr marL="1371600" lvl="3" indent="0">
+              <a:buNone/>
+            </a:pPr>
+            <a:r>
+              <a:rPr lang="en-US" dirty="0"/>
+              <a:t>return (</a:t>
+            </a:r>
+          </a:p>
+          <a:p>
+            <a:pPr marL="1371600" lvl="3" indent="0">
+              <a:buNone/>
+            </a:pPr>
+            <a:r>
+              <a:rPr lang="en-US" dirty="0"/>
+              <a:t>&lt;div&gt; Your fortune is: You are Awesome!&lt;div&gt;</a:t>
+            </a:r>
+          </a:p>
+          <a:p>
+            <a:pPr marL="1371600" lvl="3" indent="0">
+              <a:buNone/>
+            </a:pPr>
+            <a:r>
+              <a:rPr lang="en-US" dirty="0"/>
+              <a:t>&lt;/div&gt;</a:t>
+            </a:r>
+          </a:p>
+          <a:p>
+            <a:pPr marL="1371600" lvl="3" indent="0">
+              <a:buNone/>
+            </a:pPr>
+            <a:r>
+              <a:rPr lang="en-US" dirty="0"/>
+              <a:t>);</a:t>
+            </a:r>
+          </a:p>
           <a:p>
             <a:pPr lvl="1"/>
             <a:endParaRPr lang="en-US" dirty="0"/>
           </a:p>
           <a:p>
             <a:pPr lvl="1"/>
-            <a:r>
-              <a:rPr lang="en-US" dirty="0"/>
-              <a:t>Someone take a guess!</a:t>
-            </a:r>
+            <a:endParaRPr lang="en-US" dirty="0"/>
           </a:p>
           <a:p>
             <a:pPr lvl="1"/>
@@ -6921,7 +7062,7 @@
     </p:spTree>
     <p:extLst>
       <p:ext uri="{BB962C8B-B14F-4D97-AF65-F5344CB8AC3E}">
-        <p14:creationId xmlns:p14="http://schemas.microsoft.com/office/powerpoint/2010/main" val="1778845578"/>
+        <p14:creationId xmlns:p14="http://schemas.microsoft.com/office/powerpoint/2010/main" val="636667263"/>
       </p:ext>
     </p:extLst>
   </p:cSld>
@@ -6953,7 +7094,7 @@
           <p:cNvPr id="2" name="Title 1">
             <a:extLst>
               <a:ext uri="{FF2B5EF4-FFF2-40B4-BE49-F238E27FC236}">
-                <a16:creationId xmlns:a16="http://schemas.microsoft.com/office/drawing/2014/main" id="{57037B50-A769-4BEE-8CEA-797D24F0388B}"/>
+                <a16:creationId xmlns:a16="http://schemas.microsoft.com/office/drawing/2014/main" id="{82443111-DE3A-48F0-B6BE-5E404485509F}"/>
               </a:ext>
             </a:extLst>
           </p:cNvPr>
@@ -6971,7 +7112,7 @@
           <a:p>
             <a:r>
               <a:rPr lang="en-US" dirty="0"/>
-              <a:t>Routes</a:t>
+              <a:t>HOLD UP, what’s a route</a:t>
             </a:r>
           </a:p>
         </p:txBody>
@@ -6981,7 +7122,7 @@
           <p:cNvPr id="3" name="Content Placeholder 2">
             <a:extLst>
               <a:ext uri="{FF2B5EF4-FFF2-40B4-BE49-F238E27FC236}">
-                <a16:creationId xmlns:a16="http://schemas.microsoft.com/office/drawing/2014/main" id="{389C5817-3EE2-4677-8FB1-A8A24A165BA7}"/>
+                <a16:creationId xmlns:a16="http://schemas.microsoft.com/office/drawing/2014/main" id="{E678EB6A-3E6F-4237-887F-33473E303504}"/>
               </a:ext>
             </a:extLst>
           </p:cNvPr>
@@ -6994,65 +7135,31 @@
         </p:nvSpPr>
         <p:spPr/>
         <p:txBody>
-          <a:bodyPr/>
-          <a:lstStyle/>
-          <a:p>
-            <a:r>
-              <a:rPr lang="en-US" dirty="0"/>
-              <a:t>Go to </a:t>
-            </a:r>
-            <a:r>
-              <a:rPr lang="en-US" dirty="0">
-                <a:hlinkClick r:id="rId3"/>
-              </a:rPr>
-              <a:t>www.bing.com</a:t>
-            </a:r>
-            <a:r>
-              <a:rPr lang="en-US" dirty="0"/>
-              <a:t> </a:t>
-            </a:r>
-          </a:p>
-          <a:p>
-            <a:r>
-              <a:rPr lang="en-US" dirty="0"/>
-              <a:t>Now add “\maps” to the end (</a:t>
-            </a:r>
-            <a:r>
-              <a:rPr lang="en-US" dirty="0">
-                <a:hlinkClick r:id="rId4"/>
-              </a:rPr>
-              <a:t>www.bing.com\maps</a:t>
-            </a:r>
-            <a:r>
-              <a:rPr lang="en-US" dirty="0"/>
-              <a:t>) </a:t>
-            </a:r>
-          </a:p>
-          <a:p>
-            <a:r>
-              <a:rPr lang="en-US" dirty="0"/>
-              <a:t>What happened? </a:t>
-            </a:r>
-          </a:p>
+          <a:bodyPr>
+            <a:normAutofit/>
+          </a:bodyPr>
+          <a:lstStyle/>
           <a:p>
             <a:pPr lvl="1"/>
-            <a:r>
-              <a:rPr lang="en-US" dirty="0"/>
-              <a:t>It’s like a whole new page!</a:t>
-            </a:r>
-          </a:p>
-          <a:p>
-            <a:r>
-              <a:rPr lang="en-US" dirty="0"/>
-              <a:t>“Maps” is a Route to Bing.com </a:t>
-            </a:r>
+            <a:endParaRPr lang="en-US" dirty="0"/>
+          </a:p>
+          <a:p>
+            <a:pPr lvl="1"/>
+            <a:r>
+              <a:rPr lang="en-US" dirty="0"/>
+              <a:t>Someone take a guess!</a:t>
+            </a:r>
+          </a:p>
+          <a:p>
+            <a:pPr lvl="1"/>
+            <a:endParaRPr lang="en-US" dirty="0"/>
           </a:p>
         </p:txBody>
       </p:sp>
     </p:spTree>
     <p:extLst>
       <p:ext uri="{BB962C8B-B14F-4D97-AF65-F5344CB8AC3E}">
-        <p14:creationId xmlns:p14="http://schemas.microsoft.com/office/powerpoint/2010/main" val="16678820"/>
+        <p14:creationId xmlns:p14="http://schemas.microsoft.com/office/powerpoint/2010/main" val="1778845578"/>
       </p:ext>
     </p:extLst>
   </p:cSld>
@@ -7084,7 +7191,7 @@
           <p:cNvPr id="2" name="Title 1">
             <a:extLst>
               <a:ext uri="{FF2B5EF4-FFF2-40B4-BE49-F238E27FC236}">
-                <a16:creationId xmlns:a16="http://schemas.microsoft.com/office/drawing/2014/main" id="{82443111-DE3A-48F0-B6BE-5E404485509F}"/>
+                <a16:creationId xmlns:a16="http://schemas.microsoft.com/office/drawing/2014/main" id="{57037B50-A769-4BEE-8CEA-797D24F0388B}"/>
               </a:ext>
             </a:extLst>
           </p:cNvPr>
@@ -7102,7 +7209,7 @@
           <a:p>
             <a:r>
               <a:rPr lang="en-US" dirty="0"/>
-              <a:t>Now let’s make it so we can “Route” to our fortune!</a:t>
+              <a:t>Routes</a:t>
             </a:r>
           </a:p>
         </p:txBody>
@@ -7112,7 +7219,7 @@
           <p:cNvPr id="3" name="Content Placeholder 2">
             <a:extLst>
               <a:ext uri="{FF2B5EF4-FFF2-40B4-BE49-F238E27FC236}">
-                <a16:creationId xmlns:a16="http://schemas.microsoft.com/office/drawing/2014/main" id="{E678EB6A-3E6F-4237-887F-33473E303504}"/>
+                <a16:creationId xmlns:a16="http://schemas.microsoft.com/office/drawing/2014/main" id="{389C5817-3EE2-4677-8FB1-A8A24A165BA7}"/>
               </a:ext>
             </a:extLst>
           </p:cNvPr>
@@ -7125,9 +7232,7 @@
         </p:nvSpPr>
         <p:spPr/>
         <p:txBody>
-          <a:bodyPr>
-            <a:normAutofit/>
-          </a:bodyPr>
+          <a:bodyPr/>
           <a:lstStyle/>
           <a:p>
             <a:r>
@@ -7135,134 +7240,57 @@
               <a:t>Go to </a:t>
             </a:r>
             <a:r>
-              <a:rPr lang="en-US" dirty="0" err="1"/>
-              <a:t>App.tx</a:t>
-            </a:r>
-            <a:r>
-              <a:rPr lang="en-US" dirty="0"/>
-              <a:t> and in between the &lt;switch&gt; &lt;/switch&gt; add in: </a:t>
+              <a:rPr lang="en-US" dirty="0">
+                <a:hlinkClick r:id="rId3"/>
+              </a:rPr>
+              <a:t>www.bing.com</a:t>
+            </a:r>
+            <a:r>
+              <a:rPr lang="en-US" dirty="0"/>
+              <a:t> </a:t>
+            </a:r>
+          </a:p>
+          <a:p>
+            <a:r>
+              <a:rPr lang="en-US" dirty="0"/>
+              <a:t>Now add “\maps” to the end (</a:t>
+            </a:r>
+            <a:r>
+              <a:rPr lang="en-US" dirty="0">
+                <a:hlinkClick r:id="rId4"/>
+              </a:rPr>
+              <a:t>www.bing.com\maps</a:t>
+            </a:r>
+            <a:r>
+              <a:rPr lang="en-US" dirty="0"/>
+              <a:t>) </a:t>
+            </a:r>
+          </a:p>
+          <a:p>
+            <a:r>
+              <a:rPr lang="en-US" dirty="0"/>
+              <a:t>What happened? </a:t>
             </a:r>
           </a:p>
           <a:p>
             <a:pPr lvl="1"/>
             <a:r>
               <a:rPr lang="en-US" dirty="0"/>
-              <a:t>&lt;Route path="/fortune" component={</a:t>
-            </a:r>
-            <a:r>
-              <a:rPr lang="en-US" dirty="0" err="1"/>
-              <a:t>FortunePage</a:t>
-            </a:r>
-            <a:r>
-              <a:rPr lang="en-US" dirty="0"/>
-              <a:t>}/&gt;</a:t>
-            </a:r>
-          </a:p>
-          <a:p>
-            <a:r>
-              <a:rPr lang="en-US" dirty="0"/>
-              <a:t>Now, let’s make our magic eight ball “Link” to our fortune- go back to </a:t>
-            </a:r>
-            <a:r>
-              <a:rPr lang="en-US" dirty="0" err="1"/>
-              <a:t>MagicEightBall.tsx</a:t>
-            </a:r>
-            <a:r>
-              <a:rPr lang="en-US" dirty="0"/>
-              <a:t> and wrap the </a:t>
-            </a:r>
-            <a:r>
-              <a:rPr lang="en-US" dirty="0" err="1"/>
-              <a:t>img</a:t>
-            </a:r>
-            <a:r>
-              <a:rPr lang="en-US" dirty="0"/>
-              <a:t> with a &lt;Link&gt; tag : </a:t>
-            </a:r>
-          </a:p>
-          <a:p>
-            <a:pPr marL="457200" lvl="1" indent="0">
-              <a:buNone/>
-            </a:pPr>
-            <a:r>
-              <a:rPr lang="en-US" dirty="0"/>
-              <a:t>&lt;Link to="/fortune"&gt; </a:t>
-            </a:r>
-          </a:p>
-          <a:p>
-            <a:pPr marL="457200" lvl="1" indent="0">
-              <a:buNone/>
-            </a:pPr>
-            <a:r>
-              <a:rPr lang="en-US" dirty="0"/>
-              <a:t>&lt;</a:t>
-            </a:r>
-            <a:r>
-              <a:rPr lang="en-US" dirty="0" err="1"/>
-              <a:t>img</a:t>
-            </a:r>
-            <a:r>
-              <a:rPr lang="en-US" dirty="0"/>
-              <a:t> </a:t>
-            </a:r>
-            <a:r>
-              <a:rPr lang="en-US" dirty="0" err="1"/>
-              <a:t>src</a:t>
-            </a:r>
-            <a:r>
-              <a:rPr lang="en-US" dirty="0"/>
-              <a:t>={</a:t>
-            </a:r>
-            <a:r>
-              <a:rPr lang="en-US" dirty="0" err="1"/>
-              <a:t>magicEightBall</a:t>
-            </a:r>
-            <a:r>
-              <a:rPr lang="en-US" dirty="0"/>
-              <a:t>} </a:t>
-            </a:r>
-            <a:r>
-              <a:rPr lang="en-US" dirty="0" err="1"/>
-              <a:t>className</a:t>
-            </a:r>
-            <a:r>
-              <a:rPr lang="en-US" dirty="0"/>
-              <a:t>="Magic-</a:t>
-            </a:r>
-            <a:r>
-              <a:rPr lang="en-US" dirty="0" err="1"/>
-              <a:t>Eightball</a:t>
-            </a:r>
-            <a:r>
-              <a:rPr lang="en-US" dirty="0"/>
-              <a:t>-Image" /&gt;</a:t>
-            </a:r>
-          </a:p>
-          <a:p>
-            <a:pPr marL="457200" lvl="1" indent="0">
-              <a:buNone/>
-            </a:pPr>
-            <a:r>
-              <a:rPr lang="en-US" dirty="0"/>
-              <a:t>&lt;/Link&gt;</a:t>
-            </a:r>
-          </a:p>
-          <a:p>
-            <a:r>
-              <a:rPr lang="en-US" dirty="0"/>
-              <a:t>Uncomment out the import { Link } statement at the top</a:t>
-            </a:r>
-          </a:p>
-          <a:p>
-            <a:pPr lvl="1"/>
-            <a:endParaRPr lang="en-US" dirty="0"/>
+              <a:t>It’s like a whole new page!</a:t>
+            </a:r>
+          </a:p>
+          <a:p>
+            <a:r>
+              <a:rPr lang="en-US" dirty="0"/>
+              <a:t>“Maps” is a Route to Bing.com </a:t>
+            </a:r>
           </a:p>
         </p:txBody>
       </p:sp>
     </p:spTree>
     <p:extLst>
       <p:ext uri="{BB962C8B-B14F-4D97-AF65-F5344CB8AC3E}">
-        <p14:creationId xmlns:p14="http://schemas.microsoft.com/office/powerpoint/2010/main" val="3732507658"/>
+        <p14:creationId xmlns:p14="http://schemas.microsoft.com/office/powerpoint/2010/main" val="16678820"/>
       </p:ext>
     </p:extLst>
   </p:cSld>
@@ -7294,7 +7322,7 @@
           <p:cNvPr id="2" name="Title 1">
             <a:extLst>
               <a:ext uri="{FF2B5EF4-FFF2-40B4-BE49-F238E27FC236}">
-                <a16:creationId xmlns:a16="http://schemas.microsoft.com/office/drawing/2014/main" id="{9291AAC8-719A-4CE0-804F-94F52314D202}"/>
+                <a16:creationId xmlns:a16="http://schemas.microsoft.com/office/drawing/2014/main" id="{82443111-DE3A-48F0-B6BE-5E404485509F}"/>
               </a:ext>
             </a:extLst>
           </p:cNvPr>
@@ -7312,7 +7340,7 @@
           <a:p>
             <a:r>
               <a:rPr lang="en-US" dirty="0"/>
-              <a:t>Let’s give us a fortune!</a:t>
+              <a:t>Now let’s make it so we can “Route” to our fortune!</a:t>
             </a:r>
           </a:p>
         </p:txBody>
@@ -7322,7 +7350,7 @@
           <p:cNvPr id="3" name="Content Placeholder 2">
             <a:extLst>
               <a:ext uri="{FF2B5EF4-FFF2-40B4-BE49-F238E27FC236}">
-                <a16:creationId xmlns:a16="http://schemas.microsoft.com/office/drawing/2014/main" id="{2B2F94CF-76B5-4C08-965C-F00DD1AA11F8}"/>
+                <a16:creationId xmlns:a16="http://schemas.microsoft.com/office/drawing/2014/main" id="{E678EB6A-3E6F-4237-887F-33473E303504}"/>
               </a:ext>
             </a:extLst>
           </p:cNvPr>
@@ -7342,15 +7370,137 @@
           <a:p>
             <a:r>
               <a:rPr lang="en-US" dirty="0"/>
-              <a:t>Now lets look at our webpage… click on the magic eight ball. What happens! </a:t>
-            </a:r>
+              <a:t>Go to </a:t>
+            </a:r>
+            <a:r>
+              <a:rPr lang="en-US" dirty="0" err="1"/>
+              <a:t>App.tx</a:t>
+            </a:r>
+            <a:r>
+              <a:rPr lang="en-US" dirty="0"/>
+              <a:t> and in between the &lt;switch&gt; &lt;/switch&gt; add in: </a:t>
+            </a:r>
+          </a:p>
+          <a:p>
+            <a:pPr lvl="1"/>
+            <a:r>
+              <a:rPr lang="en-US" dirty="0"/>
+              <a:t>&lt;Route path="/fortune" component={</a:t>
+            </a:r>
+            <a:r>
+              <a:rPr lang="en-US" dirty="0" err="1"/>
+              <a:t>FortunePage</a:t>
+            </a:r>
+            <a:r>
+              <a:rPr lang="en-US" dirty="0"/>
+              <a:t>}/&gt;</a:t>
+            </a:r>
+          </a:p>
+          <a:p>
+            <a:r>
+              <a:rPr lang="en-US" dirty="0"/>
+              <a:t>Now, let’s make our magic eight ball “Link” to our fortune- go back to </a:t>
+            </a:r>
+            <a:r>
+              <a:rPr lang="en-US" dirty="0" err="1"/>
+              <a:t>MagicEightBall.tsx</a:t>
+            </a:r>
+            <a:r>
+              <a:rPr lang="en-US" dirty="0"/>
+              <a:t> and wrap the </a:t>
+            </a:r>
+            <a:r>
+              <a:rPr lang="en-US" dirty="0" err="1"/>
+              <a:t>img</a:t>
+            </a:r>
+            <a:r>
+              <a:rPr lang="en-US" dirty="0"/>
+              <a:t> with a &lt;Link&gt; tag : </a:t>
+            </a:r>
+          </a:p>
+          <a:p>
+            <a:pPr marL="457200" lvl="1" indent="0">
+              <a:buNone/>
+            </a:pPr>
+            <a:r>
+              <a:rPr lang="en-US" dirty="0"/>
+              <a:t>&lt;Link to="/fortune"&gt; </a:t>
+            </a:r>
+          </a:p>
+          <a:p>
+            <a:pPr marL="457200" lvl="1" indent="0">
+              <a:buNone/>
+            </a:pPr>
+            <a:r>
+              <a:rPr lang="en-US" dirty="0"/>
+              <a:t>&lt;</a:t>
+            </a:r>
+            <a:r>
+              <a:rPr lang="en-US" dirty="0" err="1"/>
+              <a:t>img</a:t>
+            </a:r>
+            <a:r>
+              <a:rPr lang="en-US" dirty="0"/>
+              <a:t> </a:t>
+            </a:r>
+            <a:r>
+              <a:rPr lang="en-US" dirty="0" err="1"/>
+              <a:t>src</a:t>
+            </a:r>
+            <a:r>
+              <a:rPr lang="en-US" dirty="0"/>
+              <a:t>={</a:t>
+            </a:r>
+            <a:r>
+              <a:rPr lang="en-US" dirty="0" err="1"/>
+              <a:t>magicEightBall</a:t>
+            </a:r>
+            <a:r>
+              <a:rPr lang="en-US" dirty="0"/>
+              <a:t>} </a:t>
+            </a:r>
+            <a:r>
+              <a:rPr lang="en-US" dirty="0" err="1"/>
+              <a:t>className</a:t>
+            </a:r>
+            <a:r>
+              <a:rPr lang="en-US" dirty="0"/>
+              <a:t>="Magic-</a:t>
+            </a:r>
+            <a:r>
+              <a:rPr lang="en-US" dirty="0" err="1"/>
+              <a:t>Eightball</a:t>
+            </a:r>
+            <a:r>
+              <a:rPr lang="en-US" dirty="0"/>
+              <a:t>-Image" /&gt;</a:t>
+            </a:r>
+          </a:p>
+          <a:p>
+            <a:pPr marL="457200" lvl="1" indent="0">
+              <a:buNone/>
+            </a:pPr>
+            <a:r>
+              <a:rPr lang="en-US" dirty="0"/>
+              <a:t>&lt;/Link&gt;</a:t>
+            </a:r>
+          </a:p>
+          <a:p>
+            <a:r>
+              <a:rPr lang="en-US" dirty="0"/>
+              <a:t>Uncomment out the import { Link } statement at the top</a:t>
+            </a:r>
+          </a:p>
+          <a:p>
+            <a:pPr lvl="1"/>
+            <a:endParaRPr lang="en-US" dirty="0"/>
           </a:p>
         </p:txBody>
       </p:sp>
     </p:spTree>
     <p:extLst>
       <p:ext uri="{BB962C8B-B14F-4D97-AF65-F5344CB8AC3E}">
-        <p14:creationId xmlns:p14="http://schemas.microsoft.com/office/powerpoint/2010/main" val="3507944148"/>
+        <p14:creationId xmlns:p14="http://schemas.microsoft.com/office/powerpoint/2010/main" val="3732507658"/>
       </p:ext>
     </p:extLst>
   </p:cSld>
@@ -7382,7 +7532,7 @@
           <p:cNvPr id="2" name="Title 1">
             <a:extLst>
               <a:ext uri="{FF2B5EF4-FFF2-40B4-BE49-F238E27FC236}">
-                <a16:creationId xmlns:a16="http://schemas.microsoft.com/office/drawing/2014/main" id="{09553806-2D5C-4923-A23A-0A8760FD94BE}"/>
+                <a16:creationId xmlns:a16="http://schemas.microsoft.com/office/drawing/2014/main" id="{9291AAC8-719A-4CE0-804F-94F52314D202}"/>
               </a:ext>
             </a:extLst>
           </p:cNvPr>
@@ -7400,7 +7550,7 @@
           <a:p>
             <a:r>
               <a:rPr lang="en-US" dirty="0"/>
-              <a:t>Try it out! </a:t>
+              <a:t>Let’s give us a fortune!</a:t>
             </a:r>
           </a:p>
         </p:txBody>
@@ -7410,7 +7560,7 @@
           <p:cNvPr id="3" name="Content Placeholder 2">
             <a:extLst>
               <a:ext uri="{FF2B5EF4-FFF2-40B4-BE49-F238E27FC236}">
-                <a16:creationId xmlns:a16="http://schemas.microsoft.com/office/drawing/2014/main" id="{17CD8C4E-9061-499C-B757-9B0B0E9899D5}"/>
+                <a16:creationId xmlns:a16="http://schemas.microsoft.com/office/drawing/2014/main" id="{2B2F94CF-76B5-4C08-965C-F00DD1AA11F8}"/>
               </a:ext>
             </a:extLst>
           </p:cNvPr>
@@ -7424,185 +7574,21 @@
         <p:spPr/>
         <p:txBody>
           <a:bodyPr>
-            <a:normAutofit fontScale="85000" lnSpcReduction="20000"/>
+            <a:normAutofit/>
           </a:bodyPr>
           <a:lstStyle/>
           <a:p>
             <a:r>
               <a:rPr lang="en-US" dirty="0"/>
-              <a:t>This is a pretty boring fortune, let’s generate some fortunes…</a:t>
-            </a:r>
-          </a:p>
-          <a:p>
-            <a:r>
-              <a:rPr lang="en-US" dirty="0"/>
-              <a:t>You’ll notice a common file, let’s import it!</a:t>
-            </a:r>
-          </a:p>
-          <a:p>
-            <a:pPr lvl="1"/>
-            <a:r>
-              <a:rPr lang="en-US" dirty="0"/>
-              <a:t>Uncomment: import * as Common from '../common’;</a:t>
-            </a:r>
-          </a:p>
-          <a:p>
-            <a:r>
-              <a:rPr lang="en-US" dirty="0"/>
-              <a:t>Wait what did we just do? </a:t>
-            </a:r>
-          </a:p>
-          <a:p>
-            <a:pPr lvl="1"/>
-            <a:r>
-              <a:rPr lang="en-US" dirty="0"/>
-              <a:t>Get an “</a:t>
-            </a:r>
-            <a:r>
-              <a:rPr lang="en-US" dirty="0" err="1"/>
-              <a:t>Enum</a:t>
-            </a:r>
-            <a:r>
-              <a:rPr lang="en-US" dirty="0"/>
-              <a:t>” called </a:t>
-            </a:r>
-            <a:r>
-              <a:rPr lang="en-US" dirty="0" err="1"/>
-              <a:t>FortuneType</a:t>
-            </a:r>
-            <a:r>
-              <a:rPr lang="en-US" dirty="0"/>
-              <a:t>:</a:t>
-            </a:r>
-          </a:p>
-          <a:p>
-            <a:pPr marL="914400" lvl="2" indent="0">
-              <a:buNone/>
-            </a:pPr>
-            <a:r>
-              <a:rPr lang="en-US" dirty="0"/>
-              <a:t>export </a:t>
-            </a:r>
-            <a:r>
-              <a:rPr lang="en-US" dirty="0" err="1"/>
-              <a:t>enum</a:t>
-            </a:r>
-            <a:r>
-              <a:rPr lang="en-US" dirty="0"/>
-              <a:t> </a:t>
-            </a:r>
-            <a:r>
-              <a:rPr lang="en-US" dirty="0" err="1"/>
-              <a:t>FortuneType</a:t>
-            </a:r>
-            <a:r>
-              <a:rPr lang="en-US" dirty="0"/>
-              <a:t> {</a:t>
-            </a:r>
-          </a:p>
-          <a:p>
-            <a:pPr marL="914400" lvl="2" indent="0">
-              <a:buNone/>
-            </a:pPr>
-            <a:r>
-              <a:rPr lang="en-US" dirty="0"/>
-              <a:t>Good,</a:t>
-            </a:r>
-          </a:p>
-          <a:p>
-            <a:pPr marL="914400" lvl="2" indent="0">
-              <a:buNone/>
-            </a:pPr>
-            <a:r>
-              <a:rPr lang="en-US" dirty="0"/>
-              <a:t>Bad,</a:t>
-            </a:r>
-          </a:p>
-          <a:p>
-            <a:pPr marL="914400" lvl="2" indent="0">
-              <a:buNone/>
-            </a:pPr>
-            <a:r>
-              <a:rPr lang="en-US" dirty="0"/>
-              <a:t>Neutral</a:t>
-            </a:r>
-          </a:p>
-          <a:p>
-            <a:pPr marL="914400" lvl="2" indent="0">
-              <a:buNone/>
-            </a:pPr>
-            <a:r>
-              <a:rPr lang="en-US" dirty="0"/>
-              <a:t>}</a:t>
-            </a:r>
-          </a:p>
-          <a:p>
-            <a:pPr lvl="1"/>
-            <a:r>
-              <a:rPr lang="en-US" dirty="0"/>
-              <a:t>Get an “Interface” called Fortune </a:t>
-            </a:r>
-          </a:p>
-          <a:p>
-            <a:pPr marL="914400" lvl="2" indent="0">
-              <a:buNone/>
-            </a:pPr>
-            <a:br>
-              <a:rPr lang="en-US" dirty="0"/>
-            </a:br>
-            <a:r>
-              <a:rPr lang="en-US" dirty="0"/>
-              <a:t>export interface Fortune {</a:t>
-            </a:r>
-          </a:p>
-          <a:p>
-            <a:pPr marL="914400" lvl="2" indent="0">
-              <a:buNone/>
-            </a:pPr>
-            <a:r>
-              <a:rPr lang="en-US" dirty="0" err="1"/>
-              <a:t>fortuneType</a:t>
-            </a:r>
-            <a:r>
-              <a:rPr lang="en-US" dirty="0"/>
-              <a:t>: </a:t>
-            </a:r>
-            <a:r>
-              <a:rPr lang="en-US" dirty="0" err="1"/>
-              <a:t>FortuneType</a:t>
-            </a:r>
-            <a:r>
-              <a:rPr lang="en-US" dirty="0"/>
-              <a:t>;</a:t>
-            </a:r>
-          </a:p>
-          <a:p>
-            <a:pPr marL="914400" lvl="2" indent="0">
-              <a:buNone/>
-            </a:pPr>
-            <a:r>
-              <a:rPr lang="en-US" dirty="0"/>
-              <a:t>fortune: string;</a:t>
-            </a:r>
-          </a:p>
-          <a:p>
-            <a:pPr marL="914400" lvl="2" indent="0">
-              <a:buNone/>
-            </a:pPr>
-            <a:r>
-              <a:rPr lang="en-US" dirty="0"/>
-              <a:t>}</a:t>
-            </a:r>
-          </a:p>
-          <a:p>
-            <a:endParaRPr lang="en-US" dirty="0"/>
+              <a:t>Now lets look at our webpage… click on the magic eight ball. What happens! </a:t>
+            </a:r>
           </a:p>
         </p:txBody>
       </p:sp>
     </p:spTree>
     <p:extLst>
       <p:ext uri="{BB962C8B-B14F-4D97-AF65-F5344CB8AC3E}">
-        <p14:creationId xmlns:p14="http://schemas.microsoft.com/office/powerpoint/2010/main" val="462484823"/>
+        <p14:creationId xmlns:p14="http://schemas.microsoft.com/office/powerpoint/2010/main" val="3507944148"/>
       </p:ext>
     </p:extLst>
   </p:cSld>
@@ -7634,7 +7620,7 @@
           <p:cNvPr id="2" name="Title 1">
             <a:extLst>
               <a:ext uri="{FF2B5EF4-FFF2-40B4-BE49-F238E27FC236}">
-                <a16:creationId xmlns:a16="http://schemas.microsoft.com/office/drawing/2014/main" id="{5D267204-0805-4803-B547-F07711180908}"/>
+                <a16:creationId xmlns:a16="http://schemas.microsoft.com/office/drawing/2014/main" id="{09553806-2D5C-4923-A23A-0A8760FD94BE}"/>
               </a:ext>
             </a:extLst>
           </p:cNvPr>
@@ -7652,7 +7638,7 @@
           <a:p>
             <a:r>
               <a:rPr lang="en-US" dirty="0"/>
-              <a:t>Okay, NOW let’s generate some fortunes</a:t>
+              <a:t>Try it out! </a:t>
             </a:r>
           </a:p>
         </p:txBody>
@@ -7662,7 +7648,7 @@
           <p:cNvPr id="3" name="Content Placeholder 2">
             <a:extLst>
               <a:ext uri="{FF2B5EF4-FFF2-40B4-BE49-F238E27FC236}">
-                <a16:creationId xmlns:a16="http://schemas.microsoft.com/office/drawing/2014/main" id="{AB078261-7574-4AF8-A565-66F3F668CCA5}"/>
+                <a16:creationId xmlns:a16="http://schemas.microsoft.com/office/drawing/2014/main" id="{17CD8C4E-9061-499C-B757-9B0B0E9899D5}"/>
               </a:ext>
             </a:extLst>
           </p:cNvPr>
@@ -7676,13 +7662,19 @@
         <p:spPr/>
         <p:txBody>
           <a:bodyPr>
-            <a:normAutofit lnSpcReduction="10000"/>
+            <a:normAutofit fontScale="70000" lnSpcReduction="20000"/>
           </a:bodyPr>
           <a:lstStyle/>
           <a:p>
             <a:r>
               <a:rPr lang="en-US" dirty="0"/>
-              <a:t>Take a look at your </a:t>
+              <a:t>This is a pretty boring fortune, let’s generate some fortunes…</a:t>
+            </a:r>
+          </a:p>
+          <a:p>
+            <a:r>
+              <a:rPr lang="en-US" dirty="0"/>
+              <a:t>In </a:t>
             </a:r>
             <a:r>
               <a:rPr lang="en-US" dirty="0" err="1"/>
@@ -7690,32 +7682,135 @@
             </a:r>
             <a:r>
               <a:rPr lang="en-US" dirty="0"/>
-              <a:t>, look at this line here:</a:t>
-            </a:r>
+              <a:t>..</a:t>
+            </a:r>
+          </a:p>
+          <a:p>
+            <a:r>
+              <a:rPr lang="en-US" dirty="0"/>
+              <a:t>You’ll notice a common file, let’s import it!</a:t>
+            </a:r>
+          </a:p>
+          <a:p>
+            <a:pPr lvl="1"/>
+            <a:r>
+              <a:rPr lang="en-US" dirty="0"/>
+              <a:t>Uncomment: import * as Common from '../common’;</a:t>
+            </a:r>
+          </a:p>
+          <a:p>
+            <a:r>
+              <a:rPr lang="en-US" dirty="0"/>
+              <a:t>Wait what did we just do? </a:t>
+            </a:r>
+          </a:p>
+          <a:p>
+            <a:pPr lvl="1"/>
+            <a:r>
+              <a:rPr lang="en-US" dirty="0"/>
+              <a:t>Get an “</a:t>
+            </a:r>
+            <a:r>
+              <a:rPr lang="en-US" dirty="0" err="1"/>
+              <a:t>Enum</a:t>
+            </a:r>
+            <a:r>
+              <a:rPr lang="en-US" dirty="0"/>
+              <a:t>” called </a:t>
+            </a:r>
+            <a:r>
+              <a:rPr lang="en-US" dirty="0" err="1"/>
+              <a:t>FortuneType</a:t>
+            </a:r>
+            <a:r>
+              <a:rPr lang="en-US" dirty="0"/>
+              <a:t>:</a:t>
+            </a:r>
+          </a:p>
+          <a:p>
+            <a:pPr marL="914400" lvl="2" indent="0">
+              <a:buNone/>
+            </a:pPr>
+            <a:r>
+              <a:rPr lang="en-US" dirty="0"/>
+              <a:t>export </a:t>
+            </a:r>
+            <a:r>
+              <a:rPr lang="en-US" dirty="0" err="1"/>
+              <a:t>enum</a:t>
+            </a:r>
+            <a:r>
+              <a:rPr lang="en-US" dirty="0"/>
+              <a:t> </a:t>
+            </a:r>
+            <a:r>
+              <a:rPr lang="en-US" dirty="0" err="1"/>
+              <a:t>FortuneType</a:t>
+            </a:r>
+            <a:r>
+              <a:rPr lang="en-US" dirty="0"/>
+              <a:t> {</a:t>
+            </a:r>
+          </a:p>
+          <a:p>
+            <a:pPr marL="914400" lvl="2" indent="0">
+              <a:buNone/>
+            </a:pPr>
+            <a:r>
+              <a:rPr lang="en-US" dirty="0"/>
+              <a:t>Good,</a:t>
+            </a:r>
+          </a:p>
+          <a:p>
+            <a:pPr marL="914400" lvl="2" indent="0">
+              <a:buNone/>
+            </a:pPr>
+            <a:r>
+              <a:rPr lang="en-US" dirty="0"/>
+              <a:t>Bad,</a:t>
+            </a:r>
+          </a:p>
+          <a:p>
+            <a:pPr marL="914400" lvl="2" indent="0">
+              <a:buNone/>
+            </a:pPr>
+            <a:r>
+              <a:rPr lang="en-US" dirty="0"/>
+              <a:t>Neutral</a:t>
+            </a:r>
+          </a:p>
+          <a:p>
+            <a:pPr marL="914400" lvl="2" indent="0">
+              <a:buNone/>
+            </a:pPr>
+            <a:r>
+              <a:rPr lang="en-US" dirty="0"/>
+              <a:t>}</a:t>
+            </a:r>
+          </a:p>
+          <a:p>
+            <a:pPr lvl="1"/>
+            <a:r>
+              <a:rPr lang="en-US" dirty="0"/>
+              <a:t>Get an “Interface” called Fortune </a:t>
+            </a:r>
+          </a:p>
+          <a:p>
+            <a:pPr marL="914400" lvl="2" indent="0">
+              <a:buNone/>
+            </a:pPr>
             <a:br>
               <a:rPr lang="en-US" dirty="0"/>
             </a:br>
             <a:r>
               <a:rPr lang="en-US" dirty="0"/>
-              <a:t>let fortunes: </a:t>
-            </a:r>
-            <a:r>
-              <a:rPr lang="en-US" dirty="0" err="1"/>
-              <a:t>Common.Fortune</a:t>
-            </a:r>
-            <a:r>
-              <a:rPr lang="en-US" dirty="0"/>
-              <a:t>[] = [</a:t>
-            </a:r>
-          </a:p>
-          <a:p>
-            <a:pPr marL="0" indent="0">
+              <a:t>export interface Fortune {</a:t>
+            </a:r>
+          </a:p>
+          <a:p>
+            <a:pPr marL="914400" lvl="2" indent="0">
               <a:buNone/>
             </a:pPr>
-            <a:r>
-              <a:rPr lang="en-US" dirty="0"/>
-              <a:t>{</a:t>
-            </a:r>
             <a:r>
               <a:rPr lang="en-US" dirty="0" err="1"/>
               <a:t>fortuneType</a:t>
@@ -7726,94 +7821,32 @@
             </a:r>
             <a:r>
               <a:rPr lang="en-US" dirty="0" err="1"/>
-              <a:t>Common.FortuneType.Good</a:t>
-            </a:r>
-            <a:r>
-              <a:rPr lang="en-US" dirty="0"/>
-              <a:t>, fortune: ‘Everything will happen the way you want it to’},</a:t>
-            </a:r>
-          </a:p>
-          <a:p>
-            <a:pPr marL="0" indent="0">
+              <a:t>FortuneType</a:t>
+            </a:r>
+            <a:r>
+              <a:rPr lang="en-US" dirty="0"/>
+              <a:t>;</a:t>
+            </a:r>
+          </a:p>
+          <a:p>
+            <a:pPr marL="914400" lvl="2" indent="0">
               <a:buNone/>
             </a:pPr>
             <a:r>
               <a:rPr lang="en-US" dirty="0"/>
-              <a:t>{</a:t>
-            </a:r>
-            <a:r>
-              <a:rPr lang="en-US" dirty="0" err="1"/>
-              <a:t>fortuneType</a:t>
-            </a:r>
-            <a:r>
-              <a:rPr lang="en-US" dirty="0"/>
-              <a:t>: </a:t>
-            </a:r>
-            <a:r>
-              <a:rPr lang="en-US" dirty="0" err="1"/>
-              <a:t>Common.FortuneType.Bad</a:t>
-            </a:r>
-            <a:r>
-              <a:rPr lang="en-US" dirty="0"/>
-              <a:t>, fortune: ‘Your nemesis will get everything they want’},</a:t>
-            </a:r>
-          </a:p>
-          <a:p>
-            <a:pPr marL="0" indent="0">
+              <a:t>fortune: string;</a:t>
+            </a:r>
+          </a:p>
+          <a:p>
+            <a:pPr marL="914400" lvl="2" indent="0">
               <a:buNone/>
             </a:pPr>
             <a:r>
               <a:rPr lang="en-US" dirty="0"/>
-              <a:t>{</a:t>
-            </a:r>
-            <a:r>
-              <a:rPr lang="en-US" dirty="0" err="1"/>
-              <a:t>fortuneType</a:t>
-            </a:r>
-            <a:r>
-              <a:rPr lang="en-US" dirty="0"/>
-              <a:t>: </a:t>
-            </a:r>
-            <a:r>
-              <a:rPr lang="en-US" dirty="0" err="1"/>
-              <a:t>Common.FortuneType.Neutral</a:t>
-            </a:r>
-            <a:r>
-              <a:rPr lang="en-US" dirty="0"/>
-              <a:t>, </a:t>
-            </a:r>
-          </a:p>
-          <a:p>
-            <a:pPr marL="0" indent="0">
-              <a:buNone/>
-            </a:pPr>
-            <a:r>
-              <a:rPr lang="en-US" dirty="0"/>
-              <a:t>fortune: ‘It won’t be super memorable’ +</a:t>
-            </a:r>
-          </a:p>
-          <a:p>
-            <a:pPr marL="0" indent="0">
-              <a:buNone/>
-            </a:pPr>
-            <a:r>
-              <a:rPr lang="en-US" dirty="0"/>
-              <a:t>‘In a good or bad way’}</a:t>
-            </a:r>
-          </a:p>
-          <a:p>
-            <a:pPr marL="0" indent="0">
-              <a:buNone/>
-            </a:pPr>
-            <a:r>
-              <a:rPr lang="en-US" dirty="0"/>
-              <a:t>];</a:t>
-            </a:r>
-          </a:p>
-          <a:p>
-            <a:pPr marL="0" indent="0">
-              <a:buNone/>
-            </a:pPr>
+              <a:t>}</a:t>
+            </a:r>
+          </a:p>
+          <a:p>
             <a:endParaRPr lang="en-US" dirty="0"/>
           </a:p>
         </p:txBody>
@@ -7821,7 +7854,7 @@
     </p:spTree>
     <p:extLst>
       <p:ext uri="{BB962C8B-B14F-4D97-AF65-F5344CB8AC3E}">
-        <p14:creationId xmlns:p14="http://schemas.microsoft.com/office/powerpoint/2010/main" val="261406966"/>
+        <p14:creationId xmlns:p14="http://schemas.microsoft.com/office/powerpoint/2010/main" val="462484823"/>
       </p:ext>
     </p:extLst>
   </p:cSld>
@@ -7853,7 +7886,7 @@
           <p:cNvPr id="2" name="Title 1">
             <a:extLst>
               <a:ext uri="{FF2B5EF4-FFF2-40B4-BE49-F238E27FC236}">
-                <a16:creationId xmlns:a16="http://schemas.microsoft.com/office/drawing/2014/main" id="{DDB78033-0092-4F20-A072-35CA094E2197}"/>
+                <a16:creationId xmlns:a16="http://schemas.microsoft.com/office/drawing/2014/main" id="{5D267204-0805-4803-B547-F07711180908}"/>
               </a:ext>
             </a:extLst>
           </p:cNvPr>
@@ -7871,7 +7904,7 @@
           <a:p>
             <a:r>
               <a:rPr lang="en-US" dirty="0"/>
-              <a:t>What was that?</a:t>
+              <a:t>Okay, NOW let’s generate some fortunes</a:t>
             </a:r>
           </a:p>
         </p:txBody>
@@ -7881,7 +7914,7 @@
           <p:cNvPr id="3" name="Content Placeholder 2">
             <a:extLst>
               <a:ext uri="{FF2B5EF4-FFF2-40B4-BE49-F238E27FC236}">
-                <a16:creationId xmlns:a16="http://schemas.microsoft.com/office/drawing/2014/main" id="{DBB67BEA-5A99-47BF-B2F9-F3BBE16DF611}"/>
+                <a16:creationId xmlns:a16="http://schemas.microsoft.com/office/drawing/2014/main" id="{AB078261-7574-4AF8-A565-66F3F668CCA5}"/>
               </a:ext>
             </a:extLst>
           </p:cNvPr>
@@ -7894,18 +7927,29 @@
         </p:nvSpPr>
         <p:spPr/>
         <p:txBody>
-          <a:bodyPr/>
-          <a:lstStyle/>
-          <a:p>
-            <a:r>
-              <a:rPr lang="en-US" dirty="0"/>
-              <a:t>A LIST</a:t>
-            </a:r>
-          </a:p>
-          <a:p>
-            <a:r>
-              <a:rPr lang="en-US" dirty="0"/>
-              <a:t>Let fortunes: </a:t>
+          <a:bodyPr>
+            <a:normAutofit lnSpcReduction="10000"/>
+          </a:bodyPr>
+          <a:lstStyle/>
+          <a:p>
+            <a:r>
+              <a:rPr lang="en-US" dirty="0"/>
+              <a:t>Take a look at your </a:t>
+            </a:r>
+            <a:r>
+              <a:rPr lang="en-US" dirty="0" err="1"/>
+              <a:t>fortune.tsx</a:t>
+            </a:r>
+            <a:r>
+              <a:rPr lang="en-US" dirty="0"/>
+              <a:t>, look at this line here:</a:t>
+            </a:r>
+            <a:br>
+              <a:rPr lang="en-US" dirty="0"/>
+            </a:br>
+            <a:r>
+              <a:rPr lang="en-US" dirty="0"/>
+              <a:t>let fortunes: </a:t>
             </a:r>
             <a:r>
               <a:rPr lang="en-US" dirty="0" err="1"/>
@@ -7913,36 +7957,123 @@
             </a:r>
             <a:r>
               <a:rPr lang="en-US" dirty="0"/>
-              <a:t> means we have a “variable” called fortune with the type of “</a:t>
+              <a:t>[] = [</a:t>
+            </a:r>
+          </a:p>
+          <a:p>
+            <a:pPr marL="0" indent="0">
+              <a:buNone/>
+            </a:pPr>
+            <a:r>
+              <a:rPr lang="en-US" dirty="0"/>
+              <a:t>{</a:t>
             </a:r>
             <a:r>
               <a:rPr lang="en-US" dirty="0" err="1"/>
-              <a:t>Common.Fortune</a:t>
-            </a:r>
-            <a:r>
-              <a:rPr lang="en-US" dirty="0"/>
-              <a:t>” that we imported earlier.</a:t>
-            </a:r>
-          </a:p>
-          <a:p>
-            <a:r>
-              <a:rPr lang="en-US" dirty="0"/>
-              <a:t>Let’s take a look at it. What do you think this is? </a:t>
-            </a:r>
-          </a:p>
-          <a:p>
-            <a:pPr lvl="1"/>
-            <a:r>
-              <a:rPr lang="en-US" dirty="0"/>
-              <a:t>This means that every item in the “fortunes” variable that we made will have a “fortune type” and a “fortune” </a:t>
-            </a:r>
+              <a:t>fortuneType</a:t>
+            </a:r>
+            <a:r>
+              <a:rPr lang="en-US" dirty="0"/>
+              <a:t>: </a:t>
+            </a:r>
+            <a:r>
+              <a:rPr lang="en-US" dirty="0" err="1"/>
+              <a:t>Common.FortuneType.Good</a:t>
+            </a:r>
+            <a:r>
+              <a:rPr lang="en-US" dirty="0"/>
+              <a:t>, fortune: ‘Everything will happen the way you want it to’},</a:t>
+            </a:r>
+          </a:p>
+          <a:p>
+            <a:pPr marL="0" indent="0">
+              <a:buNone/>
+            </a:pPr>
+            <a:r>
+              <a:rPr lang="en-US" dirty="0"/>
+              <a:t>{</a:t>
+            </a:r>
+            <a:r>
+              <a:rPr lang="en-US" dirty="0" err="1"/>
+              <a:t>fortuneType</a:t>
+            </a:r>
+            <a:r>
+              <a:rPr lang="en-US" dirty="0"/>
+              <a:t>: </a:t>
+            </a:r>
+            <a:r>
+              <a:rPr lang="en-US" dirty="0" err="1"/>
+              <a:t>Common.FortuneType.Bad</a:t>
+            </a:r>
+            <a:r>
+              <a:rPr lang="en-US" dirty="0"/>
+              <a:t>, fortune: ‘Your nemesis will get everything they want’},</a:t>
+            </a:r>
+          </a:p>
+          <a:p>
+            <a:pPr marL="0" indent="0">
+              <a:buNone/>
+            </a:pPr>
+            <a:r>
+              <a:rPr lang="en-US" dirty="0"/>
+              <a:t>{</a:t>
+            </a:r>
+            <a:r>
+              <a:rPr lang="en-US" dirty="0" err="1"/>
+              <a:t>fortuneType</a:t>
+            </a:r>
+            <a:r>
+              <a:rPr lang="en-US" dirty="0"/>
+              <a:t>: </a:t>
+            </a:r>
+            <a:r>
+              <a:rPr lang="en-US" dirty="0" err="1"/>
+              <a:t>Common.FortuneType.Neutral</a:t>
+            </a:r>
+            <a:r>
+              <a:rPr lang="en-US" dirty="0"/>
+              <a:t>, </a:t>
+            </a:r>
+          </a:p>
+          <a:p>
+            <a:pPr marL="0" indent="0">
+              <a:buNone/>
+            </a:pPr>
+            <a:r>
+              <a:rPr lang="en-US" dirty="0"/>
+              <a:t>fortune: ‘It won’t be super memorable’ +</a:t>
+            </a:r>
+          </a:p>
+          <a:p>
+            <a:pPr marL="0" indent="0">
+              <a:buNone/>
+            </a:pPr>
+            <a:r>
+              <a:rPr lang="en-US" dirty="0"/>
+              <a:t>‘In a good or bad way’}</a:t>
+            </a:r>
+          </a:p>
+          <a:p>
+            <a:pPr marL="0" indent="0">
+              <a:buNone/>
+            </a:pPr>
+            <a:r>
+              <a:rPr lang="en-US" dirty="0"/>
+              <a:t>];</a:t>
+            </a:r>
+          </a:p>
+          <a:p>
+            <a:pPr marL="0" indent="0">
+              <a:buNone/>
+            </a:pPr>
+            <a:endParaRPr lang="en-US" dirty="0"/>
           </a:p>
         </p:txBody>
       </p:sp>
     </p:spTree>
     <p:extLst>
       <p:ext uri="{BB962C8B-B14F-4D97-AF65-F5344CB8AC3E}">
-        <p14:creationId xmlns:p14="http://schemas.microsoft.com/office/powerpoint/2010/main" val="3403717083"/>
+        <p14:creationId xmlns:p14="http://schemas.microsoft.com/office/powerpoint/2010/main" val="261406966"/>
       </p:ext>
     </p:extLst>
   </p:cSld>
@@ -8068,7 +8199,7 @@
           <p:cNvPr id="2" name="Title 1">
             <a:extLst>
               <a:ext uri="{FF2B5EF4-FFF2-40B4-BE49-F238E27FC236}">
-                <a16:creationId xmlns:a16="http://schemas.microsoft.com/office/drawing/2014/main" id="{5D267204-0805-4803-B547-F07711180908}"/>
+                <a16:creationId xmlns:a16="http://schemas.microsoft.com/office/drawing/2014/main" id="{DDB78033-0092-4F20-A072-35CA094E2197}"/>
               </a:ext>
             </a:extLst>
           </p:cNvPr>
@@ -8086,7 +8217,7 @@
           <a:p>
             <a:r>
               <a:rPr lang="en-US" dirty="0"/>
-              <a:t>Okay, NOW let’s generate some fortunes</a:t>
+              <a:t>What was that?</a:t>
             </a:r>
           </a:p>
         </p:txBody>
@@ -8096,7 +8227,7 @@
           <p:cNvPr id="3" name="Content Placeholder 2">
             <a:extLst>
               <a:ext uri="{FF2B5EF4-FFF2-40B4-BE49-F238E27FC236}">
-                <a16:creationId xmlns:a16="http://schemas.microsoft.com/office/drawing/2014/main" id="{AB078261-7574-4AF8-A565-66F3F668CCA5}"/>
+                <a16:creationId xmlns:a16="http://schemas.microsoft.com/office/drawing/2014/main" id="{DBB67BEA-5A99-47BF-B2F9-F3BBE16DF611}"/>
               </a:ext>
             </a:extLst>
           </p:cNvPr>
@@ -8109,17 +8240,18 @@
         </p:nvSpPr>
         <p:spPr/>
         <p:txBody>
-          <a:bodyPr>
-            <a:normAutofit/>
-          </a:bodyPr>
-          <a:lstStyle/>
-          <a:p>
-            <a:pPr marL="0" indent="0">
-              <a:buNone/>
-            </a:pPr>
-            <a:r>
-              <a:rPr lang="en-US" dirty="0"/>
-              <a:t>let fortunes: </a:t>
+          <a:bodyPr/>
+          <a:lstStyle/>
+          <a:p>
+            <a:r>
+              <a:rPr lang="en-US" dirty="0"/>
+              <a:t>A LIST</a:t>
+            </a:r>
+          </a:p>
+          <a:p>
+            <a:r>
+              <a:rPr lang="en-US" dirty="0"/>
+              <a:t>Let fortunes: </a:t>
             </a:r>
             <a:r>
               <a:rPr lang="en-US" dirty="0" err="1"/>
@@ -8127,123 +8259,36 @@
             </a:r>
             <a:r>
               <a:rPr lang="en-US" dirty="0"/>
-              <a:t>[] = [</a:t>
-            </a:r>
-          </a:p>
-          <a:p>
-            <a:pPr marL="0" indent="0">
-              <a:buNone/>
-            </a:pPr>
-            <a:r>
-              <a:rPr lang="en-US" dirty="0"/>
-              <a:t>{</a:t>
+              <a:t> means we have a “variable” called fortune with the type of “</a:t>
             </a:r>
             <a:r>
               <a:rPr lang="en-US" dirty="0" err="1"/>
-              <a:t>fortuneType</a:t>
-            </a:r>
-            <a:r>
-              <a:rPr lang="en-US" dirty="0"/>
-              <a:t>: </a:t>
-            </a:r>
-            <a:r>
-              <a:rPr lang="en-US" dirty="0" err="1"/>
-              <a:t>Common.FortuneType.Good</a:t>
-            </a:r>
-            <a:r>
-              <a:rPr lang="en-US" dirty="0"/>
-              <a:t>, fortune: ‘Everything will happen the way you want it to’},</a:t>
-            </a:r>
-          </a:p>
-          <a:p>
-            <a:pPr marL="0" indent="0">
-              <a:buNone/>
-            </a:pPr>
-            <a:r>
-              <a:rPr lang="en-US" dirty="0"/>
-              <a:t>{</a:t>
-            </a:r>
-            <a:r>
-              <a:rPr lang="en-US" dirty="0" err="1"/>
-              <a:t>fortuneType</a:t>
-            </a:r>
-            <a:r>
-              <a:rPr lang="en-US" dirty="0"/>
-              <a:t>: </a:t>
-            </a:r>
-            <a:r>
-              <a:rPr lang="en-US" dirty="0" err="1"/>
-              <a:t>Common.FortuneType.Bad</a:t>
-            </a:r>
-            <a:r>
-              <a:rPr lang="en-US" dirty="0"/>
-              <a:t>, fortune: ‘Your nemesis will get everything they want’},</a:t>
-            </a:r>
-          </a:p>
-          <a:p>
-            <a:pPr marL="0" indent="0">
-              <a:buNone/>
-            </a:pPr>
-            <a:r>
-              <a:rPr lang="en-US" dirty="0"/>
-              <a:t>{</a:t>
-            </a:r>
-            <a:r>
-              <a:rPr lang="en-US" dirty="0" err="1"/>
-              <a:t>fortuneType</a:t>
-            </a:r>
-            <a:r>
-              <a:rPr lang="en-US" dirty="0"/>
-              <a:t>: </a:t>
-            </a:r>
-            <a:r>
-              <a:rPr lang="en-US" dirty="0" err="1"/>
-              <a:t>Common.FortuneType.Neutral</a:t>
-            </a:r>
-            <a:r>
-              <a:rPr lang="en-US" dirty="0"/>
-              <a:t>, </a:t>
-            </a:r>
-          </a:p>
-          <a:p>
-            <a:pPr marL="0" indent="0">
-              <a:buNone/>
-            </a:pPr>
-            <a:r>
-              <a:rPr lang="en-US" dirty="0"/>
-              <a:t>fortune: ‘It won’t be super memorable’ +</a:t>
-            </a:r>
-          </a:p>
-          <a:p>
-            <a:pPr marL="0" indent="0">
-              <a:buNone/>
-            </a:pPr>
-            <a:r>
-              <a:rPr lang="en-US" dirty="0"/>
-              <a:t>‘In a good or bad way’}</a:t>
-            </a:r>
-          </a:p>
-          <a:p>
-            <a:pPr marL="0" indent="0">
-              <a:buNone/>
-            </a:pPr>
-            <a:r>
-              <a:rPr lang="en-US" dirty="0"/>
-              <a:t>];</a:t>
-            </a:r>
-          </a:p>
-          <a:p>
-            <a:pPr marL="0" indent="0">
-              <a:buNone/>
-            </a:pPr>
-            <a:endParaRPr lang="en-US" dirty="0"/>
+              <a:t>Common.Fortune</a:t>
+            </a:r>
+            <a:r>
+              <a:rPr lang="en-US" dirty="0"/>
+              <a:t>” that we imported earlier.</a:t>
+            </a:r>
+          </a:p>
+          <a:p>
+            <a:r>
+              <a:rPr lang="en-US" dirty="0"/>
+              <a:t>Let’s take a look at it. What do you think this is? </a:t>
+            </a:r>
+          </a:p>
+          <a:p>
+            <a:pPr lvl="1"/>
+            <a:r>
+              <a:rPr lang="en-US" dirty="0"/>
+              <a:t>This means that every item in the “fortunes” variable that we made will have a “fortune type” and a “fortune” </a:t>
+            </a:r>
           </a:p>
         </p:txBody>
       </p:sp>
     </p:spTree>
     <p:extLst>
       <p:ext uri="{BB962C8B-B14F-4D97-AF65-F5344CB8AC3E}">
-        <p14:creationId xmlns:p14="http://schemas.microsoft.com/office/powerpoint/2010/main" val="2520169800"/>
+        <p14:creationId xmlns:p14="http://schemas.microsoft.com/office/powerpoint/2010/main" val="3403717083"/>
       </p:ext>
     </p:extLst>
   </p:cSld>
@@ -8275,7 +8320,7 @@
           <p:cNvPr id="2" name="Title 1">
             <a:extLst>
               <a:ext uri="{FF2B5EF4-FFF2-40B4-BE49-F238E27FC236}">
-                <a16:creationId xmlns:a16="http://schemas.microsoft.com/office/drawing/2014/main" id="{DAE61340-EB0C-43F4-82F8-3A55E83D0AAA}"/>
+                <a16:creationId xmlns:a16="http://schemas.microsoft.com/office/drawing/2014/main" id="{5D267204-0805-4803-B547-F07711180908}"/>
               </a:ext>
             </a:extLst>
           </p:cNvPr>
@@ -8293,7 +8338,7 @@
           <a:p>
             <a:r>
               <a:rPr lang="en-US" dirty="0"/>
-              <a:t>So how do we get a fortune?</a:t>
+              <a:t>Okay, NOW let’s generate some fortunes</a:t>
             </a:r>
           </a:p>
         </p:txBody>
@@ -8303,7 +8348,7 @@
           <p:cNvPr id="3" name="Content Placeholder 2">
             <a:extLst>
               <a:ext uri="{FF2B5EF4-FFF2-40B4-BE49-F238E27FC236}">
-                <a16:creationId xmlns:a16="http://schemas.microsoft.com/office/drawing/2014/main" id="{55569AA9-4759-411B-8203-AA4685AF3F0C}"/>
+                <a16:creationId xmlns:a16="http://schemas.microsoft.com/office/drawing/2014/main" id="{AB078261-7574-4AF8-A565-66F3F668CCA5}"/>
               </a:ext>
             </a:extLst>
           </p:cNvPr>
@@ -8316,20 +8361,141 @@
         </p:nvSpPr>
         <p:spPr/>
         <p:txBody>
-          <a:bodyPr/>
-          <a:lstStyle/>
-          <a:p>
-            <a:r>
-              <a:rPr lang="en-US" dirty="0"/>
-              <a:t>If we always got the same fortune it would be pretty boring right. </a:t>
-            </a:r>
+          <a:bodyPr>
+            <a:normAutofit/>
+          </a:bodyPr>
+          <a:lstStyle/>
+          <a:p>
+            <a:pPr marL="0" indent="0">
+              <a:buNone/>
+            </a:pPr>
+            <a:r>
+              <a:rPr lang="en-US" dirty="0"/>
+              <a:t>let fortunes: </a:t>
+            </a:r>
+            <a:r>
+              <a:rPr lang="en-US" dirty="0" err="1"/>
+              <a:t>Common.Fortune</a:t>
+            </a:r>
+            <a:r>
+              <a:rPr lang="en-US" dirty="0"/>
+              <a:t>[] = [</a:t>
+            </a:r>
+          </a:p>
+          <a:p>
+            <a:pPr marL="0" indent="0">
+              <a:buNone/>
+            </a:pPr>
+            <a:r>
+              <a:rPr lang="en-US" dirty="0"/>
+              <a:t>{</a:t>
+            </a:r>
+            <a:r>
+              <a:rPr lang="en-US" dirty="0" err="1"/>
+              <a:t>fortuneType</a:t>
+            </a:r>
+            <a:r>
+              <a:rPr lang="en-US" dirty="0"/>
+              <a:t>: </a:t>
+            </a:r>
+            <a:r>
+              <a:rPr lang="en-US" dirty="0" err="1"/>
+              <a:t>Common.FortuneType.Good</a:t>
+            </a:r>
+            <a:r>
+              <a:rPr lang="en-US" dirty="0"/>
+              <a:t>, fortune: ‘Everything will happen the way you want it to’},</a:t>
+            </a:r>
+          </a:p>
+          <a:p>
+            <a:pPr marL="0" indent="0">
+              <a:buNone/>
+            </a:pPr>
+            <a:r>
+              <a:rPr lang="en-US" dirty="0"/>
+              <a:t>{</a:t>
+            </a:r>
+            <a:r>
+              <a:rPr lang="en-US" dirty="0" err="1"/>
+              <a:t>fortuneType</a:t>
+            </a:r>
+            <a:r>
+              <a:rPr lang="en-US" dirty="0"/>
+              <a:t>: </a:t>
+            </a:r>
+            <a:r>
+              <a:rPr lang="en-US" dirty="0" err="1"/>
+              <a:t>Common.FortuneType.Bad</a:t>
+            </a:r>
+            <a:r>
+              <a:rPr lang="en-US" dirty="0"/>
+              <a:t>, fortune: ‘Your nemesis will get everything they want’},</a:t>
+            </a:r>
+          </a:p>
+          <a:p>
+            <a:pPr marL="0" indent="0">
+              <a:buNone/>
+            </a:pPr>
+            <a:r>
+              <a:rPr lang="en-US" dirty="0"/>
+              <a:t>{</a:t>
+            </a:r>
+            <a:r>
+              <a:rPr lang="en-US" dirty="0" err="1"/>
+              <a:t>fortuneType</a:t>
+            </a:r>
+            <a:r>
+              <a:rPr lang="en-US" dirty="0"/>
+              <a:t>: </a:t>
+            </a:r>
+            <a:r>
+              <a:rPr lang="en-US" dirty="0" err="1"/>
+              <a:t>Common.FortuneType.Neutral</a:t>
+            </a:r>
+            <a:r>
+              <a:rPr lang="en-US" dirty="0"/>
+              <a:t>, </a:t>
+            </a:r>
+          </a:p>
+          <a:p>
+            <a:pPr marL="0" indent="0">
+              <a:buNone/>
+            </a:pPr>
+            <a:r>
+              <a:rPr lang="en-US" dirty="0"/>
+              <a:t>fortune: ‘It won’t be super memorable’ +</a:t>
+            </a:r>
+          </a:p>
+          <a:p>
+            <a:pPr marL="0" indent="0">
+              <a:buNone/>
+            </a:pPr>
+            <a:r>
+              <a:rPr lang="en-US" dirty="0"/>
+              <a:t>‘In a good or bad way’}</a:t>
+            </a:r>
+          </a:p>
+          <a:p>
+            <a:pPr marL="0" indent="0">
+              <a:buNone/>
+            </a:pPr>
+            <a:r>
+              <a:rPr lang="en-US" dirty="0"/>
+              <a:t>];</a:t>
+            </a:r>
+          </a:p>
+          <a:p>
+            <a:pPr marL="0" indent="0">
+              <a:buNone/>
+            </a:pPr>
+            <a:endParaRPr lang="en-US" dirty="0"/>
           </a:p>
         </p:txBody>
       </p:sp>
     </p:spTree>
     <p:extLst>
       <p:ext uri="{BB962C8B-B14F-4D97-AF65-F5344CB8AC3E}">
-        <p14:creationId xmlns:p14="http://schemas.microsoft.com/office/powerpoint/2010/main" val="2129822467"/>
+        <p14:creationId xmlns:p14="http://schemas.microsoft.com/office/powerpoint/2010/main" val="2520169800"/>
       </p:ext>
     </p:extLst>
   </p:cSld>
@@ -8361,7 +8527,7 @@
           <p:cNvPr id="2" name="Title 1">
             <a:extLst>
               <a:ext uri="{FF2B5EF4-FFF2-40B4-BE49-F238E27FC236}">
-                <a16:creationId xmlns:a16="http://schemas.microsoft.com/office/drawing/2014/main" id="{D996E0CC-5C4A-4057-9BF4-532E2E1D58AB}"/>
+                <a16:creationId xmlns:a16="http://schemas.microsoft.com/office/drawing/2014/main" id="{DAE61340-EB0C-43F4-82F8-3A55E83D0AAA}"/>
               </a:ext>
             </a:extLst>
           </p:cNvPr>
@@ -8374,21 +8540,12 @@
         </p:nvSpPr>
         <p:spPr/>
         <p:txBody>
-          <a:bodyPr>
-            <a:normAutofit/>
-          </a:bodyPr>
-          <a:lstStyle/>
-          <a:p>
-            <a:r>
-              <a:rPr lang="en-US" dirty="0"/>
-              <a:t>Now let’s make choosing a fortune random. </a:t>
-            </a:r>
-            <a:br>
-              <a:rPr lang="en-US" dirty="0"/>
-            </a:br>
-            <a:r>
-              <a:rPr lang="en-US" dirty="0"/>
-              <a:t>But first, let’s talk a bit about what’s going on</a:t>
+          <a:bodyPr/>
+          <a:lstStyle/>
+          <a:p>
+            <a:r>
+              <a:rPr lang="en-US" dirty="0"/>
+              <a:t>So how do we get a fortune?</a:t>
             </a:r>
           </a:p>
         </p:txBody>
@@ -8398,7 +8555,7 @@
           <p:cNvPr id="3" name="Content Placeholder 2">
             <a:extLst>
               <a:ext uri="{FF2B5EF4-FFF2-40B4-BE49-F238E27FC236}">
-                <a16:creationId xmlns:a16="http://schemas.microsoft.com/office/drawing/2014/main" id="{95F3BC07-8380-4FB5-86BC-29F371486361}"/>
+                <a16:creationId xmlns:a16="http://schemas.microsoft.com/office/drawing/2014/main" id="{55569AA9-4759-411B-8203-AA4685AF3F0C}"/>
               </a:ext>
             </a:extLst>
           </p:cNvPr>
@@ -8411,220 +8568,20 @@
         </p:nvSpPr>
         <p:spPr/>
         <p:txBody>
-          <a:bodyPr>
-            <a:normAutofit fontScale="55000" lnSpcReduction="20000"/>
-          </a:bodyPr>
-          <a:lstStyle/>
-          <a:p>
-            <a:r>
-              <a:rPr lang="en-US" dirty="0"/>
-              <a:t>Constructor:</a:t>
-            </a:r>
-          </a:p>
-          <a:p>
-            <a:pPr marL="0" indent="0">
-              <a:buNone/>
-            </a:pPr>
-            <a:r>
-              <a:rPr lang="en-US" dirty="0"/>
-              <a:t>constructor (props: {}, state: {}) {</a:t>
-            </a:r>
-          </a:p>
-          <a:p>
-            <a:pPr marL="0" indent="0">
-              <a:buNone/>
-            </a:pPr>
-            <a:r>
-              <a:rPr lang="en-US" dirty="0"/>
-              <a:t>super(props);</a:t>
-            </a:r>
-          </a:p>
-          <a:p>
-            <a:pPr marL="0" indent="0">
-              <a:buNone/>
-            </a:pPr>
-            <a:r>
-              <a:rPr lang="en-US" dirty="0" err="1"/>
-              <a:t>this.GetFortune</a:t>
-            </a:r>
-            <a:r>
-              <a:rPr lang="en-US" dirty="0"/>
-              <a:t> = </a:t>
-            </a:r>
-            <a:r>
-              <a:rPr lang="en-US" dirty="0" err="1"/>
-              <a:t>this.GetFortune.bind</a:t>
-            </a:r>
-            <a:r>
-              <a:rPr lang="en-US" dirty="0"/>
-              <a:t>(this);</a:t>
-            </a:r>
-          </a:p>
-          <a:p>
-            <a:pPr marL="0" indent="0">
-              <a:buNone/>
-            </a:pPr>
-            <a:r>
-              <a:rPr lang="en-US" dirty="0"/>
-              <a:t>}</a:t>
-            </a:r>
-          </a:p>
-          <a:p>
-            <a:r>
-              <a:rPr lang="en-US" dirty="0" err="1"/>
-              <a:t>GetFortune</a:t>
-            </a:r>
-            <a:r>
-              <a:rPr lang="en-US" dirty="0"/>
-              <a:t>() {</a:t>
-            </a:r>
-          </a:p>
-          <a:p>
-            <a:pPr marL="0" indent="0">
-              <a:buNone/>
-            </a:pPr>
-            <a:r>
-              <a:rPr lang="en-US" dirty="0"/>
-              <a:t>/*let fortunes: </a:t>
-            </a:r>
-            <a:r>
-              <a:rPr lang="en-US" dirty="0" err="1"/>
-              <a:t>Common.Fortune</a:t>
-            </a:r>
-            <a:r>
-              <a:rPr lang="en-US" dirty="0"/>
-              <a:t>[] = [</a:t>
-            </a:r>
-          </a:p>
-          <a:p>
-            <a:pPr marL="0" indent="0">
-              <a:buNone/>
-            </a:pPr>
-            <a:r>
-              <a:rPr lang="en-US" dirty="0"/>
-              <a:t>{</a:t>
-            </a:r>
-            <a:r>
-              <a:rPr lang="en-US" dirty="0" err="1"/>
-              <a:t>fortuneType</a:t>
-            </a:r>
-            <a:r>
-              <a:rPr lang="en-US" dirty="0"/>
-              <a:t>: </a:t>
-            </a:r>
-            <a:r>
-              <a:rPr lang="en-US" dirty="0" err="1"/>
-              <a:t>Common.FortuneType.Good</a:t>
-            </a:r>
-            <a:r>
-              <a:rPr lang="en-US" dirty="0"/>
-              <a:t>, fortune: 'Everything will happen the way you want it to'},</a:t>
-            </a:r>
-          </a:p>
-          <a:p>
-            <a:pPr marL="0" indent="0">
-              <a:buNone/>
-            </a:pPr>
-            <a:r>
-              <a:rPr lang="en-US" dirty="0"/>
-              <a:t>{</a:t>
-            </a:r>
-            <a:r>
-              <a:rPr lang="en-US" dirty="0" err="1"/>
-              <a:t>fortuneType</a:t>
-            </a:r>
-            <a:r>
-              <a:rPr lang="en-US" dirty="0"/>
-              <a:t>: </a:t>
-            </a:r>
-            <a:r>
-              <a:rPr lang="en-US" dirty="0" err="1"/>
-              <a:t>Common.FortuneType.Bad</a:t>
-            </a:r>
-            <a:r>
-              <a:rPr lang="en-US" dirty="0"/>
-              <a:t>, fortune: 'Your nemesis will get everything they want'},</a:t>
-            </a:r>
-          </a:p>
-          <a:p>
-            <a:pPr marL="0" indent="0">
-              <a:buNone/>
-            </a:pPr>
-            <a:r>
-              <a:rPr lang="en-US" dirty="0"/>
-              <a:t>{</a:t>
-            </a:r>
-            <a:r>
-              <a:rPr lang="en-US" dirty="0" err="1"/>
-              <a:t>fortuneType</a:t>
-            </a:r>
-            <a:r>
-              <a:rPr lang="en-US" dirty="0"/>
-              <a:t>: </a:t>
-            </a:r>
-            <a:r>
-              <a:rPr lang="en-US" dirty="0" err="1"/>
-              <a:t>Common.FortuneType.Neutral</a:t>
-            </a:r>
-            <a:r>
-              <a:rPr lang="en-US" dirty="0"/>
-              <a:t>, </a:t>
-            </a:r>
-          </a:p>
-          <a:p>
-            <a:pPr marL="0" indent="0">
-              <a:buNone/>
-            </a:pPr>
-            <a:r>
-              <a:rPr lang="en-US" dirty="0"/>
-              <a:t>fortune: 'It won’t be super memorable' +</a:t>
-            </a:r>
-          </a:p>
-          <a:p>
-            <a:pPr marL="0" indent="0">
-              <a:buNone/>
-            </a:pPr>
-            <a:r>
-              <a:rPr lang="en-US" dirty="0"/>
-              <a:t>'In a good or bad way’}</a:t>
-            </a:r>
-          </a:p>
-          <a:p>
-            <a:pPr marL="0" indent="0">
-              <a:buNone/>
-            </a:pPr>
-            <a:r>
-              <a:rPr lang="en-US" dirty="0"/>
-              <a:t>];</a:t>
-            </a:r>
-          </a:p>
-          <a:p>
-            <a:pPr marL="0" indent="0">
-              <a:buNone/>
-            </a:pPr>
-            <a:r>
-              <a:rPr lang="en-US" dirty="0"/>
-              <a:t>}</a:t>
-            </a:r>
-          </a:p>
-          <a:p>
-            <a:pPr marL="0" indent="0">
-              <a:buNone/>
-            </a:pPr>
-            <a:endParaRPr lang="en-US" dirty="0"/>
-          </a:p>
-          <a:p>
-            <a:pPr marL="457200" lvl="1" indent="0">
-              <a:buNone/>
-            </a:pPr>
-            <a:endParaRPr lang="en-US" dirty="0"/>
+          <a:bodyPr/>
+          <a:lstStyle/>
+          <a:p>
+            <a:r>
+              <a:rPr lang="en-US" dirty="0"/>
+              <a:t>If we always got the same fortune it would be pretty boring right. </a:t>
+            </a:r>
           </a:p>
         </p:txBody>
       </p:sp>
     </p:spTree>
     <p:extLst>
       <p:ext uri="{BB962C8B-B14F-4D97-AF65-F5344CB8AC3E}">
-        <p14:creationId xmlns:p14="http://schemas.microsoft.com/office/powerpoint/2010/main" val="1762204865"/>
+        <p14:creationId xmlns:p14="http://schemas.microsoft.com/office/powerpoint/2010/main" val="2129822467"/>
       </p:ext>
     </p:extLst>
   </p:cSld>
@@ -8656,7 +8613,7 @@
           <p:cNvPr id="2" name="Title 1">
             <a:extLst>
               <a:ext uri="{FF2B5EF4-FFF2-40B4-BE49-F238E27FC236}">
-                <a16:creationId xmlns:a16="http://schemas.microsoft.com/office/drawing/2014/main" id="{43499C28-6516-433C-B3C5-38E9835C5EC5}"/>
+                <a16:creationId xmlns:a16="http://schemas.microsoft.com/office/drawing/2014/main" id="{D996E0CC-5C4A-4057-9BF4-532E2E1D58AB}"/>
               </a:ext>
             </a:extLst>
           </p:cNvPr>
@@ -8669,12 +8626,21 @@
         </p:nvSpPr>
         <p:spPr/>
         <p:txBody>
-          <a:bodyPr/>
-          <a:lstStyle/>
-          <a:p>
-            <a:r>
-              <a:rPr lang="en-US" dirty="0"/>
-              <a:t>Time to randomly chose a number based on the number of fortunes you created:</a:t>
+          <a:bodyPr>
+            <a:normAutofit/>
+          </a:bodyPr>
+          <a:lstStyle/>
+          <a:p>
+            <a:r>
+              <a:rPr lang="en-US" dirty="0"/>
+              <a:t>Now let’s make choosing a fortune random. </a:t>
+            </a:r>
+            <a:br>
+              <a:rPr lang="en-US" dirty="0"/>
+            </a:br>
+            <a:r>
+              <a:rPr lang="en-US" dirty="0"/>
+              <a:t>But first, let’s talk a bit about what’s going on</a:t>
             </a:r>
           </a:p>
         </p:txBody>
@@ -8684,7 +8650,7 @@
           <p:cNvPr id="3" name="Content Placeholder 2">
             <a:extLst>
               <a:ext uri="{FF2B5EF4-FFF2-40B4-BE49-F238E27FC236}">
-                <a16:creationId xmlns:a16="http://schemas.microsoft.com/office/drawing/2014/main" id="{C3F136AB-B48C-459A-B646-A6E61500636E}"/>
+                <a16:creationId xmlns:a16="http://schemas.microsoft.com/office/drawing/2014/main" id="{95F3BC07-8380-4FB5-86BC-29F371486361}"/>
               </a:ext>
             </a:extLst>
           </p:cNvPr>
@@ -8697,20 +8663,53 @@
         </p:nvSpPr>
         <p:spPr/>
         <p:txBody>
-          <a:bodyPr/>
-          <a:lstStyle/>
-          <a:p>
-            <a:r>
-              <a:rPr lang="en-US" dirty="0"/>
-              <a:t>Add this into your “</a:t>
-            </a:r>
+          <a:bodyPr>
+            <a:normAutofit fontScale="55000" lnSpcReduction="20000"/>
+          </a:bodyPr>
+          <a:lstStyle/>
+          <a:p>
+            <a:r>
+              <a:rPr lang="en-US" dirty="0"/>
+              <a:t>Constructor:</a:t>
+            </a:r>
+          </a:p>
+          <a:p>
+            <a:pPr marL="0" indent="0">
+              <a:buNone/>
+            </a:pPr>
+            <a:r>
+              <a:rPr lang="en-US" dirty="0"/>
+              <a:t>constructor (props: {}, state: {}) {</a:t>
+            </a:r>
+          </a:p>
+          <a:p>
+            <a:pPr marL="0" indent="0">
+              <a:buNone/>
+            </a:pPr>
+            <a:r>
+              <a:rPr lang="en-US" dirty="0"/>
+              <a:t>super(props);</a:t>
+            </a:r>
+          </a:p>
+          <a:p>
+            <a:pPr marL="0" indent="0">
+              <a:buNone/>
+            </a:pPr>
             <a:r>
               <a:rPr lang="en-US" dirty="0" err="1"/>
-              <a:t>GetFortunes</a:t>
-            </a:r>
-            <a:r>
-              <a:rPr lang="en-US" dirty="0"/>
-              <a:t>” Function</a:t>
+              <a:t>this.GetFortune</a:t>
+            </a:r>
+            <a:r>
+              <a:rPr lang="en-US" dirty="0"/>
+              <a:t> = </a:t>
+            </a:r>
+            <a:r>
+              <a:rPr lang="en-US" dirty="0" err="1"/>
+              <a:t>this.GetFortune.bind</a:t>
+            </a:r>
+            <a:r>
+              <a:rPr lang="en-US" dirty="0"/>
+              <a:t>(this);</a:t>
             </a:r>
           </a:p>
           <a:p>
@@ -8719,59 +8718,165 @@
             </a:pPr>
             <a:r>
               <a:rPr lang="en-US" dirty="0"/>
-              <a:t>	return fortunes[(</a:t>
-            </a:r>
+              <a:t>}</a:t>
+            </a:r>
+          </a:p>
+          <a:p>
             <a:r>
               <a:rPr lang="en-US" dirty="0" err="1"/>
-              <a:t>Math.round</a:t>
-            </a:r>
-            <a:r>
-              <a:rPr lang="en-US" dirty="0"/>
-              <a:t>(</a:t>
+              <a:t>GetFortune</a:t>
+            </a:r>
+            <a:r>
+              <a:rPr lang="en-US" dirty="0"/>
+              <a:t>() {</a:t>
+            </a:r>
+          </a:p>
+          <a:p>
+            <a:pPr marL="0" indent="0">
+              <a:buNone/>
+            </a:pPr>
+            <a:r>
+              <a:rPr lang="en-US" dirty="0"/>
+              <a:t>/*let fortunes: </a:t>
             </a:r>
             <a:r>
               <a:rPr lang="en-US" dirty="0" err="1"/>
-              <a:t>Math.random</a:t>
-            </a:r>
-            <a:r>
-              <a:rPr lang="en-US" dirty="0"/>
-              <a:t>() * </a:t>
+              <a:t>Common.Fortune</a:t>
+            </a:r>
+            <a:r>
+              <a:rPr lang="en-US" dirty="0"/>
+              <a:t>[] = [</a:t>
+            </a:r>
+          </a:p>
+          <a:p>
+            <a:pPr marL="0" indent="0">
+              <a:buNone/>
+            </a:pPr>
+            <a:r>
+              <a:rPr lang="en-US" dirty="0"/>
+              <a:t>{</a:t>
             </a:r>
             <a:r>
               <a:rPr lang="en-US" dirty="0" err="1"/>
-              <a:t>fortunes.length</a:t>
-            </a:r>
-            <a:r>
-              <a:rPr lang="en-US" dirty="0"/>
-              <a:t> - 1))];</a:t>
-            </a:r>
-          </a:p>
-          <a:p>
-            <a:r>
-              <a:rPr lang="en-US" dirty="0"/>
-              <a:t>What do you think </a:t>
+              <a:t>fortuneType</a:t>
+            </a:r>
+            <a:r>
+              <a:rPr lang="en-US" dirty="0"/>
+              <a:t>: </a:t>
             </a:r>
             <a:r>
               <a:rPr lang="en-US" dirty="0" err="1"/>
-              <a:t>fortunes.length</a:t>
-            </a:r>
-            <a:r>
-              <a:rPr lang="en-US" dirty="0"/>
-              <a:t> does?</a:t>
-            </a:r>
-          </a:p>
-          <a:p>
-            <a:r>
-              <a:rPr lang="en-US" dirty="0"/>
-              <a:t>Why “-1”</a:t>
-            </a:r>
+              <a:t>Common.FortuneType.Good</a:t>
+            </a:r>
+            <a:r>
+              <a:rPr lang="en-US" dirty="0"/>
+              <a:t>, fortune: 'Everything will happen the way you want it to'},</a:t>
+            </a:r>
+          </a:p>
+          <a:p>
+            <a:pPr marL="0" indent="0">
+              <a:buNone/>
+            </a:pPr>
+            <a:r>
+              <a:rPr lang="en-US" dirty="0"/>
+              <a:t>{</a:t>
+            </a:r>
+            <a:r>
+              <a:rPr lang="en-US" dirty="0" err="1"/>
+              <a:t>fortuneType</a:t>
+            </a:r>
+            <a:r>
+              <a:rPr lang="en-US" dirty="0"/>
+              <a:t>: </a:t>
+            </a:r>
+            <a:r>
+              <a:rPr lang="en-US" dirty="0" err="1"/>
+              <a:t>Common.FortuneType.Bad</a:t>
+            </a:r>
+            <a:r>
+              <a:rPr lang="en-US" dirty="0"/>
+              <a:t>, fortune: 'Your nemesis will get everything they want'},</a:t>
+            </a:r>
+          </a:p>
+          <a:p>
+            <a:pPr marL="0" indent="0">
+              <a:buNone/>
+            </a:pPr>
+            <a:r>
+              <a:rPr lang="en-US" dirty="0"/>
+              <a:t>{</a:t>
+            </a:r>
+            <a:r>
+              <a:rPr lang="en-US" dirty="0" err="1"/>
+              <a:t>fortuneType</a:t>
+            </a:r>
+            <a:r>
+              <a:rPr lang="en-US" dirty="0"/>
+              <a:t>: </a:t>
+            </a:r>
+            <a:r>
+              <a:rPr lang="en-US" dirty="0" err="1"/>
+              <a:t>Common.FortuneType.Neutral</a:t>
+            </a:r>
+            <a:r>
+              <a:rPr lang="en-US" dirty="0"/>
+              <a:t>, </a:t>
+            </a:r>
+          </a:p>
+          <a:p>
+            <a:pPr marL="0" indent="0">
+              <a:buNone/>
+            </a:pPr>
+            <a:r>
+              <a:rPr lang="en-US" dirty="0"/>
+              <a:t>fortune: 'It won’t be super memorable' +</a:t>
+            </a:r>
+          </a:p>
+          <a:p>
+            <a:pPr marL="0" indent="0">
+              <a:buNone/>
+            </a:pPr>
+            <a:r>
+              <a:rPr lang="en-US" dirty="0"/>
+              <a:t>'In a good or bad way’}</a:t>
+            </a:r>
+          </a:p>
+          <a:p>
+            <a:pPr marL="0" indent="0">
+              <a:buNone/>
+            </a:pPr>
+            <a:r>
+              <a:rPr lang="en-US" dirty="0"/>
+              <a:t>];</a:t>
+            </a:r>
+          </a:p>
+          <a:p>
+            <a:pPr marL="0" indent="0">
+              <a:buNone/>
+            </a:pPr>
+            <a:r>
+              <a:rPr lang="en-US" dirty="0"/>
+              <a:t>}</a:t>
+            </a:r>
+          </a:p>
+          <a:p>
+            <a:pPr marL="0" indent="0">
+              <a:buNone/>
+            </a:pPr>
+            <a:endParaRPr lang="en-US" dirty="0"/>
+          </a:p>
+          <a:p>
+            <a:pPr marL="457200" lvl="1" indent="0">
+              <a:buNone/>
+            </a:pPr>
+            <a:endParaRPr lang="en-US" dirty="0"/>
           </a:p>
         </p:txBody>
       </p:sp>
     </p:spTree>
     <p:extLst>
       <p:ext uri="{BB962C8B-B14F-4D97-AF65-F5344CB8AC3E}">
-        <p14:creationId xmlns:p14="http://schemas.microsoft.com/office/powerpoint/2010/main" val="4011342571"/>
+        <p14:creationId xmlns:p14="http://schemas.microsoft.com/office/powerpoint/2010/main" val="1762204865"/>
       </p:ext>
     </p:extLst>
   </p:cSld>
@@ -8803,7 +8908,7 @@
           <p:cNvPr id="2" name="Title 1">
             <a:extLst>
               <a:ext uri="{FF2B5EF4-FFF2-40B4-BE49-F238E27FC236}">
-                <a16:creationId xmlns:a16="http://schemas.microsoft.com/office/drawing/2014/main" id="{35DD3BCE-9407-4739-920E-30CFAB084B74}"/>
+                <a16:creationId xmlns:a16="http://schemas.microsoft.com/office/drawing/2014/main" id="{43499C28-6516-433C-B3C5-38E9835C5EC5}"/>
               </a:ext>
             </a:extLst>
           </p:cNvPr>
@@ -8821,7 +8926,7 @@
           <a:p>
             <a:r>
               <a:rPr lang="en-US" dirty="0"/>
-              <a:t>Hooray! We can get a fortune!</a:t>
+              <a:t>Time to randomly chose a number based on the number of fortunes you created:</a:t>
             </a:r>
           </a:p>
         </p:txBody>
@@ -8831,7 +8936,7 @@
           <p:cNvPr id="3" name="Content Placeholder 2">
             <a:extLst>
               <a:ext uri="{FF2B5EF4-FFF2-40B4-BE49-F238E27FC236}">
-                <a16:creationId xmlns:a16="http://schemas.microsoft.com/office/drawing/2014/main" id="{7B667B5B-9083-43AE-99BA-BD3A258AE00F}"/>
+                <a16:creationId xmlns:a16="http://schemas.microsoft.com/office/drawing/2014/main" id="{C3F136AB-B48C-459A-B646-A6E61500636E}"/>
               </a:ext>
             </a:extLst>
           </p:cNvPr>
@@ -8849,89 +8954,76 @@
           <a:p>
             <a:r>
               <a:rPr lang="en-US" dirty="0"/>
-              <a:t>Add this to the top of your render in your </a:t>
+              <a:t>Add this into your “</a:t>
             </a:r>
             <a:r>
               <a:rPr lang="en-US" dirty="0" err="1"/>
-              <a:t>fortune.tsx</a:t>
-            </a:r>
-            <a:r>
-              <a:rPr lang="en-US" dirty="0"/>
-              <a:t>:</a:t>
-            </a:r>
-          </a:p>
-          <a:p>
-            <a:pPr marL="457200" lvl="1" indent="0">
+              <a:t>GetFortunes</a:t>
+            </a:r>
+            <a:r>
+              <a:rPr lang="en-US" dirty="0"/>
+              <a:t>” Function</a:t>
+            </a:r>
+          </a:p>
+          <a:p>
+            <a:pPr marL="0" indent="0">
               <a:buNone/>
             </a:pPr>
             <a:r>
               <a:rPr lang="en-US" dirty="0"/>
-              <a:t>let fortune = </a:t>
+              <a:t>	return fortunes[(</a:t>
             </a:r>
             <a:r>
               <a:rPr lang="en-US" dirty="0" err="1"/>
-              <a:t>this.GetFortune</a:t>
-            </a:r>
-            <a:r>
-              <a:rPr lang="en-US" dirty="0"/>
-              <a:t>();</a:t>
-            </a:r>
-          </a:p>
-          <a:p>
-            <a:r>
-              <a:rPr lang="en-US" dirty="0"/>
-              <a:t>Now, lets use our fortune to display instead- </a:t>
+              <a:t>Math.round</a:t>
+            </a:r>
+            <a:r>
+              <a:rPr lang="en-US" dirty="0"/>
+              <a:t>(</a:t>
             </a:r>
             <a:r>
               <a:rPr lang="en-US" dirty="0" err="1"/>
-              <a:t>fortune.tsx</a:t>
-            </a:r>
-            <a:r>
-              <a:rPr lang="en-US" dirty="0"/>
-              <a:t>:</a:t>
-            </a:r>
-          </a:p>
-          <a:p>
-            <a:pPr marL="0" indent="0">
-              <a:buNone/>
-            </a:pPr>
-            <a:r>
-              <a:rPr lang="en-US" dirty="0"/>
-              <a:t>&lt;big style={style} </a:t>
+              <a:t>Math.random</a:t>
+            </a:r>
+            <a:r>
+              <a:rPr lang="en-US" dirty="0"/>
+              <a:t>() * </a:t>
             </a:r>
             <a:r>
               <a:rPr lang="en-US" dirty="0" err="1"/>
-              <a:t>className</a:t>
-            </a:r>
-            <a:r>
-              <a:rPr lang="en-US" dirty="0"/>
-              <a:t>="Fortune-text"&gt; Your fortune is {</a:t>
+              <a:t>fortunes.length</a:t>
+            </a:r>
+            <a:r>
+              <a:rPr lang="en-US" dirty="0"/>
+              <a:t> - 1))];</a:t>
+            </a:r>
+          </a:p>
+          <a:p>
+            <a:r>
+              <a:rPr lang="en-US" dirty="0"/>
+              <a:t>What do you think </a:t>
             </a:r>
             <a:r>
               <a:rPr lang="en-US" dirty="0" err="1"/>
-              <a:t>fortune.fortune</a:t>
-            </a:r>
-            <a:r>
-              <a:rPr lang="en-US" dirty="0"/>
-              <a:t>}&lt;/big&gt;</a:t>
-            </a:r>
-          </a:p>
-          <a:p>
-            <a:pPr marL="457200" lvl="1" indent="0">
-              <a:buNone/>
-            </a:pPr>
-            <a:endParaRPr lang="en-US" dirty="0"/>
-          </a:p>
-          <a:p>
-            <a:pPr lvl="1"/>
-            <a:endParaRPr lang="en-US" dirty="0"/>
+              <a:t>fortunes.length</a:t>
+            </a:r>
+            <a:r>
+              <a:rPr lang="en-US" dirty="0"/>
+              <a:t> does?</a:t>
+            </a:r>
+          </a:p>
+          <a:p>
+            <a:r>
+              <a:rPr lang="en-US" dirty="0"/>
+              <a:t>Why “-1”</a:t>
+            </a:r>
           </a:p>
         </p:txBody>
       </p:sp>
     </p:spTree>
     <p:extLst>
       <p:ext uri="{BB962C8B-B14F-4D97-AF65-F5344CB8AC3E}">
-        <p14:creationId xmlns:p14="http://schemas.microsoft.com/office/powerpoint/2010/main" val="3963217686"/>
+        <p14:creationId xmlns:p14="http://schemas.microsoft.com/office/powerpoint/2010/main" val="4011342571"/>
       </p:ext>
     </p:extLst>
   </p:cSld>
@@ -8963,7 +9055,7 @@
           <p:cNvPr id="2" name="Title 1">
             <a:extLst>
               <a:ext uri="{FF2B5EF4-FFF2-40B4-BE49-F238E27FC236}">
-                <a16:creationId xmlns:a16="http://schemas.microsoft.com/office/drawing/2014/main" id="{BD61B9A8-15CD-42A8-AA86-F6FAD5A6BEBE}"/>
+                <a16:creationId xmlns:a16="http://schemas.microsoft.com/office/drawing/2014/main" id="{35DD3BCE-9407-4739-920E-30CFAB084B74}"/>
               </a:ext>
             </a:extLst>
           </p:cNvPr>
@@ -8981,7 +9073,7 @@
           <a:p>
             <a:r>
               <a:rPr lang="en-US" dirty="0"/>
-              <a:t>Style our fortune!</a:t>
+              <a:t>Hooray! We can get a fortune!</a:t>
             </a:r>
           </a:p>
         </p:txBody>
@@ -8991,7 +9083,7 @@
           <p:cNvPr id="3" name="Content Placeholder 2">
             <a:extLst>
               <a:ext uri="{FF2B5EF4-FFF2-40B4-BE49-F238E27FC236}">
-                <a16:creationId xmlns:a16="http://schemas.microsoft.com/office/drawing/2014/main" id="{A29C7F98-9279-433D-BF08-A7EC9DCDFCD8}"/>
+                <a16:creationId xmlns:a16="http://schemas.microsoft.com/office/drawing/2014/main" id="{7B667B5B-9083-43AE-99BA-BD3A258AE00F}"/>
               </a:ext>
             </a:extLst>
           </p:cNvPr>
@@ -9007,6 +9099,83 @@
           <a:bodyPr/>
           <a:lstStyle/>
           <a:p>
+            <a:r>
+              <a:rPr lang="en-US" dirty="0"/>
+              <a:t>Add this to the top of your render in your </a:t>
+            </a:r>
+            <a:r>
+              <a:rPr lang="en-US" dirty="0" err="1"/>
+              <a:t>fortune.tsx</a:t>
+            </a:r>
+            <a:r>
+              <a:rPr lang="en-US" dirty="0"/>
+              <a:t>:</a:t>
+            </a:r>
+          </a:p>
+          <a:p>
+            <a:pPr marL="457200" lvl="1" indent="0">
+              <a:buNone/>
+            </a:pPr>
+            <a:r>
+              <a:rPr lang="en-US" dirty="0"/>
+              <a:t>let fortune = </a:t>
+            </a:r>
+            <a:r>
+              <a:rPr lang="en-US" dirty="0" err="1"/>
+              <a:t>this.GetFortune</a:t>
+            </a:r>
+            <a:r>
+              <a:rPr lang="en-US" dirty="0"/>
+              <a:t>();</a:t>
+            </a:r>
+          </a:p>
+          <a:p>
+            <a:r>
+              <a:rPr lang="en-US" dirty="0"/>
+              <a:t>Now, lets use our fortune to display instead- </a:t>
+            </a:r>
+            <a:r>
+              <a:rPr lang="en-US" dirty="0" err="1"/>
+              <a:t>fortune.tsx</a:t>
+            </a:r>
+            <a:r>
+              <a:rPr lang="en-US" dirty="0"/>
+              <a:t>:</a:t>
+            </a:r>
+          </a:p>
+          <a:p>
+            <a:pPr marL="0" indent="0">
+              <a:buNone/>
+            </a:pPr>
+            <a:r>
+              <a:rPr lang="en-US" dirty="0"/>
+              <a:t>&lt;big style={style} </a:t>
+            </a:r>
+            <a:r>
+              <a:rPr lang="en-US" dirty="0" err="1"/>
+              <a:t>className</a:t>
+            </a:r>
+            <a:r>
+              <a:rPr lang="en-US" dirty="0"/>
+              <a:t>="Fortune-text"&gt; Your fortune is {</a:t>
+            </a:r>
+            <a:r>
+              <a:rPr lang="en-US" dirty="0" err="1"/>
+              <a:t>fortune.fortune</a:t>
+            </a:r>
+            <a:r>
+              <a:rPr lang="en-US" dirty="0"/>
+              <a:t>}&lt;/big&gt;</a:t>
+            </a:r>
+          </a:p>
+          <a:p>
+            <a:pPr marL="457200" lvl="1" indent="0">
+              <a:buNone/>
+            </a:pPr>
+            <a:endParaRPr lang="en-US" dirty="0"/>
+          </a:p>
+          <a:p>
+            <a:pPr lvl="1"/>
             <a:endParaRPr lang="en-US" dirty="0"/>
           </a:p>
         </p:txBody>
@@ -9014,7 +9183,7 @@
     </p:spTree>
     <p:extLst>
       <p:ext uri="{BB962C8B-B14F-4D97-AF65-F5344CB8AC3E}">
-        <p14:creationId xmlns:p14="http://schemas.microsoft.com/office/powerpoint/2010/main" val="1893109201"/>
+        <p14:creationId xmlns:p14="http://schemas.microsoft.com/office/powerpoint/2010/main" val="3963217686"/>
       </p:ext>
     </p:extLst>
   </p:cSld>
@@ -9046,7 +9215,7 @@
           <p:cNvPr id="2" name="Title 1">
             <a:extLst>
               <a:ext uri="{FF2B5EF4-FFF2-40B4-BE49-F238E27FC236}">
-                <a16:creationId xmlns:a16="http://schemas.microsoft.com/office/drawing/2014/main" id="{432D3FA2-E04B-4079-8C81-1BEF1CFB68D4}"/>
+                <a16:creationId xmlns:a16="http://schemas.microsoft.com/office/drawing/2014/main" id="{BD61B9A8-15CD-42A8-AA86-F6FAD5A6BEBE}"/>
               </a:ext>
             </a:extLst>
           </p:cNvPr>
@@ -9064,7 +9233,7 @@
           <a:p>
             <a:r>
               <a:rPr lang="en-US" dirty="0"/>
-              <a:t>Wait… whats that style element </a:t>
+              <a:t>Style our fortune!</a:t>
             </a:r>
           </a:p>
         </p:txBody>
@@ -9074,7 +9243,7 @@
           <p:cNvPr id="3" name="Content Placeholder 2">
             <a:extLst>
               <a:ext uri="{FF2B5EF4-FFF2-40B4-BE49-F238E27FC236}">
-                <a16:creationId xmlns:a16="http://schemas.microsoft.com/office/drawing/2014/main" id="{478322B6-0339-455B-9BDC-B7F1F4BC6FDB}"/>
+                <a16:creationId xmlns:a16="http://schemas.microsoft.com/office/drawing/2014/main" id="{A29C7F98-9279-433D-BF08-A7EC9DCDFCD8}"/>
               </a:ext>
             </a:extLst>
           </p:cNvPr>
@@ -9087,129 +9256,9 @@
         </p:nvSpPr>
         <p:spPr/>
         <p:txBody>
-          <a:bodyPr>
-            <a:normAutofit fontScale="92500" lnSpcReduction="10000"/>
-          </a:bodyPr>
-          <a:lstStyle/>
-          <a:p>
-            <a:pPr marL="0" indent="0">
-              <a:buNone/>
-            </a:pPr>
-            <a:r>
-              <a:rPr lang="en-US" dirty="0"/>
-              <a:t>&lt;big </a:t>
-            </a:r>
-            <a:r>
-              <a:rPr lang="en-US" b="1" dirty="0">
-                <a:highlight>
-                  <a:srgbClr val="FFFF00"/>
-                </a:highlight>
-              </a:rPr>
-              <a:t>style={style} </a:t>
-            </a:r>
-            <a:r>
-              <a:rPr lang="en-US" dirty="0" err="1"/>
-              <a:t>className</a:t>
-            </a:r>
-            <a:r>
-              <a:rPr lang="en-US" dirty="0"/>
-              <a:t>="Fortune-text"&gt; Your fortune is {</a:t>
-            </a:r>
-            <a:r>
-              <a:rPr lang="en-US" dirty="0" err="1"/>
-              <a:t>fortune.fortune</a:t>
-            </a:r>
-            <a:r>
-              <a:rPr lang="en-US" dirty="0"/>
-              <a:t>}&lt;/big&gt;</a:t>
-            </a:r>
-          </a:p>
-          <a:p>
-            <a:pPr marL="0" indent="0">
-              <a:buNone/>
-            </a:pPr>
-            <a:endParaRPr lang="en-US" dirty="0"/>
-          </a:p>
-          <a:p>
-            <a:pPr marL="0" indent="0">
-              <a:buNone/>
-            </a:pPr>
-            <a:r>
-              <a:rPr lang="en-US" dirty="0"/>
-              <a:t>Remember how we talked about CSS? </a:t>
-            </a:r>
-          </a:p>
-          <a:p>
-            <a:pPr marL="0" indent="0">
-              <a:buNone/>
-            </a:pPr>
-            <a:r>
-              <a:rPr lang="en-US" dirty="0"/>
-              <a:t>We can make an </a:t>
-            </a:r>
-            <a:r>
-              <a:rPr lang="en-US" i="1" dirty="0"/>
-              <a:t>interface </a:t>
-            </a:r>
-            <a:r>
-              <a:rPr lang="en-US" dirty="0"/>
-              <a:t>about the style we want:</a:t>
-            </a:r>
-          </a:p>
-          <a:p>
-            <a:pPr marL="0" indent="0">
-              <a:buNone/>
-            </a:pPr>
-            <a:endParaRPr lang="en-US" dirty="0"/>
-          </a:p>
-          <a:p>
-            <a:pPr marL="0" indent="0">
-              <a:buNone/>
-            </a:pPr>
-            <a:r>
-              <a:rPr lang="en-US" dirty="0"/>
-              <a:t>interface Style {</a:t>
-            </a:r>
-          </a:p>
-          <a:p>
-            <a:pPr marL="0" indent="0">
-              <a:buNone/>
-            </a:pPr>
-            <a:r>
-              <a:rPr lang="en-US" dirty="0"/>
-              <a:t>	color: string;</a:t>
-            </a:r>
-          </a:p>
-          <a:p>
-            <a:pPr marL="0" indent="0">
-              <a:buNone/>
-            </a:pPr>
-            <a:r>
-              <a:rPr lang="en-US" dirty="0"/>
-              <a:t>	</a:t>
-            </a:r>
-            <a:r>
-              <a:rPr lang="en-US" dirty="0" err="1"/>
-              <a:t>fontWeight</a:t>
-            </a:r>
-            <a:r>
-              <a:rPr lang="en-US" dirty="0"/>
-              <a:t>: 'bold';</a:t>
-            </a:r>
-          </a:p>
-          <a:p>
-            <a:pPr marL="0" indent="0">
-              <a:buNone/>
-            </a:pPr>
-            <a:r>
-              <a:rPr lang="en-US" dirty="0"/>
-              <a:t>}</a:t>
-            </a:r>
-          </a:p>
-          <a:p>
-            <a:pPr marL="0" indent="0">
-              <a:buNone/>
-            </a:pPr>
+          <a:bodyPr/>
+          <a:lstStyle/>
+          <a:p>
             <a:endParaRPr lang="en-US" dirty="0"/>
           </a:p>
         </p:txBody>
@@ -9217,7 +9266,7 @@
     </p:spTree>
     <p:extLst>
       <p:ext uri="{BB962C8B-B14F-4D97-AF65-F5344CB8AC3E}">
-        <p14:creationId xmlns:p14="http://schemas.microsoft.com/office/powerpoint/2010/main" val="2361844178"/>
+        <p14:creationId xmlns:p14="http://schemas.microsoft.com/office/powerpoint/2010/main" val="1893109201"/>
       </p:ext>
     </p:extLst>
   </p:cSld>
@@ -9249,7 +9298,7 @@
           <p:cNvPr id="2" name="Title 1">
             <a:extLst>
               <a:ext uri="{FF2B5EF4-FFF2-40B4-BE49-F238E27FC236}">
-                <a16:creationId xmlns:a16="http://schemas.microsoft.com/office/drawing/2014/main" id="{D7F91FD0-460F-4705-892E-F02FFFBA173D}"/>
+                <a16:creationId xmlns:a16="http://schemas.microsoft.com/office/drawing/2014/main" id="{432D3FA2-E04B-4079-8C81-1BEF1CFB68D4}"/>
               </a:ext>
             </a:extLst>
           </p:cNvPr>
@@ -9267,7 +9316,7 @@
           <a:p>
             <a:r>
               <a:rPr lang="en-US" dirty="0"/>
-              <a:t>“Switch” – how we choose in computer science</a:t>
+              <a:t>Wait… whats that style element </a:t>
             </a:r>
           </a:p>
         </p:txBody>
@@ -9277,7 +9326,7 @@
           <p:cNvPr id="3" name="Content Placeholder 2">
             <a:extLst>
               <a:ext uri="{FF2B5EF4-FFF2-40B4-BE49-F238E27FC236}">
-                <a16:creationId xmlns:a16="http://schemas.microsoft.com/office/drawing/2014/main" id="{BA08FCD2-AE02-4967-B5FB-1C12D366D69C}"/>
+                <a16:creationId xmlns:a16="http://schemas.microsoft.com/office/drawing/2014/main" id="{478322B6-0339-455B-9BDC-B7F1F4BC6FDB}"/>
               </a:ext>
             </a:extLst>
           </p:cNvPr>
@@ -9291,7 +9340,7 @@
         <p:spPr/>
         <p:txBody>
           <a:bodyPr>
-            <a:normAutofit fontScale="40000" lnSpcReduction="20000"/>
+            <a:normAutofit fontScale="92500" lnSpcReduction="10000"/>
           </a:bodyPr>
           <a:lstStyle/>
           <a:p>
@@ -9300,32 +9349,104 @@
             </a:pPr>
             <a:r>
               <a:rPr lang="en-US" dirty="0"/>
-              <a:t>/*switch (</a:t>
+              <a:t>&lt;big </a:t>
+            </a:r>
+            <a:r>
+              <a:rPr lang="en-US" b="1" dirty="0">
+                <a:highlight>
+                  <a:srgbClr val="FFFF00"/>
+                </a:highlight>
+              </a:rPr>
+              <a:t>style={style} </a:t>
             </a:r>
             <a:r>
               <a:rPr lang="en-US" dirty="0" err="1"/>
-              <a:t>fortune.fortuneType</a:t>
-            </a:r>
-            <a:r>
-              <a:rPr lang="en-US" dirty="0"/>
-              <a:t>) {</a:t>
+              <a:t>className</a:t>
+            </a:r>
+            <a:r>
+              <a:rPr lang="en-US" dirty="0"/>
+              <a:t>="Fortune-text"&gt; Your fortune is {</a:t>
+            </a:r>
+            <a:r>
+              <a:rPr lang="en-US" dirty="0" err="1"/>
+              <a:t>fortune.fortune</a:t>
+            </a:r>
+            <a:r>
+              <a:rPr lang="en-US" dirty="0"/>
+              <a:t>}&lt;/big&gt;</a:t>
             </a:r>
           </a:p>
           <a:p>
             <a:pPr marL="0" indent="0">
               <a:buNone/>
             </a:pPr>
-            <a:r>
-              <a:rPr lang="en-US" dirty="0"/>
-              <a:t>case </a:t>
+            <a:endParaRPr lang="en-US" dirty="0"/>
+          </a:p>
+          <a:p>
+            <a:pPr marL="0" indent="0">
+              <a:buNone/>
+            </a:pPr>
+            <a:r>
+              <a:rPr lang="en-US" dirty="0"/>
+              <a:t>Remember how we talked about CSS? </a:t>
+            </a:r>
+          </a:p>
+          <a:p>
+            <a:pPr marL="0" indent="0">
+              <a:buNone/>
+            </a:pPr>
+            <a:r>
+              <a:rPr lang="en-US" dirty="0"/>
+              <a:t>We can make an </a:t>
+            </a:r>
+            <a:r>
+              <a:rPr lang="en-US" i="1" dirty="0"/>
+              <a:t>interface </a:t>
+            </a:r>
+            <a:r>
+              <a:rPr lang="en-US" dirty="0"/>
+              <a:t>about the style we want:</a:t>
+            </a:r>
+          </a:p>
+          <a:p>
+            <a:pPr marL="0" indent="0">
+              <a:buNone/>
+            </a:pPr>
+            <a:endParaRPr lang="en-US" dirty="0"/>
+          </a:p>
+          <a:p>
+            <a:pPr marL="0" indent="0">
+              <a:buNone/>
+            </a:pPr>
+            <a:r>
+              <a:rPr lang="en-US" dirty="0"/>
+              <a:t>interface Style {</a:t>
+            </a:r>
+          </a:p>
+          <a:p>
+            <a:pPr marL="0" indent="0">
+              <a:buNone/>
+            </a:pPr>
+            <a:r>
+              <a:rPr lang="en-US" dirty="0"/>
+              <a:t>	color: string;</a:t>
+            </a:r>
+          </a:p>
+          <a:p>
+            <a:pPr marL="0" indent="0">
+              <a:buNone/>
+            </a:pPr>
+            <a:r>
+              <a:rPr lang="en-US" dirty="0"/>
+              <a:t>	</a:t>
             </a:r>
             <a:r>
               <a:rPr lang="en-US" dirty="0" err="1"/>
-              <a:t>Common.FortuneType.Good</a:t>
-            </a:r>
-            <a:r>
-              <a:rPr lang="en-US" dirty="0"/>
-              <a:t>: {</a:t>
+              <a:t>fontWeight</a:t>
+            </a:r>
+            <a:r>
+              <a:rPr lang="en-US" dirty="0"/>
+              <a:t>: 'bold';</a:t>
             </a:r>
           </a:p>
           <a:p>
@@ -9333,162 +9454,8 @@
               <a:buNone/>
             </a:pPr>
             <a:r>
-              <a:rPr lang="en-US" dirty="0" err="1"/>
-              <a:t>style.color</a:t>
-            </a:r>
-            <a:r>
-              <a:rPr lang="en-US" dirty="0"/>
-              <a:t> = 'blue';</a:t>
-            </a:r>
-          </a:p>
-          <a:p>
-            <a:pPr marL="0" indent="0">
-              <a:buNone/>
-            </a:pPr>
-            <a:r>
-              <a:rPr lang="en-US" dirty="0"/>
-              <a:t>break;</a:t>
-            </a:r>
-          </a:p>
-          <a:p>
-            <a:pPr marL="0" indent="0">
-              <a:buNone/>
-            </a:pPr>
-            <a:r>
               <a:rPr lang="en-US" dirty="0"/>
               <a:t>}</a:t>
-            </a:r>
-          </a:p>
-          <a:p>
-            <a:pPr marL="0" indent="0">
-              <a:buNone/>
-            </a:pPr>
-            <a:r>
-              <a:rPr lang="en-US" dirty="0"/>
-              <a:t>case </a:t>
-            </a:r>
-            <a:r>
-              <a:rPr lang="en-US" dirty="0" err="1"/>
-              <a:t>Common.FortuneType.Bad</a:t>
-            </a:r>
-            <a:r>
-              <a:rPr lang="en-US" dirty="0"/>
-              <a:t>: {</a:t>
-            </a:r>
-          </a:p>
-          <a:p>
-            <a:pPr marL="0" indent="0">
-              <a:buNone/>
-            </a:pPr>
-            <a:r>
-              <a:rPr lang="en-US" dirty="0" err="1"/>
-              <a:t>style.color</a:t>
-            </a:r>
-            <a:r>
-              <a:rPr lang="en-US" dirty="0"/>
-              <a:t> = 'red';</a:t>
-            </a:r>
-          </a:p>
-          <a:p>
-            <a:pPr marL="0" indent="0">
-              <a:buNone/>
-            </a:pPr>
-            <a:r>
-              <a:rPr lang="en-US" dirty="0"/>
-              <a:t>break;</a:t>
-            </a:r>
-          </a:p>
-          <a:p>
-            <a:pPr marL="0" indent="0">
-              <a:buNone/>
-            </a:pPr>
-            <a:r>
-              <a:rPr lang="en-US" dirty="0"/>
-              <a:t>}</a:t>
-            </a:r>
-          </a:p>
-          <a:p>
-            <a:pPr marL="0" indent="0">
-              <a:buNone/>
-            </a:pPr>
-            <a:r>
-              <a:rPr lang="en-US" dirty="0"/>
-              <a:t>case </a:t>
-            </a:r>
-            <a:r>
-              <a:rPr lang="en-US" dirty="0" err="1"/>
-              <a:t>Common.FortuneType.Neutral</a:t>
-            </a:r>
-            <a:r>
-              <a:rPr lang="en-US" dirty="0"/>
-              <a:t>: {</a:t>
-            </a:r>
-          </a:p>
-          <a:p>
-            <a:pPr marL="0" indent="0">
-              <a:buNone/>
-            </a:pPr>
-            <a:r>
-              <a:rPr lang="en-US" dirty="0" err="1"/>
-              <a:t>style.color</a:t>
-            </a:r>
-            <a:r>
-              <a:rPr lang="en-US" dirty="0"/>
-              <a:t> = 'purple';</a:t>
-            </a:r>
-          </a:p>
-          <a:p>
-            <a:pPr marL="0" indent="0">
-              <a:buNone/>
-            </a:pPr>
-            <a:r>
-              <a:rPr lang="en-US" dirty="0"/>
-              <a:t>break;</a:t>
-            </a:r>
-          </a:p>
-          <a:p>
-            <a:pPr marL="0" indent="0">
-              <a:buNone/>
-            </a:pPr>
-            <a:r>
-              <a:rPr lang="en-US" dirty="0"/>
-              <a:t>}</a:t>
-            </a:r>
-          </a:p>
-          <a:p>
-            <a:pPr marL="0" indent="0">
-              <a:buNone/>
-            </a:pPr>
-            <a:r>
-              <a:rPr lang="en-US" dirty="0"/>
-              <a:t>default: {</a:t>
-            </a:r>
-          </a:p>
-          <a:p>
-            <a:pPr marL="0" indent="0">
-              <a:buNone/>
-            </a:pPr>
-            <a:r>
-              <a:rPr lang="en-US" dirty="0"/>
-              <a:t>break;</a:t>
-            </a:r>
-          </a:p>
-          <a:p>
-            <a:pPr marL="0" indent="0">
-              <a:buNone/>
-            </a:pPr>
-            <a:r>
-              <a:rPr lang="en-US" dirty="0"/>
-              <a:t>}</a:t>
-            </a:r>
-          </a:p>
-          <a:p>
-            <a:pPr marL="0" indent="0">
-              <a:buNone/>
-            </a:pPr>
-            <a:r>
-              <a:rPr lang="en-US" dirty="0"/>
-              <a:t>}*/</a:t>
             </a:r>
           </a:p>
           <a:p>
@@ -9502,7 +9469,7 @@
     </p:spTree>
     <p:extLst>
       <p:ext uri="{BB962C8B-B14F-4D97-AF65-F5344CB8AC3E}">
-        <p14:creationId xmlns:p14="http://schemas.microsoft.com/office/powerpoint/2010/main" val="880789529"/>
+        <p14:creationId xmlns:p14="http://schemas.microsoft.com/office/powerpoint/2010/main" val="2361844178"/>
       </p:ext>
     </p:extLst>
   </p:cSld>
@@ -9534,7 +9501,7 @@
           <p:cNvPr id="2" name="Title 1">
             <a:extLst>
               <a:ext uri="{FF2B5EF4-FFF2-40B4-BE49-F238E27FC236}">
-                <a16:creationId xmlns:a16="http://schemas.microsoft.com/office/drawing/2014/main" id="{E8D56148-0197-4D2A-B947-D8CEFF44EE52}"/>
+                <a16:creationId xmlns:a16="http://schemas.microsoft.com/office/drawing/2014/main" id="{D7F91FD0-460F-4705-892E-F02FFFBA173D}"/>
               </a:ext>
             </a:extLst>
           </p:cNvPr>
@@ -9552,7 +9519,7 @@
           <a:p>
             <a:r>
               <a:rPr lang="en-US" dirty="0"/>
-              <a:t>What to do with the fortune type?</a:t>
+              <a:t>“Switch” – how we choose in computer science</a:t>
             </a:r>
           </a:p>
         </p:txBody>
@@ -9562,7 +9529,7 @@
           <p:cNvPr id="3" name="Content Placeholder 2">
             <a:extLst>
               <a:ext uri="{FF2B5EF4-FFF2-40B4-BE49-F238E27FC236}">
-                <a16:creationId xmlns:a16="http://schemas.microsoft.com/office/drawing/2014/main" id="{2D6ABF1A-4A69-4D66-A3AF-4330E42FE1E0}"/>
+                <a16:creationId xmlns:a16="http://schemas.microsoft.com/office/drawing/2014/main" id="{BA08FCD2-AE02-4967-B5FB-1C12D366D69C}"/>
               </a:ext>
             </a:extLst>
           </p:cNvPr>
@@ -9576,7 +9543,7 @@
         <p:spPr/>
         <p:txBody>
           <a:bodyPr>
-            <a:normAutofit/>
+            <a:normAutofit fontScale="40000" lnSpcReduction="20000"/>
           </a:bodyPr>
           <a:lstStyle/>
           <a:p>
@@ -9584,8 +9551,16 @@
               <a:buNone/>
             </a:pPr>
             <a:r>
-              <a:rPr lang="en-US" b="1" i="1" dirty="0"/>
-              <a:t>The world is your oyster! </a:t>
+              <a:rPr lang="en-US" dirty="0"/>
+              <a:t>/*switch (</a:t>
+            </a:r>
+            <a:r>
+              <a:rPr lang="en-US" dirty="0" err="1"/>
+              <a:t>fortune.fortuneType</a:t>
+            </a:r>
+            <a:r>
+              <a:rPr lang="en-US" dirty="0"/>
+              <a:t>) {</a:t>
             </a:r>
           </a:p>
           <a:p>
@@ -9594,64 +9569,124 @@
             </a:pPr>
             <a:r>
               <a:rPr lang="en-US" dirty="0"/>
-              <a:t>You can add images to show base on the fortune type- set 3 different images for good/bad/neutral:</a:t>
-            </a:r>
-          </a:p>
-          <a:p>
-            <a:pPr lvl="1"/>
+              <a:t>case </a:t>
+            </a:r>
             <a:r>
               <a:rPr lang="en-US" dirty="0" err="1"/>
-              <a:t>const</a:t>
-            </a:r>
-            <a:r>
-              <a:rPr lang="en-US" dirty="0"/>
-              <a:t> </a:t>
-            </a:r>
+              <a:t>Common.FortuneType.Good</a:t>
+            </a:r>
+            <a:r>
+              <a:rPr lang="en-US" dirty="0"/>
+              <a:t>: {</a:t>
+            </a:r>
+          </a:p>
+          <a:p>
+            <a:pPr marL="0" indent="0">
+              <a:buNone/>
+            </a:pPr>
             <a:r>
               <a:rPr lang="en-US" dirty="0" err="1"/>
-              <a:t>badImage</a:t>
-            </a:r>
-            <a:r>
-              <a:rPr lang="en-US" dirty="0"/>
-              <a:t> = require('../images/unhappy.png');</a:t>
-            </a:r>
-          </a:p>
-          <a:p>
-            <a:pPr lvl="1"/>
+              <a:t>style.color</a:t>
+            </a:r>
+            <a:r>
+              <a:rPr lang="en-US" dirty="0"/>
+              <a:t> = 'blue';</a:t>
+            </a:r>
+          </a:p>
+          <a:p>
+            <a:pPr marL="0" indent="0">
+              <a:buNone/>
+            </a:pPr>
+            <a:r>
+              <a:rPr lang="en-US" dirty="0"/>
+              <a:t>break;</a:t>
+            </a:r>
+          </a:p>
+          <a:p>
+            <a:pPr marL="0" indent="0">
+              <a:buNone/>
+            </a:pPr>
+            <a:r>
+              <a:rPr lang="en-US" dirty="0"/>
+              <a:t>}</a:t>
+            </a:r>
+          </a:p>
+          <a:p>
+            <a:pPr marL="0" indent="0">
+              <a:buNone/>
+            </a:pPr>
+            <a:r>
+              <a:rPr lang="en-US" dirty="0"/>
+              <a:t>case </a:t>
+            </a:r>
             <a:r>
               <a:rPr lang="en-US" dirty="0" err="1"/>
-              <a:t>const</a:t>
-            </a:r>
-            <a:r>
-              <a:rPr lang="en-US" dirty="0"/>
-              <a:t> </a:t>
-            </a:r>
+              <a:t>Common.FortuneType.Bad</a:t>
+            </a:r>
+            <a:r>
+              <a:rPr lang="en-US" dirty="0"/>
+              <a:t>: {</a:t>
+            </a:r>
+          </a:p>
+          <a:p>
+            <a:pPr marL="0" indent="0">
+              <a:buNone/>
+            </a:pPr>
             <a:r>
               <a:rPr lang="en-US" dirty="0" err="1"/>
-              <a:t>goodImage</a:t>
-            </a:r>
-            <a:r>
-              <a:rPr lang="en-US" dirty="0"/>
-              <a:t> = require('../images/happiness.png');</a:t>
-            </a:r>
-          </a:p>
-          <a:p>
-            <a:pPr lvl="1"/>
+              <a:t>style.color</a:t>
+            </a:r>
+            <a:r>
+              <a:rPr lang="en-US" dirty="0"/>
+              <a:t> = 'red';</a:t>
+            </a:r>
+          </a:p>
+          <a:p>
+            <a:pPr marL="0" indent="0">
+              <a:buNone/>
+            </a:pPr>
+            <a:r>
+              <a:rPr lang="en-US" dirty="0"/>
+              <a:t>break;</a:t>
+            </a:r>
+          </a:p>
+          <a:p>
+            <a:pPr marL="0" indent="0">
+              <a:buNone/>
+            </a:pPr>
+            <a:r>
+              <a:rPr lang="en-US" dirty="0"/>
+              <a:t>}</a:t>
+            </a:r>
+          </a:p>
+          <a:p>
+            <a:pPr marL="0" indent="0">
+              <a:buNone/>
+            </a:pPr>
+            <a:r>
+              <a:rPr lang="en-US" dirty="0"/>
+              <a:t>case </a:t>
+            </a:r>
             <a:r>
               <a:rPr lang="en-US" dirty="0" err="1"/>
-              <a:t>const</a:t>
-            </a:r>
-            <a:r>
-              <a:rPr lang="en-US" dirty="0"/>
-              <a:t> </a:t>
-            </a:r>
+              <a:t>Common.FortuneType.Neutral</a:t>
+            </a:r>
+            <a:r>
+              <a:rPr lang="en-US" dirty="0"/>
+              <a:t>: {</a:t>
+            </a:r>
+          </a:p>
+          <a:p>
+            <a:pPr marL="0" indent="0">
+              <a:buNone/>
+            </a:pPr>
             <a:r>
               <a:rPr lang="en-US" dirty="0" err="1"/>
-              <a:t>neutralImage</a:t>
-            </a:r>
-            <a:r>
-              <a:rPr lang="en-US" dirty="0"/>
-              <a:t> = require('../images/neutral.jpg');}</a:t>
+              <a:t>style.color</a:t>
+            </a:r>
+            <a:r>
+              <a:rPr lang="en-US" dirty="0"/>
+              <a:t> = 'purple';</a:t>
             </a:r>
           </a:p>
           <a:p>
@@ -9660,15 +9695,66 @@
             </a:pPr>
             <a:r>
               <a:rPr lang="en-US" dirty="0"/>
-              <a:t>Then add an image variable and set it in your switch statement</a:t>
-            </a:r>
+              <a:t>break;</a:t>
+            </a:r>
+          </a:p>
+          <a:p>
+            <a:pPr marL="0" indent="0">
+              <a:buNone/>
+            </a:pPr>
+            <a:r>
+              <a:rPr lang="en-US" dirty="0"/>
+              <a:t>}</a:t>
+            </a:r>
+          </a:p>
+          <a:p>
+            <a:pPr marL="0" indent="0">
+              <a:buNone/>
+            </a:pPr>
+            <a:r>
+              <a:rPr lang="en-US" dirty="0"/>
+              <a:t>default: {</a:t>
+            </a:r>
+          </a:p>
+          <a:p>
+            <a:pPr marL="0" indent="0">
+              <a:buNone/>
+            </a:pPr>
+            <a:r>
+              <a:rPr lang="en-US" dirty="0"/>
+              <a:t>break;</a:t>
+            </a:r>
+          </a:p>
+          <a:p>
+            <a:pPr marL="0" indent="0">
+              <a:buNone/>
+            </a:pPr>
+            <a:r>
+              <a:rPr lang="en-US" dirty="0"/>
+              <a:t>}</a:t>
+            </a:r>
+          </a:p>
+          <a:p>
+            <a:pPr marL="0" indent="0">
+              <a:buNone/>
+            </a:pPr>
+            <a:r>
+              <a:rPr lang="en-US" dirty="0"/>
+              <a:t>}*/</a:t>
+            </a:r>
+          </a:p>
+          <a:p>
+            <a:pPr marL="0" indent="0">
+              <a:buNone/>
+            </a:pPr>
+            <a:endParaRPr lang="en-US" dirty="0"/>
           </a:p>
         </p:txBody>
       </p:sp>
     </p:spTree>
     <p:extLst>
       <p:ext uri="{BB962C8B-B14F-4D97-AF65-F5344CB8AC3E}">
-        <p14:creationId xmlns:p14="http://schemas.microsoft.com/office/powerpoint/2010/main" val="4077000602"/>
+        <p14:creationId xmlns:p14="http://schemas.microsoft.com/office/powerpoint/2010/main" val="880789529"/>
       </p:ext>
     </p:extLst>
   </p:cSld>
@@ -9700,7 +9786,7 @@
           <p:cNvPr id="2" name="Title 1">
             <a:extLst>
               <a:ext uri="{FF2B5EF4-FFF2-40B4-BE49-F238E27FC236}">
-                <a16:creationId xmlns:a16="http://schemas.microsoft.com/office/drawing/2014/main" id="{F17E8816-9BF2-4AB7-95B9-2A4DD6807E1C}"/>
+                <a16:creationId xmlns:a16="http://schemas.microsoft.com/office/drawing/2014/main" id="{E8D56148-0197-4D2A-B947-D8CEFF44EE52}"/>
               </a:ext>
             </a:extLst>
           </p:cNvPr>
@@ -9718,125 +9804,123 @@
           <a:p>
             <a:r>
               <a:rPr lang="en-US" dirty="0"/>
-              <a:t>What to do with the fortune type </a:t>
-            </a:r>
+              <a:t>What to do with the fortune type?</a:t>
+            </a:r>
+          </a:p>
+        </p:txBody>
+      </p:sp>
+      <p:sp>
+        <p:nvSpPr>
+          <p:cNvPr id="3" name="Content Placeholder 2">
+            <a:extLst>
+              <a:ext uri="{FF2B5EF4-FFF2-40B4-BE49-F238E27FC236}">
+                <a16:creationId xmlns:a16="http://schemas.microsoft.com/office/drawing/2014/main" id="{2D6ABF1A-4A69-4D66-A3AF-4330E42FE1E0}"/>
+              </a:ext>
+            </a:extLst>
+          </p:cNvPr>
+          <p:cNvSpPr>
+            <a:spLocks noGrp="1"/>
+          </p:cNvSpPr>
+          <p:nvPr>
+            <p:ph idx="1"/>
+          </p:nvPr>
+        </p:nvSpPr>
+        <p:spPr/>
+        <p:txBody>
+          <a:bodyPr>
+            <a:normAutofit/>
+          </a:bodyPr>
+          <a:lstStyle/>
+          <a:p>
+            <a:pPr marL="0" indent="0">
+              <a:buNone/>
+            </a:pPr>
+            <a:r>
+              <a:rPr lang="en-US" b="1" i="1" dirty="0"/>
+              <a:t>The world is your oyster! </a:t>
+            </a:r>
+          </a:p>
+          <a:p>
+            <a:pPr marL="0" indent="0">
+              <a:buNone/>
+            </a:pPr>
+            <a:r>
+              <a:rPr lang="en-US" dirty="0"/>
+              <a:t>You can add images to show base on the fortune type- set 3 different images for good/bad/neutral:</a:t>
+            </a:r>
+          </a:p>
+          <a:p>
+            <a:pPr lvl="1"/>
             <a:r>
               <a:rPr lang="en-US" dirty="0" err="1"/>
-              <a:t>cont</a:t>
-            </a:r>
-            <a:r>
-              <a:rPr lang="en-US" dirty="0"/>
-              <a:t>…</a:t>
-            </a:r>
-          </a:p>
-        </p:txBody>
-      </p:sp>
-      <p:sp>
-        <p:nvSpPr>
-          <p:cNvPr id="3" name="Content Placeholder 2">
-            <a:extLst>
-              <a:ext uri="{FF2B5EF4-FFF2-40B4-BE49-F238E27FC236}">
-                <a16:creationId xmlns:a16="http://schemas.microsoft.com/office/drawing/2014/main" id="{6A22B13E-025E-4392-9551-4FE1C5532E90}"/>
-              </a:ext>
-            </a:extLst>
-          </p:cNvPr>
-          <p:cNvSpPr>
-            <a:spLocks noGrp="1"/>
-          </p:cNvSpPr>
-          <p:nvPr>
-            <p:ph idx="1"/>
-          </p:nvPr>
-        </p:nvSpPr>
-        <p:spPr/>
-        <p:txBody>
-          <a:bodyPr/>
-          <a:lstStyle/>
-          <a:p>
-            <a:r>
-              <a:rPr lang="en-US" dirty="0"/>
-              <a:t>To apply the image, just add it to your render HTML:</a:t>
-            </a:r>
-          </a:p>
-          <a:p>
-            <a:pPr marL="457200" lvl="1" indent="0">
+              <a:t>const</a:t>
+            </a:r>
+            <a:r>
+              <a:rPr lang="en-US" dirty="0"/>
+              <a:t> </a:t>
+            </a:r>
+            <a:r>
+              <a:rPr lang="en-US" dirty="0" err="1"/>
+              <a:t>badImage</a:t>
+            </a:r>
+            <a:r>
+              <a:rPr lang="en-US" dirty="0"/>
+              <a:t> = require('../images/unhappy.png');</a:t>
+            </a:r>
+          </a:p>
+          <a:p>
+            <a:pPr lvl="1"/>
+            <a:r>
+              <a:rPr lang="en-US" dirty="0" err="1"/>
+              <a:t>const</a:t>
+            </a:r>
+            <a:r>
+              <a:rPr lang="en-US" dirty="0"/>
+              <a:t> </a:t>
+            </a:r>
+            <a:r>
+              <a:rPr lang="en-US" dirty="0" err="1"/>
+              <a:t>goodImage</a:t>
+            </a:r>
+            <a:r>
+              <a:rPr lang="en-US" dirty="0"/>
+              <a:t> = require('../images/happiness.png');</a:t>
+            </a:r>
+          </a:p>
+          <a:p>
+            <a:pPr lvl="1"/>
+            <a:r>
+              <a:rPr lang="en-US" dirty="0" err="1"/>
+              <a:t>const</a:t>
+            </a:r>
+            <a:r>
+              <a:rPr lang="en-US" dirty="0"/>
+              <a:t> </a:t>
+            </a:r>
+            <a:r>
+              <a:rPr lang="en-US" dirty="0" err="1"/>
+              <a:t>neutralImage</a:t>
+            </a:r>
+            <a:r>
+              <a:rPr lang="en-US" dirty="0"/>
+              <a:t> = require('../images/neutral.jpg');}</a:t>
+            </a:r>
+          </a:p>
+          <a:p>
+            <a:pPr marL="0" indent="0">
               <a:buNone/>
             </a:pPr>
             <a:r>
               <a:rPr lang="en-US" dirty="0"/>
-              <a:t>&lt;div&gt;</a:t>
-            </a:r>
-          </a:p>
-          <a:p>
-            <a:pPr marL="457200" lvl="1" indent="0">
-              <a:buNone/>
-            </a:pPr>
-            <a:r>
-              <a:rPr lang="en-US" dirty="0"/>
-              <a:t>&lt;div style={style} </a:t>
-            </a:r>
-            <a:r>
-              <a:rPr lang="en-US" dirty="0" err="1"/>
-              <a:t>className</a:t>
-            </a:r>
-            <a:r>
-              <a:rPr lang="en-US" dirty="0"/>
-              <a:t>="Fortune-text"&gt; Your fortune is {</a:t>
-            </a:r>
-            <a:r>
-              <a:rPr lang="en-US" dirty="0" err="1"/>
-              <a:t>fortune.fortune</a:t>
-            </a:r>
-            <a:r>
-              <a:rPr lang="en-US" dirty="0"/>
-              <a:t>}&lt;/div&gt;</a:t>
-            </a:r>
-          </a:p>
-          <a:p>
-            <a:pPr marL="457200" lvl="1" indent="0">
-              <a:buNone/>
-            </a:pPr>
-            <a:r>
-              <a:rPr lang="en-US" dirty="0"/>
-              <a:t>&lt;</a:t>
-            </a:r>
-            <a:r>
-              <a:rPr lang="en-US" dirty="0" err="1"/>
-              <a:t>img</a:t>
-            </a:r>
-            <a:r>
-              <a:rPr lang="en-US" dirty="0"/>
-              <a:t> </a:t>
-            </a:r>
-            <a:r>
-              <a:rPr lang="en-US" dirty="0" err="1"/>
-              <a:t>src</a:t>
-            </a:r>
-            <a:r>
-              <a:rPr lang="en-US" dirty="0"/>
-              <a:t>={image} /&gt;</a:t>
-            </a:r>
-          </a:p>
-          <a:p>
-            <a:pPr marL="457200" lvl="1" indent="0">
-              <a:buNone/>
-            </a:pPr>
-            <a:r>
-              <a:rPr lang="en-US" dirty="0"/>
-              <a:t>&lt;/div&gt;</a:t>
-            </a:r>
-          </a:p>
-          <a:p>
-            <a:pPr marL="457200" lvl="1" indent="0">
-              <a:buNone/>
-            </a:pPr>
-            <a:endParaRPr lang="en-US" dirty="0"/>
+              <a:t>Then add an image variable and set it in your switch statement</a:t>
+            </a:r>
           </a:p>
         </p:txBody>
       </p:sp>
     </p:spTree>
     <p:extLst>
       <p:ext uri="{BB962C8B-B14F-4D97-AF65-F5344CB8AC3E}">
-        <p14:creationId xmlns:p14="http://schemas.microsoft.com/office/powerpoint/2010/main" val="1334404234"/>
+        <p14:creationId xmlns:p14="http://schemas.microsoft.com/office/powerpoint/2010/main" val="4077000602"/>
       </p:ext>
     </p:extLst>
   </p:cSld>
@@ -9951,6 +10035,174 @@
           <p:cNvPr id="2" name="Title 1">
             <a:extLst>
               <a:ext uri="{FF2B5EF4-FFF2-40B4-BE49-F238E27FC236}">
+                <a16:creationId xmlns:a16="http://schemas.microsoft.com/office/drawing/2014/main" id="{F17E8816-9BF2-4AB7-95B9-2A4DD6807E1C}"/>
+              </a:ext>
+            </a:extLst>
+          </p:cNvPr>
+          <p:cNvSpPr>
+            <a:spLocks noGrp="1"/>
+          </p:cNvSpPr>
+          <p:nvPr>
+            <p:ph type="title"/>
+          </p:nvPr>
+        </p:nvSpPr>
+        <p:spPr/>
+        <p:txBody>
+          <a:bodyPr/>
+          <a:lstStyle/>
+          <a:p>
+            <a:r>
+              <a:rPr lang="en-US" dirty="0"/>
+              <a:t>What to do with the fortune type </a:t>
+            </a:r>
+            <a:r>
+              <a:rPr lang="en-US" dirty="0" err="1"/>
+              <a:t>cont</a:t>
+            </a:r>
+            <a:r>
+              <a:rPr lang="en-US" dirty="0"/>
+              <a:t>…</a:t>
+            </a:r>
+          </a:p>
+        </p:txBody>
+      </p:sp>
+      <p:sp>
+        <p:nvSpPr>
+          <p:cNvPr id="3" name="Content Placeholder 2">
+            <a:extLst>
+              <a:ext uri="{FF2B5EF4-FFF2-40B4-BE49-F238E27FC236}">
+                <a16:creationId xmlns:a16="http://schemas.microsoft.com/office/drawing/2014/main" id="{6A22B13E-025E-4392-9551-4FE1C5532E90}"/>
+              </a:ext>
+            </a:extLst>
+          </p:cNvPr>
+          <p:cNvSpPr>
+            <a:spLocks noGrp="1"/>
+          </p:cNvSpPr>
+          <p:nvPr>
+            <p:ph idx="1"/>
+          </p:nvPr>
+        </p:nvSpPr>
+        <p:spPr/>
+        <p:txBody>
+          <a:bodyPr/>
+          <a:lstStyle/>
+          <a:p>
+            <a:r>
+              <a:rPr lang="en-US" dirty="0"/>
+              <a:t>To apply the image, just add it to your render HTML:</a:t>
+            </a:r>
+          </a:p>
+          <a:p>
+            <a:pPr marL="457200" lvl="1" indent="0">
+              <a:buNone/>
+            </a:pPr>
+            <a:r>
+              <a:rPr lang="en-US" dirty="0"/>
+              <a:t>&lt;div&gt;</a:t>
+            </a:r>
+          </a:p>
+          <a:p>
+            <a:pPr marL="457200" lvl="1" indent="0">
+              <a:buNone/>
+            </a:pPr>
+            <a:r>
+              <a:rPr lang="en-US" dirty="0"/>
+              <a:t>&lt;div style={style} </a:t>
+            </a:r>
+            <a:r>
+              <a:rPr lang="en-US" dirty="0" err="1"/>
+              <a:t>className</a:t>
+            </a:r>
+            <a:r>
+              <a:rPr lang="en-US" dirty="0"/>
+              <a:t>="Fortune-text"&gt; Your fortune is {</a:t>
+            </a:r>
+            <a:r>
+              <a:rPr lang="en-US" dirty="0" err="1"/>
+              <a:t>fortune.fortune</a:t>
+            </a:r>
+            <a:r>
+              <a:rPr lang="en-US" dirty="0"/>
+              <a:t>}&lt;/div&gt;</a:t>
+            </a:r>
+          </a:p>
+          <a:p>
+            <a:pPr marL="457200" lvl="1" indent="0">
+              <a:buNone/>
+            </a:pPr>
+            <a:r>
+              <a:rPr lang="en-US" dirty="0"/>
+              <a:t>&lt;</a:t>
+            </a:r>
+            <a:r>
+              <a:rPr lang="en-US" dirty="0" err="1"/>
+              <a:t>img</a:t>
+            </a:r>
+            <a:r>
+              <a:rPr lang="en-US" dirty="0"/>
+              <a:t> </a:t>
+            </a:r>
+            <a:r>
+              <a:rPr lang="en-US" dirty="0" err="1"/>
+              <a:t>src</a:t>
+            </a:r>
+            <a:r>
+              <a:rPr lang="en-US" dirty="0"/>
+              <a:t>={image} /&gt;</a:t>
+            </a:r>
+          </a:p>
+          <a:p>
+            <a:pPr marL="457200" lvl="1" indent="0">
+              <a:buNone/>
+            </a:pPr>
+            <a:r>
+              <a:rPr lang="en-US" dirty="0"/>
+              <a:t>&lt;/div&gt;</a:t>
+            </a:r>
+          </a:p>
+          <a:p>
+            <a:pPr marL="457200" lvl="1" indent="0">
+              <a:buNone/>
+            </a:pPr>
+            <a:endParaRPr lang="en-US" dirty="0"/>
+          </a:p>
+        </p:txBody>
+      </p:sp>
+    </p:spTree>
+    <p:extLst>
+      <p:ext uri="{BB962C8B-B14F-4D97-AF65-F5344CB8AC3E}">
+        <p14:creationId xmlns:p14="http://schemas.microsoft.com/office/powerpoint/2010/main" val="1334404234"/>
+      </p:ext>
+    </p:extLst>
+  </p:cSld>
+  <p:clrMapOvr>
+    <a:masterClrMapping/>
+  </p:clrMapOvr>
+</p:sld>
+</file>
+
+<file path=ppt/slides/slide31.xml><?xml version="1.0" encoding="utf-8"?>
+<p:sld xmlns:a="http://schemas.openxmlformats.org/drawingml/2006/main" xmlns:r="http://schemas.openxmlformats.org/officeDocument/2006/relationships" xmlns:p="http://schemas.openxmlformats.org/presentationml/2006/main">
+  <p:cSld>
+    <p:spTree>
+      <p:nvGrpSpPr>
+        <p:cNvPr id="1" name=""/>
+        <p:cNvGrpSpPr/>
+        <p:nvPr/>
+      </p:nvGrpSpPr>
+      <p:grpSpPr>
+        <a:xfrm>
+          <a:off x="0" y="0"/>
+          <a:ext cx="0" cy="0"/>
+          <a:chOff x="0" y="0"/>
+          <a:chExt cx="0" cy="0"/>
+        </a:xfrm>
+      </p:grpSpPr>
+      <p:sp>
+        <p:nvSpPr>
+          <p:cNvPr id="2" name="Title 1">
+            <a:extLst>
+              <a:ext uri="{FF2B5EF4-FFF2-40B4-BE49-F238E27FC236}">
                 <a16:creationId xmlns:a16="http://schemas.microsoft.com/office/drawing/2014/main" id="{91FF98AB-FBDA-43F6-8514-B2C3316AD747}"/>
               </a:ext>
             </a:extLst>
@@ -10368,7 +10620,7 @@
           <p:cNvPr id="2" name="Title 1">
             <a:extLst>
               <a:ext uri="{FF2B5EF4-FFF2-40B4-BE49-F238E27FC236}">
-                <a16:creationId xmlns:a16="http://schemas.microsoft.com/office/drawing/2014/main" id="{000B0703-4036-4363-8D41-6775BAB96666}"/>
+                <a16:creationId xmlns:a16="http://schemas.microsoft.com/office/drawing/2014/main" id="{1DFC238E-EAAB-4408-BDF2-BCFEC851DC23}"/>
               </a:ext>
             </a:extLst>
           </p:cNvPr>
@@ -10386,7 +10638,7 @@
           <a:p>
             <a:r>
               <a:rPr lang="en-US" dirty="0"/>
-              <a:t>Components</a:t>
+              <a:t>What is REACT?</a:t>
             </a:r>
           </a:p>
         </p:txBody>
@@ -10396,7 +10648,7 @@
           <p:cNvPr id="3" name="Content Placeholder 2">
             <a:extLst>
               <a:ext uri="{FF2B5EF4-FFF2-40B4-BE49-F238E27FC236}">
-                <a16:creationId xmlns:a16="http://schemas.microsoft.com/office/drawing/2014/main" id="{79B876E1-4ECF-4A52-8E6B-B4B52B443A30}"/>
+                <a16:creationId xmlns:a16="http://schemas.microsoft.com/office/drawing/2014/main" id="{8E09653B-C3EE-4CE3-BD61-7FD3100DB9EA}"/>
               </a:ext>
             </a:extLst>
           </p:cNvPr>
@@ -10414,42 +10666,73 @@
           <a:p>
             <a:r>
               <a:rPr lang="en-US" dirty="0"/>
-              <a:t>Every piece of a page in your project can be classified as a “component”- in REACT, components work together to make pages.</a:t>
-            </a:r>
-          </a:p>
-          <a:p>
-            <a:r>
-              <a:rPr lang="en-US" dirty="0"/>
-              <a:t>We will be making THREE components together:</a:t>
-            </a:r>
-          </a:p>
-          <a:p>
-            <a:pPr lvl="1"/>
-            <a:r>
-              <a:rPr lang="en-US" dirty="0"/>
-              <a:t>An “App” component </a:t>
-            </a:r>
-          </a:p>
-          <a:p>
-            <a:pPr lvl="1"/>
-            <a:r>
-              <a:rPr lang="en-US" dirty="0"/>
-              <a:t>A “Magic-</a:t>
-            </a:r>
-            <a:r>
-              <a:rPr lang="en-US" dirty="0" err="1"/>
-              <a:t>Eightball</a:t>
-            </a:r>
-            <a:r>
-              <a:rPr lang="en-US" dirty="0"/>
-              <a:t> component</a:t>
-            </a:r>
-          </a:p>
-          <a:p>
-            <a:pPr lvl="1"/>
-            <a:r>
-              <a:rPr lang="en-US" dirty="0"/>
-              <a:t>A “Fortune” component</a:t>
+              <a:t>“In </a:t>
+            </a:r>
+            <a:r>
+              <a:rPr lang="en-US" dirty="0">
+                <a:hlinkClick r:id="rId3" tooltip="Computing"/>
+              </a:rPr>
+              <a:t>computing</a:t>
+            </a:r>
+            <a:r>
+              <a:rPr lang="en-US" dirty="0"/>
+              <a:t>, </a:t>
+            </a:r>
+            <a:r>
+              <a:rPr lang="en-US" b="1" dirty="0"/>
+              <a:t>React</a:t>
+            </a:r>
+            <a:r>
+              <a:rPr lang="en-US" dirty="0"/>
+              <a:t> (sometimes styled </a:t>
+            </a:r>
+            <a:r>
+              <a:rPr lang="en-US" b="1" dirty="0"/>
+              <a:t>React.js</a:t>
+            </a:r>
+            <a:r>
+              <a:rPr lang="en-US" dirty="0"/>
+              <a:t> or </a:t>
+            </a:r>
+            <a:r>
+              <a:rPr lang="en-US" b="1" dirty="0"/>
+              <a:t>ReactJS</a:t>
+            </a:r>
+            <a:r>
+              <a:rPr lang="en-US" dirty="0"/>
+              <a:t>) is a </a:t>
+            </a:r>
+            <a:r>
+              <a:rPr lang="en-US" dirty="0">
+                <a:hlinkClick r:id="rId4" tooltip="JavaScript library"/>
+              </a:rPr>
+              <a:t>JavaScript library</a:t>
+            </a:r>
+            <a:r>
+              <a:rPr lang="en-US" baseline="30000" dirty="0">
+                <a:hlinkClick r:id="rId5"/>
+              </a:rPr>
+              <a:t>[2]</a:t>
+            </a:r>
+            <a:r>
+              <a:rPr lang="en-US" dirty="0"/>
+              <a:t> for building </a:t>
+            </a:r>
+            <a:r>
+              <a:rPr lang="en-US" dirty="0">
+                <a:hlinkClick r:id="rId6" tooltip="User interfaces"/>
+              </a:rPr>
+              <a:t>user interfaces</a:t>
+            </a:r>
+            <a:r>
+              <a:rPr lang="en-US" dirty="0"/>
+              <a:t>.”</a:t>
+            </a:r>
+          </a:p>
+          <a:p>
+            <a:r>
+              <a:rPr lang="en-US" dirty="0"/>
+              <a:t>UI or User Interfaces </a:t>
             </a:r>
           </a:p>
         </p:txBody>
@@ -10457,7 +10740,7 @@
     </p:spTree>
     <p:extLst>
       <p:ext uri="{BB962C8B-B14F-4D97-AF65-F5344CB8AC3E}">
-        <p14:creationId xmlns:p14="http://schemas.microsoft.com/office/powerpoint/2010/main" val="3973370130"/>
+        <p14:creationId xmlns:p14="http://schemas.microsoft.com/office/powerpoint/2010/main" val="1606263764"/>
       </p:ext>
     </p:extLst>
   </p:cSld>
@@ -10489,7 +10772,7 @@
           <p:cNvPr id="2" name="Title 1">
             <a:extLst>
               <a:ext uri="{FF2B5EF4-FFF2-40B4-BE49-F238E27FC236}">
-                <a16:creationId xmlns:a16="http://schemas.microsoft.com/office/drawing/2014/main" id="{460EDE06-F45A-47BB-B0A4-A0461C25A9F7}"/>
+                <a16:creationId xmlns:a16="http://schemas.microsoft.com/office/drawing/2014/main" id="{000B0703-4036-4363-8D41-6775BAB96666}"/>
               </a:ext>
             </a:extLst>
           </p:cNvPr>
@@ -10507,7 +10790,7 @@
           <a:p>
             <a:r>
               <a:rPr lang="en-US" dirty="0"/>
-              <a:t>Let’s get started!</a:t>
+              <a:t>Components</a:t>
             </a:r>
           </a:p>
         </p:txBody>
@@ -10517,7 +10800,7 @@
           <p:cNvPr id="3" name="Content Placeholder 2">
             <a:extLst>
               <a:ext uri="{FF2B5EF4-FFF2-40B4-BE49-F238E27FC236}">
-                <a16:creationId xmlns:a16="http://schemas.microsoft.com/office/drawing/2014/main" id="{1A4AB339-3EAD-48CE-9660-7AE11C8B5559}"/>
+                <a16:creationId xmlns:a16="http://schemas.microsoft.com/office/drawing/2014/main" id="{79B876E1-4ECF-4A52-8E6B-B4B52B443A30}"/>
               </a:ext>
             </a:extLst>
           </p:cNvPr>
@@ -10535,39 +10818,42 @@
           <a:p>
             <a:r>
               <a:rPr lang="en-US" dirty="0"/>
-              <a:t>Before we learn how to code for the web, how many of you have pressed “f12” on a webpage before?</a:t>
-            </a:r>
-          </a:p>
-          <a:p>
-            <a:r>
-              <a:rPr lang="en-US" dirty="0"/>
-              <a:t>What happened?</a:t>
-            </a:r>
-          </a:p>
-          <a:p>
-            <a:r>
-              <a:rPr lang="en-US" dirty="0"/>
-              <a:t>Let’s try it out!</a:t>
-            </a:r>
-          </a:p>
-          <a:p>
-            <a:r>
-              <a:rPr lang="en-US" dirty="0"/>
-              <a:t>Open up Microsoft Edge and go to </a:t>
-            </a:r>
-            <a:r>
-              <a:rPr lang="en-US" dirty="0">
-                <a:hlinkClick r:id="rId3"/>
-              </a:rPr>
-              <a:t>www.bing.com</a:t>
-            </a:r>
-            <a:endParaRPr lang="en-US" dirty="0"/>
+              <a:t>Every piece of a page in your project can be classified as a “component”- in REACT, components work together to make pages.</a:t>
+            </a:r>
+          </a:p>
+          <a:p>
+            <a:r>
+              <a:rPr lang="en-US" dirty="0"/>
+              <a:t>We will be making THREE components together:</a:t>
+            </a:r>
           </a:p>
           <a:p>
             <a:pPr lvl="1"/>
             <a:r>
               <a:rPr lang="en-US" dirty="0"/>
-              <a:t>Press F12- what do you see? </a:t>
+              <a:t>An “App” component </a:t>
+            </a:r>
+          </a:p>
+          <a:p>
+            <a:pPr lvl="1"/>
+            <a:r>
+              <a:rPr lang="en-US" dirty="0"/>
+              <a:t>A “Magic-</a:t>
+            </a:r>
+            <a:r>
+              <a:rPr lang="en-US" dirty="0" err="1"/>
+              <a:t>Eightball</a:t>
+            </a:r>
+            <a:r>
+              <a:rPr lang="en-US" dirty="0"/>
+              <a:t> component</a:t>
+            </a:r>
+          </a:p>
+          <a:p>
+            <a:pPr lvl="1"/>
+            <a:r>
+              <a:rPr lang="en-US" dirty="0"/>
+              <a:t>A “Fortune” component</a:t>
             </a:r>
           </a:p>
         </p:txBody>
@@ -10575,7 +10861,7 @@
     </p:spTree>
     <p:extLst>
       <p:ext uri="{BB962C8B-B14F-4D97-AF65-F5344CB8AC3E}">
-        <p14:creationId xmlns:p14="http://schemas.microsoft.com/office/powerpoint/2010/main" val="1116782965"/>
+        <p14:creationId xmlns:p14="http://schemas.microsoft.com/office/powerpoint/2010/main" val="3973370130"/>
       </p:ext>
     </p:extLst>
   </p:cSld>
@@ -10756,7 +11042,7 @@
           <p:cNvPr id="2" name="Title 1">
             <a:extLst>
               <a:ext uri="{FF2B5EF4-FFF2-40B4-BE49-F238E27FC236}">
-                <a16:creationId xmlns:a16="http://schemas.microsoft.com/office/drawing/2014/main" id="{964CB131-981B-446A-88B4-4AA4DE785CBC}"/>
+                <a16:creationId xmlns:a16="http://schemas.microsoft.com/office/drawing/2014/main" id="{460EDE06-F45A-47BB-B0A4-A0461C25A9F7}"/>
               </a:ext>
             </a:extLst>
           </p:cNvPr>
@@ -10774,7 +11060,7 @@
           <a:p>
             <a:r>
               <a:rPr lang="en-US" dirty="0"/>
-              <a:t>Let’s add some content!</a:t>
+              <a:t>Let’s get started!</a:t>
             </a:r>
           </a:p>
         </p:txBody>
@@ -10784,7 +11070,7 @@
           <p:cNvPr id="3" name="Content Placeholder 2">
             <a:extLst>
               <a:ext uri="{FF2B5EF4-FFF2-40B4-BE49-F238E27FC236}">
-                <a16:creationId xmlns:a16="http://schemas.microsoft.com/office/drawing/2014/main" id="{40408A2C-D487-4249-8FE1-DE06D614F64C}"/>
+                <a16:creationId xmlns:a16="http://schemas.microsoft.com/office/drawing/2014/main" id="{1A4AB339-3EAD-48CE-9660-7AE11C8B5559}"/>
               </a:ext>
             </a:extLst>
           </p:cNvPr>
@@ -10797,82 +11083,32 @@
         </p:nvSpPr>
         <p:spPr/>
         <p:txBody>
-          <a:bodyPr>
-            <a:normAutofit/>
-          </a:bodyPr>
-          <a:lstStyle/>
-          <a:p>
-            <a:r>
-              <a:rPr lang="en-US" dirty="0"/>
-              <a:t>Right now our futures are pretty empty, let’s start by putting in a magic eight ball there to read our future! </a:t>
-            </a:r>
-          </a:p>
-          <a:p>
-            <a:pPr marL="0" indent="0">
-              <a:buNone/>
-            </a:pPr>
-            <a:endParaRPr lang="en-US" dirty="0"/>
-          </a:p>
-          <a:p>
-            <a:pPr marL="0" indent="0">
-              <a:buNone/>
-            </a:pPr>
-            <a:r>
-              <a:rPr lang="en-US" dirty="0"/>
-              <a:t>In our </a:t>
-            </a:r>
-            <a:r>
-              <a:rPr lang="en-US" dirty="0" err="1"/>
-              <a:t>MagicEightBall.tsx</a:t>
-            </a:r>
-            <a:r>
-              <a:rPr lang="en-US" dirty="0"/>
-              <a:t> type, uncomment out:</a:t>
-            </a:r>
-          </a:p>
-          <a:p>
-            <a:pPr marL="0" indent="0">
-              <a:buNone/>
-            </a:pPr>
-            <a:r>
-              <a:rPr lang="en-US" dirty="0" err="1"/>
-              <a:t>const</a:t>
-            </a:r>
-            <a:r>
-              <a:rPr lang="en-US" dirty="0"/>
-              <a:t> </a:t>
-            </a:r>
-            <a:r>
-              <a:rPr lang="en-US" dirty="0" err="1"/>
-              <a:t>magicEightBall</a:t>
-            </a:r>
-            <a:r>
-              <a:rPr lang="en-US" dirty="0"/>
-              <a:t> = require('../images/Magic_eight_ball.png’);</a:t>
-            </a:r>
-          </a:p>
-          <a:p>
-            <a:pPr marL="0" indent="0">
-              <a:buNone/>
-            </a:pPr>
-            <a:r>
-              <a:rPr lang="en-US" i="1" dirty="0"/>
-              <a:t>Bonus! What do you think this does?</a:t>
-            </a:r>
-            <a:endParaRPr lang="en-US" dirty="0"/>
-          </a:p>
-          <a:p>
-            <a:pPr marL="0" indent="0">
-              <a:buNone/>
-            </a:pPr>
-            <a:endParaRPr lang="en-US" dirty="0"/>
+          <a:bodyPr/>
+          <a:lstStyle/>
+          <a:p>
+            <a:r>
+              <a:rPr lang="en-US" dirty="0"/>
+              <a:t>Before we learn how to code for the web, how many of you have pressed “f12” on a webpage before?</a:t>
+            </a:r>
+          </a:p>
+          <a:p>
+            <a:r>
+              <a:rPr lang="en-US" dirty="0"/>
+              <a:t>What happened?</a:t>
+            </a:r>
+          </a:p>
+          <a:p>
+            <a:r>
+              <a:rPr lang="en-US" dirty="0"/>
+              <a:t>Let’s try it out!</a:t>
+            </a:r>
           </a:p>
         </p:txBody>
       </p:sp>
     </p:spTree>
     <p:extLst>
       <p:ext uri="{BB962C8B-B14F-4D97-AF65-F5344CB8AC3E}">
-        <p14:creationId xmlns:p14="http://schemas.microsoft.com/office/powerpoint/2010/main" val="3301854403"/>
+        <p14:creationId xmlns:p14="http://schemas.microsoft.com/office/powerpoint/2010/main" val="1116782965"/>
       </p:ext>
     </p:extLst>
   </p:cSld>

--- a/magic-eight-ball/ReactPresentation.pptx
+++ b/magic-eight-ball/ReactPresentation.pptx
@@ -5,7 +5,7 @@
     <p:sldMasterId id="2147483648" r:id="rId1"/>
   </p:sldMasterIdLst>
   <p:notesMasterIdLst>
-    <p:notesMasterId r:id="rId33"/>
+    <p:notesMasterId r:id="rId32"/>
   </p:notesMasterIdLst>
   <p:sldIdLst>
     <p:sldId id="256" r:id="rId2"/>
@@ -28,17 +28,16 @@
     <p:sldId id="271" r:id="rId19"/>
     <p:sldId id="272" r:id="rId20"/>
     <p:sldId id="287" r:id="rId21"/>
-    <p:sldId id="288" r:id="rId22"/>
-    <p:sldId id="289" r:id="rId23"/>
-    <p:sldId id="273" r:id="rId24"/>
-    <p:sldId id="274" r:id="rId25"/>
-    <p:sldId id="275" r:id="rId26"/>
-    <p:sldId id="290" r:id="rId27"/>
-    <p:sldId id="278" r:id="rId28"/>
-    <p:sldId id="291" r:id="rId29"/>
-    <p:sldId id="276" r:id="rId30"/>
-    <p:sldId id="277" r:id="rId31"/>
-    <p:sldId id="280" r:id="rId32"/>
+    <p:sldId id="289" r:id="rId22"/>
+    <p:sldId id="273" r:id="rId23"/>
+    <p:sldId id="274" r:id="rId24"/>
+    <p:sldId id="275" r:id="rId25"/>
+    <p:sldId id="290" r:id="rId26"/>
+    <p:sldId id="278" r:id="rId27"/>
+    <p:sldId id="291" r:id="rId28"/>
+    <p:sldId id="276" r:id="rId29"/>
+    <p:sldId id="277" r:id="rId30"/>
+    <p:sldId id="280" r:id="rId31"/>
   </p:sldIdLst>
   <p:sldSz cx="12192000" cy="6858000"/>
   <p:notesSz cx="6858000" cy="9144000"/>
@@ -1660,7 +1659,7 @@
     </p:spTree>
     <p:extLst>
       <p:ext uri="{BB962C8B-B14F-4D97-AF65-F5344CB8AC3E}">
-        <p14:creationId xmlns:p14="http://schemas.microsoft.com/office/powerpoint/2010/main" val="1013356341"/>
+        <p14:creationId xmlns:p14="http://schemas.microsoft.com/office/powerpoint/2010/main" val="1401309316"/>
       </p:ext>
     </p:extLst>
   </p:cSld>
@@ -1744,7 +1743,7 @@
     </p:spTree>
     <p:extLst>
       <p:ext uri="{BB962C8B-B14F-4D97-AF65-F5344CB8AC3E}">
-        <p14:creationId xmlns:p14="http://schemas.microsoft.com/office/powerpoint/2010/main" val="1401309316"/>
+        <p14:creationId xmlns:p14="http://schemas.microsoft.com/office/powerpoint/2010/main" val="12178410"/>
       </p:ext>
     </p:extLst>
   </p:cSld>
@@ -1828,7 +1827,7 @@
     </p:spTree>
     <p:extLst>
       <p:ext uri="{BB962C8B-B14F-4D97-AF65-F5344CB8AC3E}">
-        <p14:creationId xmlns:p14="http://schemas.microsoft.com/office/powerpoint/2010/main" val="12178410"/>
+        <p14:creationId xmlns:p14="http://schemas.microsoft.com/office/powerpoint/2010/main" val="3313755763"/>
       </p:ext>
     </p:extLst>
   </p:cSld>
@@ -1912,7 +1911,7 @@
     </p:spTree>
     <p:extLst>
       <p:ext uri="{BB962C8B-B14F-4D97-AF65-F5344CB8AC3E}">
-        <p14:creationId xmlns:p14="http://schemas.microsoft.com/office/powerpoint/2010/main" val="3313755763"/>
+        <p14:creationId xmlns:p14="http://schemas.microsoft.com/office/powerpoint/2010/main" val="2551119648"/>
       </p:ext>
     </p:extLst>
   </p:cSld>
@@ -1996,7 +1995,7 @@
     </p:spTree>
     <p:extLst>
       <p:ext uri="{BB962C8B-B14F-4D97-AF65-F5344CB8AC3E}">
-        <p14:creationId xmlns:p14="http://schemas.microsoft.com/office/powerpoint/2010/main" val="2551119648"/>
+        <p14:creationId xmlns:p14="http://schemas.microsoft.com/office/powerpoint/2010/main" val="1965334167"/>
       </p:ext>
     </p:extLst>
   </p:cSld>
@@ -2080,7 +2079,7 @@
     </p:spTree>
     <p:extLst>
       <p:ext uri="{BB962C8B-B14F-4D97-AF65-F5344CB8AC3E}">
-        <p14:creationId xmlns:p14="http://schemas.microsoft.com/office/powerpoint/2010/main" val="1965334167"/>
+        <p14:creationId xmlns:p14="http://schemas.microsoft.com/office/powerpoint/2010/main" val="3674173676"/>
       </p:ext>
     </p:extLst>
   </p:cSld>
@@ -2164,7 +2163,7 @@
     </p:spTree>
     <p:extLst>
       <p:ext uri="{BB962C8B-B14F-4D97-AF65-F5344CB8AC3E}">
-        <p14:creationId xmlns:p14="http://schemas.microsoft.com/office/powerpoint/2010/main" val="3674173676"/>
+        <p14:creationId xmlns:p14="http://schemas.microsoft.com/office/powerpoint/2010/main" val="2449961838"/>
       </p:ext>
     </p:extLst>
   </p:cSld>
@@ -2248,7 +2247,7 @@
     </p:spTree>
     <p:extLst>
       <p:ext uri="{BB962C8B-B14F-4D97-AF65-F5344CB8AC3E}">
-        <p14:creationId xmlns:p14="http://schemas.microsoft.com/office/powerpoint/2010/main" val="2449961838"/>
+        <p14:creationId xmlns:p14="http://schemas.microsoft.com/office/powerpoint/2010/main" val="182653527"/>
       </p:ext>
     </p:extLst>
   </p:cSld>
@@ -2332,7 +2331,7 @@
     </p:spTree>
     <p:extLst>
       <p:ext uri="{BB962C8B-B14F-4D97-AF65-F5344CB8AC3E}">
-        <p14:creationId xmlns:p14="http://schemas.microsoft.com/office/powerpoint/2010/main" val="182653527"/>
+        <p14:creationId xmlns:p14="http://schemas.microsoft.com/office/powerpoint/2010/main" val="2168919981"/>
       </p:ext>
     </p:extLst>
   </p:cSld>
@@ -2492,90 +2491,6 @@
             <a:fld id="{490B8E3F-3761-4492-B19A-20CD3A641C48}" type="slidenum">
               <a:rPr lang="en-US" smtClean="0"/>
               <a:t>30</a:t>
-            </a:fld>
-            <a:endParaRPr lang="en-US"/>
-          </a:p>
-        </p:txBody>
-      </p:sp>
-    </p:spTree>
-    <p:extLst>
-      <p:ext uri="{BB962C8B-B14F-4D97-AF65-F5344CB8AC3E}">
-        <p14:creationId xmlns:p14="http://schemas.microsoft.com/office/powerpoint/2010/main" val="2168919981"/>
-      </p:ext>
-    </p:extLst>
-  </p:cSld>
-  <p:clrMapOvr>
-    <a:masterClrMapping/>
-  </p:clrMapOvr>
-</p:notes>
-</file>
-
-<file path=ppt/notesSlides/notesSlide31.xml><?xml version="1.0" encoding="utf-8"?>
-<p:notes xmlns:a="http://schemas.openxmlformats.org/drawingml/2006/main" xmlns:r="http://schemas.openxmlformats.org/officeDocument/2006/relationships" xmlns:p="http://schemas.openxmlformats.org/presentationml/2006/main">
-  <p:cSld>
-    <p:spTree>
-      <p:nvGrpSpPr>
-        <p:cNvPr id="1" name=""/>
-        <p:cNvGrpSpPr/>
-        <p:nvPr/>
-      </p:nvGrpSpPr>
-      <p:grpSpPr>
-        <a:xfrm>
-          <a:off x="0" y="0"/>
-          <a:ext cx="0" cy="0"/>
-          <a:chOff x="0" y="0"/>
-          <a:chExt cx="0" cy="0"/>
-        </a:xfrm>
-      </p:grpSpPr>
-      <p:sp>
-        <p:nvSpPr>
-          <p:cNvPr id="2" name="Slide Image Placeholder 1"/>
-          <p:cNvSpPr>
-            <a:spLocks noGrp="1" noRot="1" noChangeAspect="1"/>
-          </p:cNvSpPr>
-          <p:nvPr>
-            <p:ph type="sldImg"/>
-          </p:nvPr>
-        </p:nvSpPr>
-        <p:spPr/>
-      </p:sp>
-      <p:sp>
-        <p:nvSpPr>
-          <p:cNvPr id="3" name="Notes Placeholder 2"/>
-          <p:cNvSpPr>
-            <a:spLocks noGrp="1"/>
-          </p:cNvSpPr>
-          <p:nvPr>
-            <p:ph type="body" idx="1"/>
-          </p:nvPr>
-        </p:nvSpPr>
-        <p:spPr/>
-        <p:txBody>
-          <a:bodyPr/>
-          <a:lstStyle/>
-          <a:p>
-            <a:endParaRPr lang="en-US"/>
-          </a:p>
-        </p:txBody>
-      </p:sp>
-      <p:sp>
-        <p:nvSpPr>
-          <p:cNvPr id="4" name="Slide Number Placeholder 3"/>
-          <p:cNvSpPr>
-            <a:spLocks noGrp="1"/>
-          </p:cNvSpPr>
-          <p:nvPr>
-            <p:ph type="sldNum" sz="quarter" idx="10"/>
-          </p:nvPr>
-        </p:nvSpPr>
-        <p:spPr/>
-        <p:txBody>
-          <a:bodyPr/>
-          <a:lstStyle/>
-          <a:p>
-            <a:fld id="{490B8E3F-3761-4492-B19A-20CD3A641C48}" type="slidenum">
-              <a:rPr lang="en-US" smtClean="0"/>
-              <a:t>31</a:t>
             </a:fld>
             <a:endParaRPr lang="en-US"/>
           </a:p>
@@ -7688,20 +7603,20 @@
           <a:p>
             <a:r>
               <a:rPr lang="en-US" dirty="0"/>
-              <a:t>You’ll notice a common file, let’s import it!</a:t>
+              <a:t>You’ll notice a common file..</a:t>
             </a:r>
           </a:p>
           <a:p>
             <a:pPr lvl="1"/>
             <a:r>
               <a:rPr lang="en-US" dirty="0"/>
-              <a:t>Uncomment: import * as Common from '../common’;</a:t>
-            </a:r>
-          </a:p>
-          <a:p>
-            <a:r>
-              <a:rPr lang="en-US" dirty="0"/>
-              <a:t>Wait what did we just do? </a:t>
+              <a:t>import * as Common from '../common’;</a:t>
+            </a:r>
+          </a:p>
+          <a:p>
+            <a:r>
+              <a:rPr lang="en-US" dirty="0"/>
+              <a:t>What does that do?</a:t>
             </a:r>
           </a:p>
           <a:p>
@@ -8320,7 +8235,7 @@
           <p:cNvPr id="2" name="Title 1">
             <a:extLst>
               <a:ext uri="{FF2B5EF4-FFF2-40B4-BE49-F238E27FC236}">
-                <a16:creationId xmlns:a16="http://schemas.microsoft.com/office/drawing/2014/main" id="{5D267204-0805-4803-B547-F07711180908}"/>
+                <a16:creationId xmlns:a16="http://schemas.microsoft.com/office/drawing/2014/main" id="{DAE61340-EB0C-43F4-82F8-3A55E83D0AAA}"/>
               </a:ext>
             </a:extLst>
           </p:cNvPr>
@@ -8338,7 +8253,7 @@
           <a:p>
             <a:r>
               <a:rPr lang="en-US" dirty="0"/>
-              <a:t>Okay, NOW let’s generate some fortunes</a:t>
+              <a:t>So how do we get a fortune?</a:t>
             </a:r>
           </a:p>
         </p:txBody>
@@ -8348,7 +8263,7 @@
           <p:cNvPr id="3" name="Content Placeholder 2">
             <a:extLst>
               <a:ext uri="{FF2B5EF4-FFF2-40B4-BE49-F238E27FC236}">
-                <a16:creationId xmlns:a16="http://schemas.microsoft.com/office/drawing/2014/main" id="{AB078261-7574-4AF8-A565-66F3F668CCA5}"/>
+                <a16:creationId xmlns:a16="http://schemas.microsoft.com/office/drawing/2014/main" id="{55569AA9-4759-411B-8203-AA4685AF3F0C}"/>
               </a:ext>
             </a:extLst>
           </p:cNvPr>
@@ -8361,141 +8276,20 @@
         </p:nvSpPr>
         <p:spPr/>
         <p:txBody>
-          <a:bodyPr>
-            <a:normAutofit/>
-          </a:bodyPr>
-          <a:lstStyle/>
-          <a:p>
-            <a:pPr marL="0" indent="0">
-              <a:buNone/>
-            </a:pPr>
-            <a:r>
-              <a:rPr lang="en-US" dirty="0"/>
-              <a:t>let fortunes: </a:t>
-            </a:r>
-            <a:r>
-              <a:rPr lang="en-US" dirty="0" err="1"/>
-              <a:t>Common.Fortune</a:t>
-            </a:r>
-            <a:r>
-              <a:rPr lang="en-US" dirty="0"/>
-              <a:t>[] = [</a:t>
-            </a:r>
-          </a:p>
-          <a:p>
-            <a:pPr marL="0" indent="0">
-              <a:buNone/>
-            </a:pPr>
-            <a:r>
-              <a:rPr lang="en-US" dirty="0"/>
-              <a:t>{</a:t>
-            </a:r>
-            <a:r>
-              <a:rPr lang="en-US" dirty="0" err="1"/>
-              <a:t>fortuneType</a:t>
-            </a:r>
-            <a:r>
-              <a:rPr lang="en-US" dirty="0"/>
-              <a:t>: </a:t>
-            </a:r>
-            <a:r>
-              <a:rPr lang="en-US" dirty="0" err="1"/>
-              <a:t>Common.FortuneType.Good</a:t>
-            </a:r>
-            <a:r>
-              <a:rPr lang="en-US" dirty="0"/>
-              <a:t>, fortune: ‘Everything will happen the way you want it to’},</a:t>
-            </a:r>
-          </a:p>
-          <a:p>
-            <a:pPr marL="0" indent="0">
-              <a:buNone/>
-            </a:pPr>
-            <a:r>
-              <a:rPr lang="en-US" dirty="0"/>
-              <a:t>{</a:t>
-            </a:r>
-            <a:r>
-              <a:rPr lang="en-US" dirty="0" err="1"/>
-              <a:t>fortuneType</a:t>
-            </a:r>
-            <a:r>
-              <a:rPr lang="en-US" dirty="0"/>
-              <a:t>: </a:t>
-            </a:r>
-            <a:r>
-              <a:rPr lang="en-US" dirty="0" err="1"/>
-              <a:t>Common.FortuneType.Bad</a:t>
-            </a:r>
-            <a:r>
-              <a:rPr lang="en-US" dirty="0"/>
-              <a:t>, fortune: ‘Your nemesis will get everything they want’},</a:t>
-            </a:r>
-          </a:p>
-          <a:p>
-            <a:pPr marL="0" indent="0">
-              <a:buNone/>
-            </a:pPr>
-            <a:r>
-              <a:rPr lang="en-US" dirty="0"/>
-              <a:t>{</a:t>
-            </a:r>
-            <a:r>
-              <a:rPr lang="en-US" dirty="0" err="1"/>
-              <a:t>fortuneType</a:t>
-            </a:r>
-            <a:r>
-              <a:rPr lang="en-US" dirty="0"/>
-              <a:t>: </a:t>
-            </a:r>
-            <a:r>
-              <a:rPr lang="en-US" dirty="0" err="1"/>
-              <a:t>Common.FortuneType.Neutral</a:t>
-            </a:r>
-            <a:r>
-              <a:rPr lang="en-US" dirty="0"/>
-              <a:t>, </a:t>
-            </a:r>
-          </a:p>
-          <a:p>
-            <a:pPr marL="0" indent="0">
-              <a:buNone/>
-            </a:pPr>
-            <a:r>
-              <a:rPr lang="en-US" dirty="0"/>
-              <a:t>fortune: ‘It won’t be super memorable’ +</a:t>
-            </a:r>
-          </a:p>
-          <a:p>
-            <a:pPr marL="0" indent="0">
-              <a:buNone/>
-            </a:pPr>
-            <a:r>
-              <a:rPr lang="en-US" dirty="0"/>
-              <a:t>‘In a good or bad way’}</a:t>
-            </a:r>
-          </a:p>
-          <a:p>
-            <a:pPr marL="0" indent="0">
-              <a:buNone/>
-            </a:pPr>
-            <a:r>
-              <a:rPr lang="en-US" dirty="0"/>
-              <a:t>];</a:t>
-            </a:r>
-          </a:p>
-          <a:p>
-            <a:pPr marL="0" indent="0">
-              <a:buNone/>
-            </a:pPr>
-            <a:endParaRPr lang="en-US" dirty="0"/>
+          <a:bodyPr/>
+          <a:lstStyle/>
+          <a:p>
+            <a:r>
+              <a:rPr lang="en-US" dirty="0"/>
+              <a:t>If we always got the same fortune it would be pretty boring right. </a:t>
+            </a:r>
           </a:p>
         </p:txBody>
       </p:sp>
     </p:spTree>
     <p:extLst>
       <p:ext uri="{BB962C8B-B14F-4D97-AF65-F5344CB8AC3E}">
-        <p14:creationId xmlns:p14="http://schemas.microsoft.com/office/powerpoint/2010/main" val="2520169800"/>
+        <p14:creationId xmlns:p14="http://schemas.microsoft.com/office/powerpoint/2010/main" val="2129822467"/>
       </p:ext>
     </p:extLst>
   </p:cSld>
@@ -8527,7 +8321,7 @@
           <p:cNvPr id="2" name="Title 1">
             <a:extLst>
               <a:ext uri="{FF2B5EF4-FFF2-40B4-BE49-F238E27FC236}">
-                <a16:creationId xmlns:a16="http://schemas.microsoft.com/office/drawing/2014/main" id="{DAE61340-EB0C-43F4-82F8-3A55E83D0AAA}"/>
+                <a16:creationId xmlns:a16="http://schemas.microsoft.com/office/drawing/2014/main" id="{D996E0CC-5C4A-4057-9BF4-532E2E1D58AB}"/>
               </a:ext>
             </a:extLst>
           </p:cNvPr>
@@ -8540,12 +8334,21 @@
         </p:nvSpPr>
         <p:spPr/>
         <p:txBody>
-          <a:bodyPr/>
-          <a:lstStyle/>
-          <a:p>
-            <a:r>
-              <a:rPr lang="en-US" dirty="0"/>
-              <a:t>So how do we get a fortune?</a:t>
+          <a:bodyPr>
+            <a:normAutofit/>
+          </a:bodyPr>
+          <a:lstStyle/>
+          <a:p>
+            <a:r>
+              <a:rPr lang="en-US" dirty="0"/>
+              <a:t>Now let’s make choosing a fortune random. </a:t>
+            </a:r>
+            <a:br>
+              <a:rPr lang="en-US" dirty="0"/>
+            </a:br>
+            <a:r>
+              <a:rPr lang="en-US" dirty="0"/>
+              <a:t>But first, let’s talk a bit about what’s going on</a:t>
             </a:r>
           </a:p>
         </p:txBody>
@@ -8555,7 +8358,7 @@
           <p:cNvPr id="3" name="Content Placeholder 2">
             <a:extLst>
               <a:ext uri="{FF2B5EF4-FFF2-40B4-BE49-F238E27FC236}">
-                <a16:creationId xmlns:a16="http://schemas.microsoft.com/office/drawing/2014/main" id="{55569AA9-4759-411B-8203-AA4685AF3F0C}"/>
+                <a16:creationId xmlns:a16="http://schemas.microsoft.com/office/drawing/2014/main" id="{95F3BC07-8380-4FB5-86BC-29F371486361}"/>
               </a:ext>
             </a:extLst>
           </p:cNvPr>
@@ -8568,20 +8371,220 @@
         </p:nvSpPr>
         <p:spPr/>
         <p:txBody>
-          <a:bodyPr/>
-          <a:lstStyle/>
-          <a:p>
-            <a:r>
-              <a:rPr lang="en-US" dirty="0"/>
-              <a:t>If we always got the same fortune it would be pretty boring right. </a:t>
-            </a:r>
+          <a:bodyPr>
+            <a:normAutofit fontScale="55000" lnSpcReduction="20000"/>
+          </a:bodyPr>
+          <a:lstStyle/>
+          <a:p>
+            <a:r>
+              <a:rPr lang="en-US" dirty="0"/>
+              <a:t>Constructor:</a:t>
+            </a:r>
+          </a:p>
+          <a:p>
+            <a:pPr marL="0" indent="0">
+              <a:buNone/>
+            </a:pPr>
+            <a:r>
+              <a:rPr lang="en-US" dirty="0"/>
+              <a:t>constructor (props: {}, state: {}) {</a:t>
+            </a:r>
+          </a:p>
+          <a:p>
+            <a:pPr marL="0" indent="0">
+              <a:buNone/>
+            </a:pPr>
+            <a:r>
+              <a:rPr lang="en-US" dirty="0"/>
+              <a:t>super(props);</a:t>
+            </a:r>
+          </a:p>
+          <a:p>
+            <a:pPr marL="0" indent="0">
+              <a:buNone/>
+            </a:pPr>
+            <a:r>
+              <a:rPr lang="en-US" dirty="0" err="1"/>
+              <a:t>this.GetFortune</a:t>
+            </a:r>
+            <a:r>
+              <a:rPr lang="en-US" dirty="0"/>
+              <a:t> = </a:t>
+            </a:r>
+            <a:r>
+              <a:rPr lang="en-US" dirty="0" err="1"/>
+              <a:t>this.GetFortune.bind</a:t>
+            </a:r>
+            <a:r>
+              <a:rPr lang="en-US" dirty="0"/>
+              <a:t>(this);</a:t>
+            </a:r>
+          </a:p>
+          <a:p>
+            <a:pPr marL="0" indent="0">
+              <a:buNone/>
+            </a:pPr>
+            <a:r>
+              <a:rPr lang="en-US" dirty="0"/>
+              <a:t>}</a:t>
+            </a:r>
+          </a:p>
+          <a:p>
+            <a:r>
+              <a:rPr lang="en-US" dirty="0" err="1"/>
+              <a:t>GetFortune</a:t>
+            </a:r>
+            <a:r>
+              <a:rPr lang="en-US" dirty="0"/>
+              <a:t>() {</a:t>
+            </a:r>
+          </a:p>
+          <a:p>
+            <a:pPr marL="0" indent="0">
+              <a:buNone/>
+            </a:pPr>
+            <a:r>
+              <a:rPr lang="en-US" dirty="0"/>
+              <a:t>/*let fortunes: </a:t>
+            </a:r>
+            <a:r>
+              <a:rPr lang="en-US" dirty="0" err="1"/>
+              <a:t>Common.Fortune</a:t>
+            </a:r>
+            <a:r>
+              <a:rPr lang="en-US" dirty="0"/>
+              <a:t>[] = [</a:t>
+            </a:r>
+          </a:p>
+          <a:p>
+            <a:pPr marL="0" indent="0">
+              <a:buNone/>
+            </a:pPr>
+            <a:r>
+              <a:rPr lang="en-US" dirty="0"/>
+              <a:t>{</a:t>
+            </a:r>
+            <a:r>
+              <a:rPr lang="en-US" dirty="0" err="1"/>
+              <a:t>fortuneType</a:t>
+            </a:r>
+            <a:r>
+              <a:rPr lang="en-US" dirty="0"/>
+              <a:t>: </a:t>
+            </a:r>
+            <a:r>
+              <a:rPr lang="en-US" dirty="0" err="1"/>
+              <a:t>Common.FortuneType.Good</a:t>
+            </a:r>
+            <a:r>
+              <a:rPr lang="en-US" dirty="0"/>
+              <a:t>, fortune: 'Everything will happen the way you want it to'},</a:t>
+            </a:r>
+          </a:p>
+          <a:p>
+            <a:pPr marL="0" indent="0">
+              <a:buNone/>
+            </a:pPr>
+            <a:r>
+              <a:rPr lang="en-US" dirty="0"/>
+              <a:t>{</a:t>
+            </a:r>
+            <a:r>
+              <a:rPr lang="en-US" dirty="0" err="1"/>
+              <a:t>fortuneType</a:t>
+            </a:r>
+            <a:r>
+              <a:rPr lang="en-US" dirty="0"/>
+              <a:t>: </a:t>
+            </a:r>
+            <a:r>
+              <a:rPr lang="en-US" dirty="0" err="1"/>
+              <a:t>Common.FortuneType.Bad</a:t>
+            </a:r>
+            <a:r>
+              <a:rPr lang="en-US" dirty="0"/>
+              <a:t>, fortune: 'Your nemesis will get everything they want'},</a:t>
+            </a:r>
+          </a:p>
+          <a:p>
+            <a:pPr marL="0" indent="0">
+              <a:buNone/>
+            </a:pPr>
+            <a:r>
+              <a:rPr lang="en-US" dirty="0"/>
+              <a:t>{</a:t>
+            </a:r>
+            <a:r>
+              <a:rPr lang="en-US" dirty="0" err="1"/>
+              <a:t>fortuneType</a:t>
+            </a:r>
+            <a:r>
+              <a:rPr lang="en-US" dirty="0"/>
+              <a:t>: </a:t>
+            </a:r>
+            <a:r>
+              <a:rPr lang="en-US" dirty="0" err="1"/>
+              <a:t>Common.FortuneType.Neutral</a:t>
+            </a:r>
+            <a:r>
+              <a:rPr lang="en-US" dirty="0"/>
+              <a:t>, </a:t>
+            </a:r>
+          </a:p>
+          <a:p>
+            <a:pPr marL="0" indent="0">
+              <a:buNone/>
+            </a:pPr>
+            <a:r>
+              <a:rPr lang="en-US" dirty="0"/>
+              <a:t>fortune: 'It won’t be super memorable' +</a:t>
+            </a:r>
+          </a:p>
+          <a:p>
+            <a:pPr marL="0" indent="0">
+              <a:buNone/>
+            </a:pPr>
+            <a:r>
+              <a:rPr lang="en-US" dirty="0"/>
+              <a:t>'In a good or bad way’}</a:t>
+            </a:r>
+          </a:p>
+          <a:p>
+            <a:pPr marL="0" indent="0">
+              <a:buNone/>
+            </a:pPr>
+            <a:r>
+              <a:rPr lang="en-US" dirty="0"/>
+              <a:t>];</a:t>
+            </a:r>
+          </a:p>
+          <a:p>
+            <a:pPr marL="0" indent="0">
+              <a:buNone/>
+            </a:pPr>
+            <a:r>
+              <a:rPr lang="en-US" dirty="0"/>
+              <a:t>}</a:t>
+            </a:r>
+          </a:p>
+          <a:p>
+            <a:pPr marL="0" indent="0">
+              <a:buNone/>
+            </a:pPr>
+            <a:endParaRPr lang="en-US" dirty="0"/>
+          </a:p>
+          <a:p>
+            <a:pPr marL="457200" lvl="1" indent="0">
+              <a:buNone/>
+            </a:pPr>
+            <a:endParaRPr lang="en-US" dirty="0"/>
           </a:p>
         </p:txBody>
       </p:sp>
     </p:spTree>
     <p:extLst>
       <p:ext uri="{BB962C8B-B14F-4D97-AF65-F5344CB8AC3E}">
-        <p14:creationId xmlns:p14="http://schemas.microsoft.com/office/powerpoint/2010/main" val="2129822467"/>
+        <p14:creationId xmlns:p14="http://schemas.microsoft.com/office/powerpoint/2010/main" val="1762204865"/>
       </p:ext>
     </p:extLst>
   </p:cSld>
@@ -8613,7 +8616,7 @@
           <p:cNvPr id="2" name="Title 1">
             <a:extLst>
               <a:ext uri="{FF2B5EF4-FFF2-40B4-BE49-F238E27FC236}">
-                <a16:creationId xmlns:a16="http://schemas.microsoft.com/office/drawing/2014/main" id="{D996E0CC-5C4A-4057-9BF4-532E2E1D58AB}"/>
+                <a16:creationId xmlns:a16="http://schemas.microsoft.com/office/drawing/2014/main" id="{43499C28-6516-433C-B3C5-38E9835C5EC5}"/>
               </a:ext>
             </a:extLst>
           </p:cNvPr>
@@ -8626,21 +8629,12 @@
         </p:nvSpPr>
         <p:spPr/>
         <p:txBody>
-          <a:bodyPr>
-            <a:normAutofit/>
-          </a:bodyPr>
-          <a:lstStyle/>
-          <a:p>
-            <a:r>
-              <a:rPr lang="en-US" dirty="0"/>
-              <a:t>Now let’s make choosing a fortune random. </a:t>
-            </a:r>
-            <a:br>
-              <a:rPr lang="en-US" dirty="0"/>
-            </a:br>
-            <a:r>
-              <a:rPr lang="en-US" dirty="0"/>
-              <a:t>But first, let’s talk a bit about what’s going on</a:t>
+          <a:bodyPr/>
+          <a:lstStyle/>
+          <a:p>
+            <a:r>
+              <a:rPr lang="en-US" dirty="0"/>
+              <a:t>Time to randomly chose a number based on the number of fortunes you created:</a:t>
             </a:r>
           </a:p>
         </p:txBody>
@@ -8650,7 +8644,7 @@
           <p:cNvPr id="3" name="Content Placeholder 2">
             <a:extLst>
               <a:ext uri="{FF2B5EF4-FFF2-40B4-BE49-F238E27FC236}">
-                <a16:creationId xmlns:a16="http://schemas.microsoft.com/office/drawing/2014/main" id="{95F3BC07-8380-4FB5-86BC-29F371486361}"/>
+                <a16:creationId xmlns:a16="http://schemas.microsoft.com/office/drawing/2014/main" id="{C3F136AB-B48C-459A-B646-A6E61500636E}"/>
               </a:ext>
             </a:extLst>
           </p:cNvPr>
@@ -8663,14 +8657,20 @@
         </p:nvSpPr>
         <p:spPr/>
         <p:txBody>
-          <a:bodyPr>
-            <a:normAutofit fontScale="55000" lnSpcReduction="20000"/>
-          </a:bodyPr>
-          <a:lstStyle/>
-          <a:p>
-            <a:r>
-              <a:rPr lang="en-US" dirty="0"/>
-              <a:t>Constructor:</a:t>
+          <a:bodyPr/>
+          <a:lstStyle/>
+          <a:p>
+            <a:r>
+              <a:rPr lang="en-US" dirty="0"/>
+              <a:t>Add this into your “</a:t>
+            </a:r>
+            <a:r>
+              <a:rPr lang="en-US" dirty="0" err="1"/>
+              <a:t>GetFortunes</a:t>
+            </a:r>
+            <a:r>
+              <a:rPr lang="en-US" dirty="0"/>
+              <a:t>” Function</a:t>
             </a:r>
           </a:p>
           <a:p>
@@ -8679,8 +8679,33 @@
             </a:pPr>
             <a:r>
               <a:rPr lang="en-US" dirty="0"/>
-              <a:t>constructor (props: {}, state: {}) {</a:t>
-            </a:r>
+              <a:t>	return fortunes[(</a:t>
+            </a:r>
+            <a:r>
+              <a:rPr lang="en-US" dirty="0" err="1"/>
+              <a:t>Math.floor</a:t>
+            </a:r>
+            <a:r>
+              <a:rPr lang="en-US" dirty="0"/>
+              <a:t>(</a:t>
+            </a:r>
+            <a:r>
+              <a:rPr lang="en-US" dirty="0" err="1"/>
+              <a:t>Math.random</a:t>
+            </a:r>
+            <a:r>
+              <a:rPr lang="en-US" dirty="0"/>
+              <a:t>() * </a:t>
+            </a:r>
+            <a:r>
+              <a:rPr lang="en-US" dirty="0" err="1"/>
+              <a:t>fortunes.length</a:t>
+            </a:r>
+            <a:r>
+              <a:rPr lang="en-US"/>
+              <a:t>)]</a:t>
+            </a:r>
+            <a:endParaRPr lang="en-US" dirty="0"/>
           </a:p>
           <a:p>
             <a:pPr marL="0" indent="0">
@@ -8688,195 +8713,35 @@
             </a:pPr>
             <a:r>
               <a:rPr lang="en-US" dirty="0"/>
-              <a:t>super(props);</a:t>
-            </a:r>
-          </a:p>
-          <a:p>
-            <a:pPr marL="0" indent="0">
-              <a:buNone/>
-            </a:pPr>
+              <a:t>;</a:t>
+            </a:r>
+          </a:p>
+          <a:p>
+            <a:r>
+              <a:rPr lang="en-US" dirty="0"/>
+              <a:t>What do you think </a:t>
+            </a:r>
             <a:r>
               <a:rPr lang="en-US" dirty="0" err="1"/>
-              <a:t>this.GetFortune</a:t>
-            </a:r>
-            <a:r>
-              <a:rPr lang="en-US" dirty="0"/>
-              <a:t> = </a:t>
-            </a:r>
-            <a:r>
-              <a:rPr lang="en-US" dirty="0" err="1"/>
-              <a:t>this.GetFortune.bind</a:t>
-            </a:r>
-            <a:r>
-              <a:rPr lang="en-US" dirty="0"/>
-              <a:t>(this);</a:t>
-            </a:r>
-          </a:p>
-          <a:p>
-            <a:pPr marL="0" indent="0">
-              <a:buNone/>
-            </a:pPr>
-            <a:r>
-              <a:rPr lang="en-US" dirty="0"/>
-              <a:t>}</a:t>
-            </a:r>
-          </a:p>
-          <a:p>
-            <a:r>
-              <a:rPr lang="en-US" dirty="0" err="1"/>
-              <a:t>GetFortune</a:t>
-            </a:r>
-            <a:r>
-              <a:rPr lang="en-US" dirty="0"/>
-              <a:t>() {</a:t>
-            </a:r>
-          </a:p>
-          <a:p>
-            <a:pPr marL="0" indent="0">
-              <a:buNone/>
-            </a:pPr>
-            <a:r>
-              <a:rPr lang="en-US" dirty="0"/>
-              <a:t>/*let fortunes: </a:t>
-            </a:r>
-            <a:r>
-              <a:rPr lang="en-US" dirty="0" err="1"/>
-              <a:t>Common.Fortune</a:t>
-            </a:r>
-            <a:r>
-              <a:rPr lang="en-US" dirty="0"/>
-              <a:t>[] = [</a:t>
-            </a:r>
-          </a:p>
-          <a:p>
-            <a:pPr marL="0" indent="0">
-              <a:buNone/>
-            </a:pPr>
-            <a:r>
-              <a:rPr lang="en-US" dirty="0"/>
-              <a:t>{</a:t>
-            </a:r>
-            <a:r>
-              <a:rPr lang="en-US" dirty="0" err="1"/>
-              <a:t>fortuneType</a:t>
-            </a:r>
-            <a:r>
-              <a:rPr lang="en-US" dirty="0"/>
-              <a:t>: </a:t>
-            </a:r>
-            <a:r>
-              <a:rPr lang="en-US" dirty="0" err="1"/>
-              <a:t>Common.FortuneType.Good</a:t>
-            </a:r>
-            <a:r>
-              <a:rPr lang="en-US" dirty="0"/>
-              <a:t>, fortune: 'Everything will happen the way you want it to'},</a:t>
-            </a:r>
-          </a:p>
-          <a:p>
-            <a:pPr marL="0" indent="0">
-              <a:buNone/>
-            </a:pPr>
-            <a:r>
-              <a:rPr lang="en-US" dirty="0"/>
-              <a:t>{</a:t>
-            </a:r>
-            <a:r>
-              <a:rPr lang="en-US" dirty="0" err="1"/>
-              <a:t>fortuneType</a:t>
-            </a:r>
-            <a:r>
-              <a:rPr lang="en-US" dirty="0"/>
-              <a:t>: </a:t>
-            </a:r>
-            <a:r>
-              <a:rPr lang="en-US" dirty="0" err="1"/>
-              <a:t>Common.FortuneType.Bad</a:t>
-            </a:r>
-            <a:r>
-              <a:rPr lang="en-US" dirty="0"/>
-              <a:t>, fortune: 'Your nemesis will get everything they want'},</a:t>
-            </a:r>
-          </a:p>
-          <a:p>
-            <a:pPr marL="0" indent="0">
-              <a:buNone/>
-            </a:pPr>
-            <a:r>
-              <a:rPr lang="en-US" dirty="0"/>
-              <a:t>{</a:t>
-            </a:r>
-            <a:r>
-              <a:rPr lang="en-US" dirty="0" err="1"/>
-              <a:t>fortuneType</a:t>
-            </a:r>
-            <a:r>
-              <a:rPr lang="en-US" dirty="0"/>
-              <a:t>: </a:t>
-            </a:r>
-            <a:r>
-              <a:rPr lang="en-US" dirty="0" err="1"/>
-              <a:t>Common.FortuneType.Neutral</a:t>
-            </a:r>
-            <a:r>
-              <a:rPr lang="en-US" dirty="0"/>
-              <a:t>, </a:t>
-            </a:r>
-          </a:p>
-          <a:p>
-            <a:pPr marL="0" indent="0">
-              <a:buNone/>
-            </a:pPr>
-            <a:r>
-              <a:rPr lang="en-US" dirty="0"/>
-              <a:t>fortune: 'It won’t be super memorable' +</a:t>
-            </a:r>
-          </a:p>
-          <a:p>
-            <a:pPr marL="0" indent="0">
-              <a:buNone/>
-            </a:pPr>
-            <a:r>
-              <a:rPr lang="en-US" dirty="0"/>
-              <a:t>'In a good or bad way’}</a:t>
-            </a:r>
-          </a:p>
-          <a:p>
-            <a:pPr marL="0" indent="0">
-              <a:buNone/>
-            </a:pPr>
-            <a:r>
-              <a:rPr lang="en-US" dirty="0"/>
-              <a:t>];</a:t>
-            </a:r>
-          </a:p>
-          <a:p>
-            <a:pPr marL="0" indent="0">
-              <a:buNone/>
-            </a:pPr>
-            <a:r>
-              <a:rPr lang="en-US" dirty="0"/>
-              <a:t>}</a:t>
-            </a:r>
-          </a:p>
-          <a:p>
-            <a:pPr marL="0" indent="0">
-              <a:buNone/>
-            </a:pPr>
-            <a:endParaRPr lang="en-US" dirty="0"/>
-          </a:p>
-          <a:p>
-            <a:pPr marL="457200" lvl="1" indent="0">
-              <a:buNone/>
-            </a:pPr>
-            <a:endParaRPr lang="en-US" dirty="0"/>
+              <a:t>fortunes.length</a:t>
+            </a:r>
+            <a:r>
+              <a:rPr lang="en-US" dirty="0"/>
+              <a:t> does?</a:t>
+            </a:r>
+          </a:p>
+          <a:p>
+            <a:r>
+              <a:rPr lang="en-US" dirty="0"/>
+              <a:t>Why “-1”</a:t>
+            </a:r>
           </a:p>
         </p:txBody>
       </p:sp>
     </p:spTree>
     <p:extLst>
       <p:ext uri="{BB962C8B-B14F-4D97-AF65-F5344CB8AC3E}">
-        <p14:creationId xmlns:p14="http://schemas.microsoft.com/office/powerpoint/2010/main" val="1762204865"/>
+        <p14:creationId xmlns:p14="http://schemas.microsoft.com/office/powerpoint/2010/main" val="4011342571"/>
       </p:ext>
     </p:extLst>
   </p:cSld>
@@ -8908,7 +8773,7 @@
           <p:cNvPr id="2" name="Title 1">
             <a:extLst>
               <a:ext uri="{FF2B5EF4-FFF2-40B4-BE49-F238E27FC236}">
-                <a16:creationId xmlns:a16="http://schemas.microsoft.com/office/drawing/2014/main" id="{43499C28-6516-433C-B3C5-38E9835C5EC5}"/>
+                <a16:creationId xmlns:a16="http://schemas.microsoft.com/office/drawing/2014/main" id="{35DD3BCE-9407-4739-920E-30CFAB084B74}"/>
               </a:ext>
             </a:extLst>
           </p:cNvPr>
@@ -8926,7 +8791,7 @@
           <a:p>
             <a:r>
               <a:rPr lang="en-US" dirty="0"/>
-              <a:t>Time to randomly chose a number based on the number of fortunes you created:</a:t>
+              <a:t>Hooray! We can get a fortune!</a:t>
             </a:r>
           </a:p>
         </p:txBody>
@@ -8936,7 +8801,7 @@
           <p:cNvPr id="3" name="Content Placeholder 2">
             <a:extLst>
               <a:ext uri="{FF2B5EF4-FFF2-40B4-BE49-F238E27FC236}">
-                <a16:creationId xmlns:a16="http://schemas.microsoft.com/office/drawing/2014/main" id="{C3F136AB-B48C-459A-B646-A6E61500636E}"/>
+                <a16:creationId xmlns:a16="http://schemas.microsoft.com/office/drawing/2014/main" id="{7B667B5B-9083-43AE-99BA-BD3A258AE00F}"/>
               </a:ext>
             </a:extLst>
           </p:cNvPr>
@@ -8954,15 +8819,46 @@
           <a:p>
             <a:r>
               <a:rPr lang="en-US" dirty="0"/>
-              <a:t>Add this into your “</a:t>
+              <a:t>Add this to the top of your render in your </a:t>
             </a:r>
             <a:r>
               <a:rPr lang="en-US" dirty="0" err="1"/>
-              <a:t>GetFortunes</a:t>
-            </a:r>
-            <a:r>
-              <a:rPr lang="en-US" dirty="0"/>
-              <a:t>” Function</a:t>
+              <a:t>fortune.tsx</a:t>
+            </a:r>
+            <a:r>
+              <a:rPr lang="en-US" dirty="0"/>
+              <a:t>:</a:t>
+            </a:r>
+          </a:p>
+          <a:p>
+            <a:pPr marL="457200" lvl="1" indent="0">
+              <a:buNone/>
+            </a:pPr>
+            <a:r>
+              <a:rPr lang="en-US" dirty="0"/>
+              <a:t>let fortune = </a:t>
+            </a:r>
+            <a:r>
+              <a:rPr lang="en-US" dirty="0" err="1"/>
+              <a:t>this.GetFortune</a:t>
+            </a:r>
+            <a:r>
+              <a:rPr lang="en-US" dirty="0"/>
+              <a:t>();</a:t>
+            </a:r>
+          </a:p>
+          <a:p>
+            <a:r>
+              <a:rPr lang="en-US" dirty="0"/>
+              <a:t>Now, lets use our fortune to display instead- </a:t>
+            </a:r>
+            <a:r>
+              <a:rPr lang="en-US" dirty="0" err="1"/>
+              <a:t>fortune.tsx</a:t>
+            </a:r>
+            <a:r>
+              <a:rPr lang="en-US" dirty="0"/>
+              <a:t>:</a:t>
             </a:r>
           </a:p>
           <a:p>
@@ -8971,59 +8867,41 @@
             </a:pPr>
             <a:r>
               <a:rPr lang="en-US" dirty="0"/>
-              <a:t>	return fortunes[(</a:t>
+              <a:t>&lt;big style={style} </a:t>
             </a:r>
             <a:r>
               <a:rPr lang="en-US" dirty="0" err="1"/>
-              <a:t>Math.round</a:t>
-            </a:r>
-            <a:r>
-              <a:rPr lang="en-US" dirty="0"/>
-              <a:t>(</a:t>
+              <a:t>className</a:t>
+            </a:r>
+            <a:r>
+              <a:rPr lang="en-US" dirty="0"/>
+              <a:t>="Fortune-text"&gt; Your fortune is {</a:t>
             </a:r>
             <a:r>
               <a:rPr lang="en-US" dirty="0" err="1"/>
-              <a:t>Math.random</a:t>
-            </a:r>
-            <a:r>
-              <a:rPr lang="en-US" dirty="0"/>
-              <a:t>() * </a:t>
-            </a:r>
-            <a:r>
-              <a:rPr lang="en-US" dirty="0" err="1"/>
-              <a:t>fortunes.length</a:t>
-            </a:r>
-            <a:r>
-              <a:rPr lang="en-US" dirty="0"/>
-              <a:t> - 1))];</a:t>
-            </a:r>
-          </a:p>
-          <a:p>
-            <a:r>
-              <a:rPr lang="en-US" dirty="0"/>
-              <a:t>What do you think </a:t>
-            </a:r>
-            <a:r>
-              <a:rPr lang="en-US" dirty="0" err="1"/>
-              <a:t>fortunes.length</a:t>
-            </a:r>
-            <a:r>
-              <a:rPr lang="en-US" dirty="0"/>
-              <a:t> does?</a:t>
-            </a:r>
-          </a:p>
-          <a:p>
-            <a:r>
-              <a:rPr lang="en-US" dirty="0"/>
-              <a:t>Why “-1”</a:t>
-            </a:r>
+              <a:t>fortune.fortune</a:t>
+            </a:r>
+            <a:r>
+              <a:rPr lang="en-US" dirty="0"/>
+              <a:t>}&lt;/big&gt;</a:t>
+            </a:r>
+          </a:p>
+          <a:p>
+            <a:pPr marL="457200" lvl="1" indent="0">
+              <a:buNone/>
+            </a:pPr>
+            <a:endParaRPr lang="en-US" dirty="0"/>
+          </a:p>
+          <a:p>
+            <a:pPr lvl="1"/>
+            <a:endParaRPr lang="en-US" dirty="0"/>
           </a:p>
         </p:txBody>
       </p:sp>
     </p:spTree>
     <p:extLst>
       <p:ext uri="{BB962C8B-B14F-4D97-AF65-F5344CB8AC3E}">
-        <p14:creationId xmlns:p14="http://schemas.microsoft.com/office/powerpoint/2010/main" val="4011342571"/>
+        <p14:creationId xmlns:p14="http://schemas.microsoft.com/office/powerpoint/2010/main" val="3963217686"/>
       </p:ext>
     </p:extLst>
   </p:cSld>
@@ -9055,7 +8933,7 @@
           <p:cNvPr id="2" name="Title 1">
             <a:extLst>
               <a:ext uri="{FF2B5EF4-FFF2-40B4-BE49-F238E27FC236}">
-                <a16:creationId xmlns:a16="http://schemas.microsoft.com/office/drawing/2014/main" id="{35DD3BCE-9407-4739-920E-30CFAB084B74}"/>
+                <a16:creationId xmlns:a16="http://schemas.microsoft.com/office/drawing/2014/main" id="{BD61B9A8-15CD-42A8-AA86-F6FAD5A6BEBE}"/>
               </a:ext>
             </a:extLst>
           </p:cNvPr>
@@ -9073,7 +8951,7 @@
           <a:p>
             <a:r>
               <a:rPr lang="en-US" dirty="0"/>
-              <a:t>Hooray! We can get a fortune!</a:t>
+              <a:t>Style our fortune!</a:t>
             </a:r>
           </a:p>
         </p:txBody>
@@ -9083,7 +8961,7 @@
           <p:cNvPr id="3" name="Content Placeholder 2">
             <a:extLst>
               <a:ext uri="{FF2B5EF4-FFF2-40B4-BE49-F238E27FC236}">
-                <a16:creationId xmlns:a16="http://schemas.microsoft.com/office/drawing/2014/main" id="{7B667B5B-9083-43AE-99BA-BD3A258AE00F}"/>
+                <a16:creationId xmlns:a16="http://schemas.microsoft.com/office/drawing/2014/main" id="{A29C7F98-9279-433D-BF08-A7EC9DCDFCD8}"/>
               </a:ext>
             </a:extLst>
           </p:cNvPr>
@@ -9099,83 +8977,6 @@
           <a:bodyPr/>
           <a:lstStyle/>
           <a:p>
-            <a:r>
-              <a:rPr lang="en-US" dirty="0"/>
-              <a:t>Add this to the top of your render in your </a:t>
-            </a:r>
-            <a:r>
-              <a:rPr lang="en-US" dirty="0" err="1"/>
-              <a:t>fortune.tsx</a:t>
-            </a:r>
-            <a:r>
-              <a:rPr lang="en-US" dirty="0"/>
-              <a:t>:</a:t>
-            </a:r>
-          </a:p>
-          <a:p>
-            <a:pPr marL="457200" lvl="1" indent="0">
-              <a:buNone/>
-            </a:pPr>
-            <a:r>
-              <a:rPr lang="en-US" dirty="0"/>
-              <a:t>let fortune = </a:t>
-            </a:r>
-            <a:r>
-              <a:rPr lang="en-US" dirty="0" err="1"/>
-              <a:t>this.GetFortune</a:t>
-            </a:r>
-            <a:r>
-              <a:rPr lang="en-US" dirty="0"/>
-              <a:t>();</a:t>
-            </a:r>
-          </a:p>
-          <a:p>
-            <a:r>
-              <a:rPr lang="en-US" dirty="0"/>
-              <a:t>Now, lets use our fortune to display instead- </a:t>
-            </a:r>
-            <a:r>
-              <a:rPr lang="en-US" dirty="0" err="1"/>
-              <a:t>fortune.tsx</a:t>
-            </a:r>
-            <a:r>
-              <a:rPr lang="en-US" dirty="0"/>
-              <a:t>:</a:t>
-            </a:r>
-          </a:p>
-          <a:p>
-            <a:pPr marL="0" indent="0">
-              <a:buNone/>
-            </a:pPr>
-            <a:r>
-              <a:rPr lang="en-US" dirty="0"/>
-              <a:t>&lt;big style={style} </a:t>
-            </a:r>
-            <a:r>
-              <a:rPr lang="en-US" dirty="0" err="1"/>
-              <a:t>className</a:t>
-            </a:r>
-            <a:r>
-              <a:rPr lang="en-US" dirty="0"/>
-              <a:t>="Fortune-text"&gt; Your fortune is {</a:t>
-            </a:r>
-            <a:r>
-              <a:rPr lang="en-US" dirty="0" err="1"/>
-              <a:t>fortune.fortune</a:t>
-            </a:r>
-            <a:r>
-              <a:rPr lang="en-US" dirty="0"/>
-              <a:t>}&lt;/big&gt;</a:t>
-            </a:r>
-          </a:p>
-          <a:p>
-            <a:pPr marL="457200" lvl="1" indent="0">
-              <a:buNone/>
-            </a:pPr>
-            <a:endParaRPr lang="en-US" dirty="0"/>
-          </a:p>
-          <a:p>
-            <a:pPr lvl="1"/>
             <a:endParaRPr lang="en-US" dirty="0"/>
           </a:p>
         </p:txBody>
@@ -9183,7 +8984,7 @@
     </p:spTree>
     <p:extLst>
       <p:ext uri="{BB962C8B-B14F-4D97-AF65-F5344CB8AC3E}">
-        <p14:creationId xmlns:p14="http://schemas.microsoft.com/office/powerpoint/2010/main" val="3963217686"/>
+        <p14:creationId xmlns:p14="http://schemas.microsoft.com/office/powerpoint/2010/main" val="1893109201"/>
       </p:ext>
     </p:extLst>
   </p:cSld>
@@ -9215,7 +9016,7 @@
           <p:cNvPr id="2" name="Title 1">
             <a:extLst>
               <a:ext uri="{FF2B5EF4-FFF2-40B4-BE49-F238E27FC236}">
-                <a16:creationId xmlns:a16="http://schemas.microsoft.com/office/drawing/2014/main" id="{BD61B9A8-15CD-42A8-AA86-F6FAD5A6BEBE}"/>
+                <a16:creationId xmlns:a16="http://schemas.microsoft.com/office/drawing/2014/main" id="{432D3FA2-E04B-4079-8C81-1BEF1CFB68D4}"/>
               </a:ext>
             </a:extLst>
           </p:cNvPr>
@@ -9233,7 +9034,7 @@
           <a:p>
             <a:r>
               <a:rPr lang="en-US" dirty="0"/>
-              <a:t>Style our fortune!</a:t>
+              <a:t>Wait… whats that style element </a:t>
             </a:r>
           </a:p>
         </p:txBody>
@@ -9243,7 +9044,7 @@
           <p:cNvPr id="3" name="Content Placeholder 2">
             <a:extLst>
               <a:ext uri="{FF2B5EF4-FFF2-40B4-BE49-F238E27FC236}">
-                <a16:creationId xmlns:a16="http://schemas.microsoft.com/office/drawing/2014/main" id="{A29C7F98-9279-433D-BF08-A7EC9DCDFCD8}"/>
+                <a16:creationId xmlns:a16="http://schemas.microsoft.com/office/drawing/2014/main" id="{478322B6-0339-455B-9BDC-B7F1F4BC6FDB}"/>
               </a:ext>
             </a:extLst>
           </p:cNvPr>
@@ -9256,9 +9057,129 @@
         </p:nvSpPr>
         <p:spPr/>
         <p:txBody>
-          <a:bodyPr/>
-          <a:lstStyle/>
-          <a:p>
+          <a:bodyPr>
+            <a:normAutofit fontScale="92500" lnSpcReduction="10000"/>
+          </a:bodyPr>
+          <a:lstStyle/>
+          <a:p>
+            <a:pPr marL="0" indent="0">
+              <a:buNone/>
+            </a:pPr>
+            <a:r>
+              <a:rPr lang="en-US" dirty="0"/>
+              <a:t>&lt;big </a:t>
+            </a:r>
+            <a:r>
+              <a:rPr lang="en-US" b="1" dirty="0">
+                <a:highlight>
+                  <a:srgbClr val="FFFF00"/>
+                </a:highlight>
+              </a:rPr>
+              <a:t>style={style} </a:t>
+            </a:r>
+            <a:r>
+              <a:rPr lang="en-US" dirty="0" err="1"/>
+              <a:t>className</a:t>
+            </a:r>
+            <a:r>
+              <a:rPr lang="en-US" dirty="0"/>
+              <a:t>="Fortune-text"&gt; Your fortune is {</a:t>
+            </a:r>
+            <a:r>
+              <a:rPr lang="en-US" dirty="0" err="1"/>
+              <a:t>fortune.fortune</a:t>
+            </a:r>
+            <a:r>
+              <a:rPr lang="en-US" dirty="0"/>
+              <a:t>}&lt;/big&gt;</a:t>
+            </a:r>
+          </a:p>
+          <a:p>
+            <a:pPr marL="0" indent="0">
+              <a:buNone/>
+            </a:pPr>
+            <a:endParaRPr lang="en-US" dirty="0"/>
+          </a:p>
+          <a:p>
+            <a:pPr marL="0" indent="0">
+              <a:buNone/>
+            </a:pPr>
+            <a:r>
+              <a:rPr lang="en-US" dirty="0"/>
+              <a:t>Remember how we talked about CSS? </a:t>
+            </a:r>
+          </a:p>
+          <a:p>
+            <a:pPr marL="0" indent="0">
+              <a:buNone/>
+            </a:pPr>
+            <a:r>
+              <a:rPr lang="en-US" dirty="0"/>
+              <a:t>We can make an </a:t>
+            </a:r>
+            <a:r>
+              <a:rPr lang="en-US" i="1" dirty="0"/>
+              <a:t>interface </a:t>
+            </a:r>
+            <a:r>
+              <a:rPr lang="en-US" dirty="0"/>
+              <a:t>about the style we want:</a:t>
+            </a:r>
+          </a:p>
+          <a:p>
+            <a:pPr marL="0" indent="0">
+              <a:buNone/>
+            </a:pPr>
+            <a:endParaRPr lang="en-US" dirty="0"/>
+          </a:p>
+          <a:p>
+            <a:pPr marL="0" indent="0">
+              <a:buNone/>
+            </a:pPr>
+            <a:r>
+              <a:rPr lang="en-US" dirty="0"/>
+              <a:t>interface Style {</a:t>
+            </a:r>
+          </a:p>
+          <a:p>
+            <a:pPr marL="0" indent="0">
+              <a:buNone/>
+            </a:pPr>
+            <a:r>
+              <a:rPr lang="en-US" dirty="0"/>
+              <a:t>	color: string;</a:t>
+            </a:r>
+          </a:p>
+          <a:p>
+            <a:pPr marL="0" indent="0">
+              <a:buNone/>
+            </a:pPr>
+            <a:r>
+              <a:rPr lang="en-US" dirty="0"/>
+              <a:t>	</a:t>
+            </a:r>
+            <a:r>
+              <a:rPr lang="en-US" dirty="0" err="1"/>
+              <a:t>fontWeight</a:t>
+            </a:r>
+            <a:r>
+              <a:rPr lang="en-US" dirty="0"/>
+              <a:t>: 'bold';</a:t>
+            </a:r>
+          </a:p>
+          <a:p>
+            <a:pPr marL="0" indent="0">
+              <a:buNone/>
+            </a:pPr>
+            <a:r>
+              <a:rPr lang="en-US" dirty="0"/>
+              <a:t>}</a:t>
+            </a:r>
+          </a:p>
+          <a:p>
+            <a:pPr marL="0" indent="0">
+              <a:buNone/>
+            </a:pPr>
             <a:endParaRPr lang="en-US" dirty="0"/>
           </a:p>
         </p:txBody>
@@ -9266,7 +9187,7 @@
     </p:spTree>
     <p:extLst>
       <p:ext uri="{BB962C8B-B14F-4D97-AF65-F5344CB8AC3E}">
-        <p14:creationId xmlns:p14="http://schemas.microsoft.com/office/powerpoint/2010/main" val="1893109201"/>
+        <p14:creationId xmlns:p14="http://schemas.microsoft.com/office/powerpoint/2010/main" val="2361844178"/>
       </p:ext>
     </p:extLst>
   </p:cSld>
@@ -9298,7 +9219,7 @@
           <p:cNvPr id="2" name="Title 1">
             <a:extLst>
               <a:ext uri="{FF2B5EF4-FFF2-40B4-BE49-F238E27FC236}">
-                <a16:creationId xmlns:a16="http://schemas.microsoft.com/office/drawing/2014/main" id="{432D3FA2-E04B-4079-8C81-1BEF1CFB68D4}"/>
+                <a16:creationId xmlns:a16="http://schemas.microsoft.com/office/drawing/2014/main" id="{D7F91FD0-460F-4705-892E-F02FFFBA173D}"/>
               </a:ext>
             </a:extLst>
           </p:cNvPr>
@@ -9316,7 +9237,7 @@
           <a:p>
             <a:r>
               <a:rPr lang="en-US" dirty="0"/>
-              <a:t>Wait… whats that style element </a:t>
+              <a:t>“Switch” – how we choose in computer science</a:t>
             </a:r>
           </a:p>
         </p:txBody>
@@ -9326,7 +9247,7 @@
           <p:cNvPr id="3" name="Content Placeholder 2">
             <a:extLst>
               <a:ext uri="{FF2B5EF4-FFF2-40B4-BE49-F238E27FC236}">
-                <a16:creationId xmlns:a16="http://schemas.microsoft.com/office/drawing/2014/main" id="{478322B6-0339-455B-9BDC-B7F1F4BC6FDB}"/>
+                <a16:creationId xmlns:a16="http://schemas.microsoft.com/office/drawing/2014/main" id="{BA08FCD2-AE02-4967-B5FB-1C12D366D69C}"/>
               </a:ext>
             </a:extLst>
           </p:cNvPr>
@@ -9340,7 +9261,7 @@
         <p:spPr/>
         <p:txBody>
           <a:bodyPr>
-            <a:normAutofit fontScale="92500" lnSpcReduction="10000"/>
+            <a:normAutofit fontScale="40000" lnSpcReduction="20000"/>
           </a:bodyPr>
           <a:lstStyle/>
           <a:p>
@@ -9349,38 +9270,46 @@
             </a:pPr>
             <a:r>
               <a:rPr lang="en-US" dirty="0"/>
-              <a:t>&lt;big </a:t>
-            </a:r>
-            <a:r>
-              <a:rPr lang="en-US" b="1" dirty="0">
-                <a:highlight>
-                  <a:srgbClr val="FFFF00"/>
-                </a:highlight>
-              </a:rPr>
-              <a:t>style={style} </a:t>
+              <a:t>/*switch (</a:t>
             </a:r>
             <a:r>
               <a:rPr lang="en-US" dirty="0" err="1"/>
-              <a:t>className</a:t>
-            </a:r>
-            <a:r>
-              <a:rPr lang="en-US" dirty="0"/>
-              <a:t>="Fortune-text"&gt; Your fortune is {</a:t>
+              <a:t>fortune.fortuneType</a:t>
+            </a:r>
+            <a:r>
+              <a:rPr lang="en-US" dirty="0"/>
+              <a:t>) {</a:t>
+            </a:r>
+          </a:p>
+          <a:p>
+            <a:pPr marL="0" indent="0">
+              <a:buNone/>
+            </a:pPr>
+            <a:r>
+              <a:rPr lang="en-US" dirty="0"/>
+              <a:t>case </a:t>
             </a:r>
             <a:r>
               <a:rPr lang="en-US" dirty="0" err="1"/>
-              <a:t>fortune.fortune</a:t>
-            </a:r>
-            <a:r>
-              <a:rPr lang="en-US" dirty="0"/>
-              <a:t>}&lt;/big&gt;</a:t>
+              <a:t>Common.FortuneType.Good</a:t>
+            </a:r>
+            <a:r>
+              <a:rPr lang="en-US" dirty="0"/>
+              <a:t>: {</a:t>
             </a:r>
           </a:p>
           <a:p>
             <a:pPr marL="0" indent="0">
               <a:buNone/>
             </a:pPr>
-            <a:endParaRPr lang="en-US" dirty="0"/>
+            <a:r>
+              <a:rPr lang="en-US" dirty="0" err="1"/>
+              <a:t>style.color</a:t>
+            </a:r>
+            <a:r>
+              <a:rPr lang="en-US" dirty="0"/>
+              <a:t> = 'blue';</a:t>
+            </a:r>
           </a:p>
           <a:p>
             <a:pPr marL="0" indent="0">
@@ -9388,7 +9317,7 @@
             </a:pPr>
             <a:r>
               <a:rPr lang="en-US" dirty="0"/>
-              <a:t>Remember how we talked about CSS? </a:t>
+              <a:t>break;</a:t>
             </a:r>
           </a:p>
           <a:p>
@@ -9397,30 +9326,37 @@
             </a:pPr>
             <a:r>
               <a:rPr lang="en-US" dirty="0"/>
-              <a:t>We can make an </a:t>
-            </a:r>
-            <a:r>
-              <a:rPr lang="en-US" i="1" dirty="0"/>
-              <a:t>interface </a:t>
-            </a:r>
-            <a:r>
-              <a:rPr lang="en-US" dirty="0"/>
-              <a:t>about the style we want:</a:t>
+              <a:t>}</a:t>
             </a:r>
           </a:p>
           <a:p>
             <a:pPr marL="0" indent="0">
               <a:buNone/>
             </a:pPr>
-            <a:endParaRPr lang="en-US" dirty="0"/>
+            <a:r>
+              <a:rPr lang="en-US" dirty="0"/>
+              <a:t>case </a:t>
+            </a:r>
+            <a:r>
+              <a:rPr lang="en-US" dirty="0" err="1"/>
+              <a:t>Common.FortuneType.Bad</a:t>
+            </a:r>
+            <a:r>
+              <a:rPr lang="en-US" dirty="0"/>
+              <a:t>: {</a:t>
+            </a:r>
           </a:p>
           <a:p>
             <a:pPr marL="0" indent="0">
               <a:buNone/>
             </a:pPr>
             <a:r>
-              <a:rPr lang="en-US" dirty="0"/>
-              <a:t>interface Style {</a:t>
+              <a:rPr lang="en-US" dirty="0" err="1"/>
+              <a:t>style.color</a:t>
+            </a:r>
+            <a:r>
+              <a:rPr lang="en-US" dirty="0"/>
+              <a:t> = 'red';</a:t>
             </a:r>
           </a:p>
           <a:p>
@@ -9429,7 +9365,7 @@
             </a:pPr>
             <a:r>
               <a:rPr lang="en-US" dirty="0"/>
-              <a:t>	color: string;</a:t>
+              <a:t>break;</a:t>
             </a:r>
           </a:p>
           <a:p>
@@ -9438,15 +9374,24 @@
             </a:pPr>
             <a:r>
               <a:rPr lang="en-US" dirty="0"/>
-              <a:t>	</a:t>
+              <a:t>}</a:t>
+            </a:r>
+          </a:p>
+          <a:p>
+            <a:pPr marL="0" indent="0">
+              <a:buNone/>
+            </a:pPr>
+            <a:r>
+              <a:rPr lang="en-US" dirty="0"/>
+              <a:t>case </a:t>
             </a:r>
             <a:r>
               <a:rPr lang="en-US" dirty="0" err="1"/>
-              <a:t>fontWeight</a:t>
-            </a:r>
-            <a:r>
-              <a:rPr lang="en-US" dirty="0"/>
-              <a:t>: 'bold';</a:t>
+              <a:t>Common.FortuneType.Neutral</a:t>
+            </a:r>
+            <a:r>
+              <a:rPr lang="en-US" dirty="0"/>
+              <a:t>: {</a:t>
             </a:r>
           </a:p>
           <a:p>
@@ -9454,8 +9399,66 @@
               <a:buNone/>
             </a:pPr>
             <a:r>
+              <a:rPr lang="en-US" dirty="0" err="1"/>
+              <a:t>style.color</a:t>
+            </a:r>
+            <a:r>
+              <a:rPr lang="en-US" dirty="0"/>
+              <a:t> = 'purple';</a:t>
+            </a:r>
+          </a:p>
+          <a:p>
+            <a:pPr marL="0" indent="0">
+              <a:buNone/>
+            </a:pPr>
+            <a:r>
+              <a:rPr lang="en-US" dirty="0"/>
+              <a:t>break;</a:t>
+            </a:r>
+          </a:p>
+          <a:p>
+            <a:pPr marL="0" indent="0">
+              <a:buNone/>
+            </a:pPr>
+            <a:r>
               <a:rPr lang="en-US" dirty="0"/>
               <a:t>}</a:t>
+            </a:r>
+          </a:p>
+          <a:p>
+            <a:pPr marL="0" indent="0">
+              <a:buNone/>
+            </a:pPr>
+            <a:r>
+              <a:rPr lang="en-US" dirty="0"/>
+              <a:t>default: {</a:t>
+            </a:r>
+          </a:p>
+          <a:p>
+            <a:pPr marL="0" indent="0">
+              <a:buNone/>
+            </a:pPr>
+            <a:r>
+              <a:rPr lang="en-US" dirty="0"/>
+              <a:t>break;</a:t>
+            </a:r>
+          </a:p>
+          <a:p>
+            <a:pPr marL="0" indent="0">
+              <a:buNone/>
+            </a:pPr>
+            <a:r>
+              <a:rPr lang="en-US" dirty="0"/>
+              <a:t>}</a:t>
+            </a:r>
+          </a:p>
+          <a:p>
+            <a:pPr marL="0" indent="0">
+              <a:buNone/>
+            </a:pPr>
+            <a:r>
+              <a:rPr lang="en-US" dirty="0"/>
+              <a:t>}*/</a:t>
             </a:r>
           </a:p>
           <a:p>
@@ -9469,7 +9472,7 @@
     </p:spTree>
     <p:extLst>
       <p:ext uri="{BB962C8B-B14F-4D97-AF65-F5344CB8AC3E}">
-        <p14:creationId xmlns:p14="http://schemas.microsoft.com/office/powerpoint/2010/main" val="2361844178"/>
+        <p14:creationId xmlns:p14="http://schemas.microsoft.com/office/powerpoint/2010/main" val="880789529"/>
       </p:ext>
     </p:extLst>
   </p:cSld>
@@ -9501,7 +9504,7 @@
           <p:cNvPr id="2" name="Title 1">
             <a:extLst>
               <a:ext uri="{FF2B5EF4-FFF2-40B4-BE49-F238E27FC236}">
-                <a16:creationId xmlns:a16="http://schemas.microsoft.com/office/drawing/2014/main" id="{D7F91FD0-460F-4705-892E-F02FFFBA173D}"/>
+                <a16:creationId xmlns:a16="http://schemas.microsoft.com/office/drawing/2014/main" id="{E8D56148-0197-4D2A-B947-D8CEFF44EE52}"/>
               </a:ext>
             </a:extLst>
           </p:cNvPr>
@@ -9519,7 +9522,7 @@
           <a:p>
             <a:r>
               <a:rPr lang="en-US" dirty="0"/>
-              <a:t>“Switch” – how we choose in computer science</a:t>
+              <a:t>What to do with the fortune type?</a:t>
             </a:r>
           </a:p>
         </p:txBody>
@@ -9529,7 +9532,7 @@
           <p:cNvPr id="3" name="Content Placeholder 2">
             <a:extLst>
               <a:ext uri="{FF2B5EF4-FFF2-40B4-BE49-F238E27FC236}">
-                <a16:creationId xmlns:a16="http://schemas.microsoft.com/office/drawing/2014/main" id="{BA08FCD2-AE02-4967-B5FB-1C12D366D69C}"/>
+                <a16:creationId xmlns:a16="http://schemas.microsoft.com/office/drawing/2014/main" id="{2D6ABF1A-4A69-4D66-A3AF-4330E42FE1E0}"/>
               </a:ext>
             </a:extLst>
           </p:cNvPr>
@@ -9543,7 +9546,7 @@
         <p:spPr/>
         <p:txBody>
           <a:bodyPr>
-            <a:normAutofit fontScale="40000" lnSpcReduction="20000"/>
+            <a:normAutofit/>
           </a:bodyPr>
           <a:lstStyle/>
           <a:p>
@@ -9551,16 +9554,74 @@
               <a:buNone/>
             </a:pPr>
             <a:r>
-              <a:rPr lang="en-US" dirty="0"/>
-              <a:t>/*switch (</a:t>
-            </a:r>
+              <a:rPr lang="en-US" b="1" i="1" dirty="0"/>
+              <a:t>The world is your oyster! </a:t>
+            </a:r>
+          </a:p>
+          <a:p>
+            <a:pPr marL="0" indent="0">
+              <a:buNone/>
+            </a:pPr>
+            <a:r>
+              <a:rPr lang="en-US" dirty="0"/>
+              <a:t>You can add images to show base on the fortune type- set 3 different images for good/bad/neutral:</a:t>
+            </a:r>
+          </a:p>
+          <a:p>
+            <a:pPr lvl="1"/>
             <a:r>
               <a:rPr lang="en-US" dirty="0" err="1"/>
-              <a:t>fortune.fortuneType</a:t>
-            </a:r>
-            <a:r>
-              <a:rPr lang="en-US" dirty="0"/>
-              <a:t>) {</a:t>
+              <a:t>const</a:t>
+            </a:r>
+            <a:r>
+              <a:rPr lang="en-US" dirty="0"/>
+              <a:t> </a:t>
+            </a:r>
+            <a:r>
+              <a:rPr lang="en-US" dirty="0" err="1"/>
+              <a:t>badImage</a:t>
+            </a:r>
+            <a:r>
+              <a:rPr lang="en-US" dirty="0"/>
+              <a:t> = require('../images/unhappy.png');</a:t>
+            </a:r>
+          </a:p>
+          <a:p>
+            <a:pPr lvl="1"/>
+            <a:r>
+              <a:rPr lang="en-US" dirty="0" err="1"/>
+              <a:t>const</a:t>
+            </a:r>
+            <a:r>
+              <a:rPr lang="en-US" dirty="0"/>
+              <a:t> </a:t>
+            </a:r>
+            <a:r>
+              <a:rPr lang="en-US" dirty="0" err="1"/>
+              <a:t>goodImage</a:t>
+            </a:r>
+            <a:r>
+              <a:rPr lang="en-US" dirty="0"/>
+              <a:t> = require('../images/happiness.png');</a:t>
+            </a:r>
+          </a:p>
+          <a:p>
+            <a:pPr lvl="1"/>
+            <a:r>
+              <a:rPr lang="en-US" dirty="0" err="1"/>
+              <a:t>const</a:t>
+            </a:r>
+            <a:r>
+              <a:rPr lang="en-US" dirty="0"/>
+              <a:t> </a:t>
+            </a:r>
+            <a:r>
+              <a:rPr lang="en-US" dirty="0" err="1"/>
+              <a:t>neutralImage</a:t>
+            </a:r>
+            <a:r>
+              <a:rPr lang="en-US" dirty="0"/>
+              <a:t> = require('../images/neutral.jpg');}</a:t>
             </a:r>
           </a:p>
           <a:p>
@@ -9569,192 +9630,15 @@
             </a:pPr>
             <a:r>
               <a:rPr lang="en-US" dirty="0"/>
-              <a:t>case </a:t>
-            </a:r>
-            <a:r>
-              <a:rPr lang="en-US" dirty="0" err="1"/>
-              <a:t>Common.FortuneType.Good</a:t>
-            </a:r>
-            <a:r>
-              <a:rPr lang="en-US" dirty="0"/>
-              <a:t>: {</a:t>
-            </a:r>
-          </a:p>
-          <a:p>
-            <a:pPr marL="0" indent="0">
-              <a:buNone/>
-            </a:pPr>
-            <a:r>
-              <a:rPr lang="en-US" dirty="0" err="1"/>
-              <a:t>style.color</a:t>
-            </a:r>
-            <a:r>
-              <a:rPr lang="en-US" dirty="0"/>
-              <a:t> = 'blue';</a:t>
-            </a:r>
-          </a:p>
-          <a:p>
-            <a:pPr marL="0" indent="0">
-              <a:buNone/>
-            </a:pPr>
-            <a:r>
-              <a:rPr lang="en-US" dirty="0"/>
-              <a:t>break;</a:t>
-            </a:r>
-          </a:p>
-          <a:p>
-            <a:pPr marL="0" indent="0">
-              <a:buNone/>
-            </a:pPr>
-            <a:r>
-              <a:rPr lang="en-US" dirty="0"/>
-              <a:t>}</a:t>
-            </a:r>
-          </a:p>
-          <a:p>
-            <a:pPr marL="0" indent="0">
-              <a:buNone/>
-            </a:pPr>
-            <a:r>
-              <a:rPr lang="en-US" dirty="0"/>
-              <a:t>case </a:t>
-            </a:r>
-            <a:r>
-              <a:rPr lang="en-US" dirty="0" err="1"/>
-              <a:t>Common.FortuneType.Bad</a:t>
-            </a:r>
-            <a:r>
-              <a:rPr lang="en-US" dirty="0"/>
-              <a:t>: {</a:t>
-            </a:r>
-          </a:p>
-          <a:p>
-            <a:pPr marL="0" indent="0">
-              <a:buNone/>
-            </a:pPr>
-            <a:r>
-              <a:rPr lang="en-US" dirty="0" err="1"/>
-              <a:t>style.color</a:t>
-            </a:r>
-            <a:r>
-              <a:rPr lang="en-US" dirty="0"/>
-              <a:t> = 'red';</a:t>
-            </a:r>
-          </a:p>
-          <a:p>
-            <a:pPr marL="0" indent="0">
-              <a:buNone/>
-            </a:pPr>
-            <a:r>
-              <a:rPr lang="en-US" dirty="0"/>
-              <a:t>break;</a:t>
-            </a:r>
-          </a:p>
-          <a:p>
-            <a:pPr marL="0" indent="0">
-              <a:buNone/>
-            </a:pPr>
-            <a:r>
-              <a:rPr lang="en-US" dirty="0"/>
-              <a:t>}</a:t>
-            </a:r>
-          </a:p>
-          <a:p>
-            <a:pPr marL="0" indent="0">
-              <a:buNone/>
-            </a:pPr>
-            <a:r>
-              <a:rPr lang="en-US" dirty="0"/>
-              <a:t>case </a:t>
-            </a:r>
-            <a:r>
-              <a:rPr lang="en-US" dirty="0" err="1"/>
-              <a:t>Common.FortuneType.Neutral</a:t>
-            </a:r>
-            <a:r>
-              <a:rPr lang="en-US" dirty="0"/>
-              <a:t>: {</a:t>
-            </a:r>
-          </a:p>
-          <a:p>
-            <a:pPr marL="0" indent="0">
-              <a:buNone/>
-            </a:pPr>
-            <a:r>
-              <a:rPr lang="en-US" dirty="0" err="1"/>
-              <a:t>style.color</a:t>
-            </a:r>
-            <a:r>
-              <a:rPr lang="en-US" dirty="0"/>
-              <a:t> = 'purple';</a:t>
-            </a:r>
-          </a:p>
-          <a:p>
-            <a:pPr marL="0" indent="0">
-              <a:buNone/>
-            </a:pPr>
-            <a:r>
-              <a:rPr lang="en-US" dirty="0"/>
-              <a:t>break;</a:t>
-            </a:r>
-          </a:p>
-          <a:p>
-            <a:pPr marL="0" indent="0">
-              <a:buNone/>
-            </a:pPr>
-            <a:r>
-              <a:rPr lang="en-US" dirty="0"/>
-              <a:t>}</a:t>
-            </a:r>
-          </a:p>
-          <a:p>
-            <a:pPr marL="0" indent="0">
-              <a:buNone/>
-            </a:pPr>
-            <a:r>
-              <a:rPr lang="en-US" dirty="0"/>
-              <a:t>default: {</a:t>
-            </a:r>
-          </a:p>
-          <a:p>
-            <a:pPr marL="0" indent="0">
-              <a:buNone/>
-            </a:pPr>
-            <a:r>
-              <a:rPr lang="en-US" dirty="0"/>
-              <a:t>break;</a:t>
-            </a:r>
-          </a:p>
-          <a:p>
-            <a:pPr marL="0" indent="0">
-              <a:buNone/>
-            </a:pPr>
-            <a:r>
-              <a:rPr lang="en-US" dirty="0"/>
-              <a:t>}</a:t>
-            </a:r>
-          </a:p>
-          <a:p>
-            <a:pPr marL="0" indent="0">
-              <a:buNone/>
-            </a:pPr>
-            <a:r>
-              <a:rPr lang="en-US" dirty="0"/>
-              <a:t>}*/</a:t>
-            </a:r>
-          </a:p>
-          <a:p>
-            <a:pPr marL="0" indent="0">
-              <a:buNone/>
-            </a:pPr>
-            <a:endParaRPr lang="en-US" dirty="0"/>
+              <a:t>Then add an image variable and set it in your switch statement</a:t>
+            </a:r>
           </a:p>
         </p:txBody>
       </p:sp>
     </p:spTree>
     <p:extLst>
       <p:ext uri="{BB962C8B-B14F-4D97-AF65-F5344CB8AC3E}">
-        <p14:creationId xmlns:p14="http://schemas.microsoft.com/office/powerpoint/2010/main" val="880789529"/>
+        <p14:creationId xmlns:p14="http://schemas.microsoft.com/office/powerpoint/2010/main" val="4077000602"/>
       </p:ext>
     </p:extLst>
   </p:cSld>
@@ -9786,7 +9670,7 @@
           <p:cNvPr id="2" name="Title 1">
             <a:extLst>
               <a:ext uri="{FF2B5EF4-FFF2-40B4-BE49-F238E27FC236}">
-                <a16:creationId xmlns:a16="http://schemas.microsoft.com/office/drawing/2014/main" id="{E8D56148-0197-4D2A-B947-D8CEFF44EE52}"/>
+                <a16:creationId xmlns:a16="http://schemas.microsoft.com/office/drawing/2014/main" id="{F17E8816-9BF2-4AB7-95B9-2A4DD6807E1C}"/>
               </a:ext>
             </a:extLst>
           </p:cNvPr>
@@ -9804,7 +9688,15 @@
           <a:p>
             <a:r>
               <a:rPr lang="en-US" dirty="0"/>
-              <a:t>What to do with the fortune type?</a:t>
+              <a:t>What to do with the fortune type </a:t>
+            </a:r>
+            <a:r>
+              <a:rPr lang="en-US" dirty="0" err="1"/>
+              <a:t>cont</a:t>
+            </a:r>
+            <a:r>
+              <a:rPr lang="en-US" dirty="0"/>
+              <a:t>…</a:t>
             </a:r>
           </a:p>
         </p:txBody>
@@ -9814,7 +9706,7 @@
           <p:cNvPr id="3" name="Content Placeholder 2">
             <a:extLst>
               <a:ext uri="{FF2B5EF4-FFF2-40B4-BE49-F238E27FC236}">
-                <a16:creationId xmlns:a16="http://schemas.microsoft.com/office/drawing/2014/main" id="{2D6ABF1A-4A69-4D66-A3AF-4330E42FE1E0}"/>
+                <a16:creationId xmlns:a16="http://schemas.microsoft.com/office/drawing/2014/main" id="{6A22B13E-025E-4392-9551-4FE1C5532E90}"/>
               </a:ext>
             </a:extLst>
           </p:cNvPr>
@@ -9827,33 +9719,59 @@
         </p:nvSpPr>
         <p:spPr/>
         <p:txBody>
-          <a:bodyPr>
-            <a:normAutofit/>
-          </a:bodyPr>
-          <a:lstStyle/>
-          <a:p>
-            <a:pPr marL="0" indent="0">
+          <a:bodyPr/>
+          <a:lstStyle/>
+          <a:p>
+            <a:r>
+              <a:rPr lang="en-US" dirty="0"/>
+              <a:t>To apply the image, just add it to your render HTML:</a:t>
+            </a:r>
+          </a:p>
+          <a:p>
+            <a:pPr marL="457200" lvl="1" indent="0">
               <a:buNone/>
             </a:pPr>
             <a:r>
-              <a:rPr lang="en-US" b="1" i="1" dirty="0"/>
-              <a:t>The world is your oyster! </a:t>
-            </a:r>
-          </a:p>
-          <a:p>
-            <a:pPr marL="0" indent="0">
+              <a:rPr lang="en-US" dirty="0"/>
+              <a:t>&lt;div&gt;</a:t>
+            </a:r>
+          </a:p>
+          <a:p>
+            <a:pPr marL="457200" lvl="1" indent="0">
               <a:buNone/>
             </a:pPr>
             <a:r>
               <a:rPr lang="en-US" dirty="0"/>
-              <a:t>You can add images to show base on the fortune type- set 3 different images for good/bad/neutral:</a:t>
-            </a:r>
-          </a:p>
-          <a:p>
-            <a:pPr lvl="1"/>
+              <a:t>&lt;div style={style} </a:t>
+            </a:r>
             <a:r>
               <a:rPr lang="en-US" dirty="0" err="1"/>
-              <a:t>const</a:t>
+              <a:t>className</a:t>
+            </a:r>
+            <a:r>
+              <a:rPr lang="en-US" dirty="0"/>
+              <a:t>="Fortune-text"&gt; Your fortune is {</a:t>
+            </a:r>
+            <a:r>
+              <a:rPr lang="en-US" dirty="0" err="1"/>
+              <a:t>fortune.fortune</a:t>
+            </a:r>
+            <a:r>
+              <a:rPr lang="en-US" dirty="0"/>
+              <a:t>}&lt;/div&gt;</a:t>
+            </a:r>
+          </a:p>
+          <a:p>
+            <a:pPr marL="457200" lvl="1" indent="0">
+              <a:buNone/>
+            </a:pPr>
+            <a:r>
+              <a:rPr lang="en-US" dirty="0"/>
+              <a:t>&lt;</a:t>
+            </a:r>
+            <a:r>
+              <a:rPr lang="en-US" dirty="0" err="1"/>
+              <a:t>img</a:t>
             </a:r>
             <a:r>
               <a:rPr lang="en-US" dirty="0"/>
@@ -9861,66 +9779,34 @@
             </a:r>
             <a:r>
               <a:rPr lang="en-US" dirty="0" err="1"/>
-              <a:t>badImage</a:t>
-            </a:r>
-            <a:r>
-              <a:rPr lang="en-US" dirty="0"/>
-              <a:t> = require('../images/unhappy.png');</a:t>
-            </a:r>
-          </a:p>
-          <a:p>
-            <a:pPr lvl="1"/>
-            <a:r>
-              <a:rPr lang="en-US" dirty="0" err="1"/>
-              <a:t>const</a:t>
-            </a:r>
-            <a:r>
-              <a:rPr lang="en-US" dirty="0"/>
-              <a:t> </a:t>
-            </a:r>
-            <a:r>
-              <a:rPr lang="en-US" dirty="0" err="1"/>
-              <a:t>goodImage</a:t>
-            </a:r>
-            <a:r>
-              <a:rPr lang="en-US" dirty="0"/>
-              <a:t> = require('../images/happiness.png');</a:t>
-            </a:r>
-          </a:p>
-          <a:p>
-            <a:pPr lvl="1"/>
-            <a:r>
-              <a:rPr lang="en-US" dirty="0" err="1"/>
-              <a:t>const</a:t>
-            </a:r>
-            <a:r>
-              <a:rPr lang="en-US" dirty="0"/>
-              <a:t> </a:t>
-            </a:r>
-            <a:r>
-              <a:rPr lang="en-US" dirty="0" err="1"/>
-              <a:t>neutralImage</a:t>
-            </a:r>
-            <a:r>
-              <a:rPr lang="en-US" dirty="0"/>
-              <a:t> = require('../images/neutral.jpg');}</a:t>
-            </a:r>
-          </a:p>
-          <a:p>
-            <a:pPr marL="0" indent="0">
+              <a:t>src</a:t>
+            </a:r>
+            <a:r>
+              <a:rPr lang="en-US" dirty="0"/>
+              <a:t>={image} /&gt;</a:t>
+            </a:r>
+          </a:p>
+          <a:p>
+            <a:pPr marL="457200" lvl="1" indent="0">
               <a:buNone/>
             </a:pPr>
             <a:r>
               <a:rPr lang="en-US" dirty="0"/>
-              <a:t>Then add an image variable and set it in your switch statement</a:t>
-            </a:r>
+              <a:t>&lt;/div&gt;</a:t>
+            </a:r>
+          </a:p>
+          <a:p>
+            <a:pPr marL="457200" lvl="1" indent="0">
+              <a:buNone/>
+            </a:pPr>
+            <a:endParaRPr lang="en-US" dirty="0"/>
           </a:p>
         </p:txBody>
       </p:sp>
     </p:spTree>
     <p:extLst>
       <p:ext uri="{BB962C8B-B14F-4D97-AF65-F5344CB8AC3E}">
-        <p14:creationId xmlns:p14="http://schemas.microsoft.com/office/powerpoint/2010/main" val="4077000602"/>
+        <p14:creationId xmlns:p14="http://schemas.microsoft.com/office/powerpoint/2010/main" val="1334404234"/>
       </p:ext>
     </p:extLst>
   </p:cSld>
@@ -10014,174 +9900,6 @@
 </file>
 
 <file path=ppt/slides/slide30.xml><?xml version="1.0" encoding="utf-8"?>
-<p:sld xmlns:a="http://schemas.openxmlformats.org/drawingml/2006/main" xmlns:r="http://schemas.openxmlformats.org/officeDocument/2006/relationships" xmlns:p="http://schemas.openxmlformats.org/presentationml/2006/main">
-  <p:cSld>
-    <p:spTree>
-      <p:nvGrpSpPr>
-        <p:cNvPr id="1" name=""/>
-        <p:cNvGrpSpPr/>
-        <p:nvPr/>
-      </p:nvGrpSpPr>
-      <p:grpSpPr>
-        <a:xfrm>
-          <a:off x="0" y="0"/>
-          <a:ext cx="0" cy="0"/>
-          <a:chOff x="0" y="0"/>
-          <a:chExt cx="0" cy="0"/>
-        </a:xfrm>
-      </p:grpSpPr>
-      <p:sp>
-        <p:nvSpPr>
-          <p:cNvPr id="2" name="Title 1">
-            <a:extLst>
-              <a:ext uri="{FF2B5EF4-FFF2-40B4-BE49-F238E27FC236}">
-                <a16:creationId xmlns:a16="http://schemas.microsoft.com/office/drawing/2014/main" id="{F17E8816-9BF2-4AB7-95B9-2A4DD6807E1C}"/>
-              </a:ext>
-            </a:extLst>
-          </p:cNvPr>
-          <p:cNvSpPr>
-            <a:spLocks noGrp="1"/>
-          </p:cNvSpPr>
-          <p:nvPr>
-            <p:ph type="title"/>
-          </p:nvPr>
-        </p:nvSpPr>
-        <p:spPr/>
-        <p:txBody>
-          <a:bodyPr/>
-          <a:lstStyle/>
-          <a:p>
-            <a:r>
-              <a:rPr lang="en-US" dirty="0"/>
-              <a:t>What to do with the fortune type </a:t>
-            </a:r>
-            <a:r>
-              <a:rPr lang="en-US" dirty="0" err="1"/>
-              <a:t>cont</a:t>
-            </a:r>
-            <a:r>
-              <a:rPr lang="en-US" dirty="0"/>
-              <a:t>…</a:t>
-            </a:r>
-          </a:p>
-        </p:txBody>
-      </p:sp>
-      <p:sp>
-        <p:nvSpPr>
-          <p:cNvPr id="3" name="Content Placeholder 2">
-            <a:extLst>
-              <a:ext uri="{FF2B5EF4-FFF2-40B4-BE49-F238E27FC236}">
-                <a16:creationId xmlns:a16="http://schemas.microsoft.com/office/drawing/2014/main" id="{6A22B13E-025E-4392-9551-4FE1C5532E90}"/>
-              </a:ext>
-            </a:extLst>
-          </p:cNvPr>
-          <p:cNvSpPr>
-            <a:spLocks noGrp="1"/>
-          </p:cNvSpPr>
-          <p:nvPr>
-            <p:ph idx="1"/>
-          </p:nvPr>
-        </p:nvSpPr>
-        <p:spPr/>
-        <p:txBody>
-          <a:bodyPr/>
-          <a:lstStyle/>
-          <a:p>
-            <a:r>
-              <a:rPr lang="en-US" dirty="0"/>
-              <a:t>To apply the image, just add it to your render HTML:</a:t>
-            </a:r>
-          </a:p>
-          <a:p>
-            <a:pPr marL="457200" lvl="1" indent="0">
-              <a:buNone/>
-            </a:pPr>
-            <a:r>
-              <a:rPr lang="en-US" dirty="0"/>
-              <a:t>&lt;div&gt;</a:t>
-            </a:r>
-          </a:p>
-          <a:p>
-            <a:pPr marL="457200" lvl="1" indent="0">
-              <a:buNone/>
-            </a:pPr>
-            <a:r>
-              <a:rPr lang="en-US" dirty="0"/>
-              <a:t>&lt;div style={style} </a:t>
-            </a:r>
-            <a:r>
-              <a:rPr lang="en-US" dirty="0" err="1"/>
-              <a:t>className</a:t>
-            </a:r>
-            <a:r>
-              <a:rPr lang="en-US" dirty="0"/>
-              <a:t>="Fortune-text"&gt; Your fortune is {</a:t>
-            </a:r>
-            <a:r>
-              <a:rPr lang="en-US" dirty="0" err="1"/>
-              <a:t>fortune.fortune</a:t>
-            </a:r>
-            <a:r>
-              <a:rPr lang="en-US" dirty="0"/>
-              <a:t>}&lt;/div&gt;</a:t>
-            </a:r>
-          </a:p>
-          <a:p>
-            <a:pPr marL="457200" lvl="1" indent="0">
-              <a:buNone/>
-            </a:pPr>
-            <a:r>
-              <a:rPr lang="en-US" dirty="0"/>
-              <a:t>&lt;</a:t>
-            </a:r>
-            <a:r>
-              <a:rPr lang="en-US" dirty="0" err="1"/>
-              <a:t>img</a:t>
-            </a:r>
-            <a:r>
-              <a:rPr lang="en-US" dirty="0"/>
-              <a:t> </a:t>
-            </a:r>
-            <a:r>
-              <a:rPr lang="en-US" dirty="0" err="1"/>
-              <a:t>src</a:t>
-            </a:r>
-            <a:r>
-              <a:rPr lang="en-US" dirty="0"/>
-              <a:t>={image} /&gt;</a:t>
-            </a:r>
-          </a:p>
-          <a:p>
-            <a:pPr marL="457200" lvl="1" indent="0">
-              <a:buNone/>
-            </a:pPr>
-            <a:r>
-              <a:rPr lang="en-US" dirty="0"/>
-              <a:t>&lt;/div&gt;</a:t>
-            </a:r>
-          </a:p>
-          <a:p>
-            <a:pPr marL="457200" lvl="1" indent="0">
-              <a:buNone/>
-            </a:pPr>
-            <a:endParaRPr lang="en-US" dirty="0"/>
-          </a:p>
-        </p:txBody>
-      </p:sp>
-    </p:spTree>
-    <p:extLst>
-      <p:ext uri="{BB962C8B-B14F-4D97-AF65-F5344CB8AC3E}">
-        <p14:creationId xmlns:p14="http://schemas.microsoft.com/office/powerpoint/2010/main" val="1334404234"/>
-      </p:ext>
-    </p:extLst>
-  </p:cSld>
-  <p:clrMapOvr>
-    <a:masterClrMapping/>
-  </p:clrMapOvr>
-</p:sld>
-</file>
-
-<file path=ppt/slides/slide31.xml><?xml version="1.0" encoding="utf-8"?>
 <p:sld xmlns:a="http://schemas.openxmlformats.org/drawingml/2006/main" xmlns:r="http://schemas.openxmlformats.org/officeDocument/2006/relationships" xmlns:p="http://schemas.openxmlformats.org/presentationml/2006/main">
   <p:cSld>
     <p:spTree>

--- a/magic-eight-ball/ReactPresentation.pptx
+++ b/magic-eight-ball/ReactPresentation.pptx
@@ -8702,10 +8702,9 @@
               <a:t>fortunes.length</a:t>
             </a:r>
             <a:r>
-              <a:rPr lang="en-US"/>
+              <a:rPr lang="en-US" dirty="0"/>
               <a:t>)]</a:t>
             </a:r>
-            <a:endParaRPr lang="en-US" dirty="0"/>
           </a:p>
           <a:p>
             <a:pPr marL="0" indent="0">
@@ -9058,7 +9057,7 @@
         <p:spPr/>
         <p:txBody>
           <a:bodyPr>
-            <a:normAutofit fontScale="92500" lnSpcReduction="10000"/>
+            <a:normAutofit lnSpcReduction="10000"/>
           </a:bodyPr>
           <a:lstStyle/>
           <a:p>
@@ -9155,26 +9154,10 @@
               <a:buNone/>
             </a:pPr>
             <a:r>
-              <a:rPr lang="en-US" dirty="0"/>
-              <a:t>	</a:t>
-            </a:r>
-            <a:r>
-              <a:rPr lang="en-US" dirty="0" err="1"/>
-              <a:t>fontWeight</a:t>
-            </a:r>
-            <a:r>
-              <a:rPr lang="en-US" dirty="0"/>
-              <a:t>: 'bold';</a:t>
-            </a:r>
-          </a:p>
-          <a:p>
-            <a:pPr marL="0" indent="0">
-              <a:buNone/>
-            </a:pPr>
-            <a:r>
-              <a:rPr lang="en-US" dirty="0"/>
+              <a:rPr lang="en-US"/>
               <a:t>}</a:t>
             </a:r>
+            <a:endParaRPr lang="en-US" dirty="0"/>
           </a:p>
           <a:p>
             <a:pPr marL="0" indent="0">

--- a/magic-eight-ball/ReactPresentation.pptx
+++ b/magic-eight-ball/ReactPresentation.pptx
@@ -9154,10 +9154,9 @@
               <a:buNone/>
             </a:pPr>
             <a:r>
-              <a:rPr lang="en-US"/>
+              <a:rPr lang="en-US" dirty="0"/>
               <a:t>}</a:t>
             </a:r>
-            <a:endParaRPr lang="en-US" dirty="0"/>
           </a:p>
           <a:p>
             <a:pPr marL="0" indent="0">
@@ -9766,8 +9765,13 @@
             </a:r>
             <a:r>
               <a:rPr lang="en-US" dirty="0"/>
-              <a:t>={image} /&gt;</a:t>
-            </a:r>
+              <a:t>={image</a:t>
+            </a:r>
+            <a:r>
+              <a:rPr lang="en-US"/>
+              <a:t>} /&gt;</a:t>
+            </a:r>
+            <a:endParaRPr lang="en-US" dirty="0"/>
           </a:p>
           <a:p>
             <a:pPr marL="457200" lvl="1" indent="0">
